--- a/16216/f15/lectures/16.216f15_lec20_arrays_p3.pptx
+++ b/16216/f15/lectures/16.216f15_lec20_arrays_p3.pptx
@@ -5,10 +5,10 @@
     <p:sldMasterId id="2147483792" r:id="rId1"/>
   </p:sldMasterIdLst>
   <p:notesMasterIdLst>
-    <p:notesMasterId r:id="rId18"/>
+    <p:notesMasterId r:id="rId10"/>
   </p:notesMasterIdLst>
   <p:handoutMasterIdLst>
-    <p:handoutMasterId r:id="rId19"/>
+    <p:handoutMasterId r:id="rId11"/>
   </p:handoutMasterIdLst>
   <p:sldIdLst>
     <p:sldId id="256" r:id="rId2"/>
@@ -18,15 +18,7 @@
     <p:sldId id="495" r:id="rId6"/>
     <p:sldId id="496" r:id="rId7"/>
     <p:sldId id="497" r:id="rId8"/>
-    <p:sldId id="501" r:id="rId9"/>
-    <p:sldId id="502" r:id="rId10"/>
-    <p:sldId id="503" r:id="rId11"/>
-    <p:sldId id="504" r:id="rId12"/>
-    <p:sldId id="505" r:id="rId13"/>
-    <p:sldId id="506" r:id="rId14"/>
-    <p:sldId id="507" r:id="rId15"/>
-    <p:sldId id="508" r:id="rId16"/>
-    <p:sldId id="410" r:id="rId17"/>
+    <p:sldId id="410" r:id="rId9"/>
   </p:sldIdLst>
   <p:sldSz cx="9144000" cy="6858000" type="screen4x3"/>
   <p:notesSz cx="9144000" cy="6858000"/>
@@ -527,7 +519,7 @@
         <p:nvSpPr>
           <p:cNvPr id="16388" name="Rectangle 4"/>
           <p:cNvSpPr>
-            <a:spLocks noRot="1" noChangeArrowheads="1" noTextEdit="1"/>
+            <a:spLocks noGrp="1" noRot="1" noChangeAspect="1" noChangeArrowheads="1" noTextEdit="1"/>
           </p:cNvSpPr>
           <p:nvPr>
             <p:ph type="sldImg" idx="2"/>
@@ -1051,249 +1043,7 @@
         <p:nvSpPr>
           <p:cNvPr id="19458" name="Rectangle 2"/>
           <p:cNvSpPr>
-            <a:spLocks noRot="1" noChangeArrowheads="1" noTextEdit="1"/>
-          </p:cNvSpPr>
-          <p:nvPr>
-            <p:ph type="sldImg"/>
-          </p:nvPr>
-        </p:nvSpPr>
-        <p:spPr>
-          <a:ln/>
-        </p:spPr>
-      </p:sp>
-      <p:sp>
-        <p:nvSpPr>
-          <p:cNvPr id="19459" name="Rectangle 3"/>
-          <p:cNvSpPr>
-            <a:spLocks noGrp="1" noChangeArrowheads="1"/>
-          </p:cNvSpPr>
-          <p:nvPr>
-            <p:ph type="body" idx="1"/>
-          </p:nvPr>
-        </p:nvSpPr>
-        <p:spPr>
-          <a:noFill/>
-          <a:ln/>
-          <a:extLst>
-            <a:ext uri="{909E8E84-426E-40dd-AFC4-6F175D3DCCD1}">
-              <a14:hiddenFill xmlns:a14="http://schemas.microsoft.com/office/drawing/2010/main">
-                <a:solidFill>
-                  <a:srgbClr val="FFFFFF"/>
-                </a:solidFill>
-              </a14:hiddenFill>
-            </a:ext>
-            <a:ext uri="{91240B29-F687-4f45-9708-019B960494DF}">
-              <a14:hiddenLine xmlns:a14="http://schemas.microsoft.com/office/drawing/2010/main" w="9525">
-                <a:solidFill>
-                  <a:srgbClr val="000000"/>
-                </a:solidFill>
-                <a:miter lim="800000"/>
-                <a:headEnd/>
-                <a:tailEnd/>
-              </a14:hiddenLine>
-            </a:ext>
-            <a:ext uri="{FAA26D3D-D897-4be2-8F04-BA451C77F1D7}">
-              <ma14:placeholderFlag xmlns:ma14="http://schemas.microsoft.com/office/mac/drawingml/2011/main" val="1"/>
-            </a:ext>
-          </a:extLst>
-        </p:spPr>
-        <p:txBody>
-          <a:bodyPr/>
-          <a:lstStyle/>
-          <a:p>
-            <a:pPr eaLnBrk="1" hangingPunct="1"/>
-            <a:endParaRPr lang="en-US"/>
-          </a:p>
-        </p:txBody>
-      </p:sp>
-    </p:spTree>
-  </p:cSld>
-  <p:clrMapOvr>
-    <a:masterClrMapping/>
-  </p:clrMapOvr>
-</p:notes>
-</file>
-
-<file path=ppt/notesSlides/notesSlide2.xml><?xml version="1.0" encoding="utf-8"?>
-<p:notes xmlns:a="http://schemas.openxmlformats.org/drawingml/2006/main" xmlns:r="http://schemas.openxmlformats.org/officeDocument/2006/relationships" xmlns:p="http://schemas.openxmlformats.org/presentationml/2006/main">
-  <p:cSld>
-    <p:spTree>
-      <p:nvGrpSpPr>
-        <p:cNvPr id="1" name=""/>
-        <p:cNvGrpSpPr/>
-        <p:nvPr/>
-      </p:nvGrpSpPr>
-      <p:grpSpPr>
-        <a:xfrm>
-          <a:off x="0" y="0"/>
-          <a:ext cx="0" cy="0"/>
-          <a:chOff x="0" y="0"/>
-          <a:chExt cx="0" cy="0"/>
-        </a:xfrm>
-      </p:grpSpPr>
-      <p:sp>
-        <p:nvSpPr>
-          <p:cNvPr id="19457" name="Rectangle 7"/>
-          <p:cNvSpPr>
-            <a:spLocks noGrp="1" noChangeArrowheads="1"/>
-          </p:cNvSpPr>
-          <p:nvPr>
-            <p:ph type="sldNum" sz="quarter" idx="5"/>
-          </p:nvPr>
-        </p:nvSpPr>
-        <p:spPr>
-          <a:noFill/>
-          <a:ln/>
-          <a:extLst>
-            <a:ext uri="{909E8E84-426E-40dd-AFC4-6F175D3DCCD1}">
-              <a14:hiddenFill xmlns:a14="http://schemas.microsoft.com/office/drawing/2010/main">
-                <a:solidFill>
-                  <a:srgbClr val="FFFFFF"/>
-                </a:solidFill>
-              </a14:hiddenFill>
-            </a:ext>
-            <a:ext uri="{91240B29-F687-4f45-9708-019B960494DF}">
-              <a14:hiddenLine xmlns:a14="http://schemas.microsoft.com/office/drawing/2010/main" w="9525">
-                <a:solidFill>
-                  <a:srgbClr val="000000"/>
-                </a:solidFill>
-                <a:miter lim="800000"/>
-                <a:headEnd/>
-                <a:tailEnd/>
-              </a14:hiddenLine>
-            </a:ext>
-          </a:extLst>
-        </p:spPr>
-        <p:txBody>
-          <a:bodyPr/>
-          <a:lstStyle>
-            <a:lvl1pPr eaLnBrk="0" hangingPunct="0">
-              <a:defRPr sz="2400">
-                <a:solidFill>
-                  <a:schemeClr val="tx1"/>
-                </a:solidFill>
-                <a:latin typeface="Arial" charset="0"/>
-                <a:ea typeface="ＭＳ Ｐゴシック" charset="0"/>
-                <a:cs typeface="ＭＳ Ｐゴシック" charset="0"/>
-              </a:defRPr>
-            </a:lvl1pPr>
-            <a:lvl2pPr marL="742950" indent="-285750" eaLnBrk="0" hangingPunct="0">
-              <a:defRPr sz="2400">
-                <a:solidFill>
-                  <a:schemeClr val="tx1"/>
-                </a:solidFill>
-                <a:latin typeface="Arial" charset="0"/>
-                <a:ea typeface="ＭＳ Ｐゴシック" charset="0"/>
-              </a:defRPr>
-            </a:lvl2pPr>
-            <a:lvl3pPr marL="1143000" indent="-228600" eaLnBrk="0" hangingPunct="0">
-              <a:defRPr sz="2400">
-                <a:solidFill>
-                  <a:schemeClr val="tx1"/>
-                </a:solidFill>
-                <a:latin typeface="Arial" charset="0"/>
-                <a:ea typeface="ＭＳ Ｐゴシック" charset="0"/>
-              </a:defRPr>
-            </a:lvl3pPr>
-            <a:lvl4pPr marL="1600200" indent="-228600" eaLnBrk="0" hangingPunct="0">
-              <a:defRPr sz="2400">
-                <a:solidFill>
-                  <a:schemeClr val="tx1"/>
-                </a:solidFill>
-                <a:latin typeface="Arial" charset="0"/>
-                <a:ea typeface="ＭＳ Ｐゴシック" charset="0"/>
-              </a:defRPr>
-            </a:lvl4pPr>
-            <a:lvl5pPr marL="2057400" indent="-228600" eaLnBrk="0" hangingPunct="0">
-              <a:defRPr sz="2400">
-                <a:solidFill>
-                  <a:schemeClr val="tx1"/>
-                </a:solidFill>
-                <a:latin typeface="Arial" charset="0"/>
-                <a:ea typeface="ＭＳ Ｐゴシック" charset="0"/>
-              </a:defRPr>
-            </a:lvl5pPr>
-            <a:lvl6pPr marL="2514600" indent="-228600" eaLnBrk="0" fontAlgn="base" hangingPunct="0">
-              <a:spcBef>
-                <a:spcPct val="0"/>
-              </a:spcBef>
-              <a:spcAft>
-                <a:spcPct val="0"/>
-              </a:spcAft>
-              <a:defRPr sz="2400">
-                <a:solidFill>
-                  <a:schemeClr val="tx1"/>
-                </a:solidFill>
-                <a:latin typeface="Arial" charset="0"/>
-                <a:ea typeface="ＭＳ Ｐゴシック" charset="0"/>
-              </a:defRPr>
-            </a:lvl6pPr>
-            <a:lvl7pPr marL="2971800" indent="-228600" eaLnBrk="0" fontAlgn="base" hangingPunct="0">
-              <a:spcBef>
-                <a:spcPct val="0"/>
-              </a:spcBef>
-              <a:spcAft>
-                <a:spcPct val="0"/>
-              </a:spcAft>
-              <a:defRPr sz="2400">
-                <a:solidFill>
-                  <a:schemeClr val="tx1"/>
-                </a:solidFill>
-                <a:latin typeface="Arial" charset="0"/>
-                <a:ea typeface="ＭＳ Ｐゴシック" charset="0"/>
-              </a:defRPr>
-            </a:lvl7pPr>
-            <a:lvl8pPr marL="3429000" indent="-228600" eaLnBrk="0" fontAlgn="base" hangingPunct="0">
-              <a:spcBef>
-                <a:spcPct val="0"/>
-              </a:spcBef>
-              <a:spcAft>
-                <a:spcPct val="0"/>
-              </a:spcAft>
-              <a:defRPr sz="2400">
-                <a:solidFill>
-                  <a:schemeClr val="tx1"/>
-                </a:solidFill>
-                <a:latin typeface="Arial" charset="0"/>
-                <a:ea typeface="ＭＳ Ｐゴシック" charset="0"/>
-              </a:defRPr>
-            </a:lvl8pPr>
-            <a:lvl9pPr marL="3886200" indent="-228600" eaLnBrk="0" fontAlgn="base" hangingPunct="0">
-              <a:spcBef>
-                <a:spcPct val="0"/>
-              </a:spcBef>
-              <a:spcAft>
-                <a:spcPct val="0"/>
-              </a:spcAft>
-              <a:defRPr sz="2400">
-                <a:solidFill>
-                  <a:schemeClr val="tx1"/>
-                </a:solidFill>
-                <a:latin typeface="Arial" charset="0"/>
-                <a:ea typeface="ＭＳ Ｐゴシック" charset="0"/>
-              </a:defRPr>
-            </a:lvl9pPr>
-          </a:lstStyle>
-          <a:p>
-            <a:pPr eaLnBrk="1" hangingPunct="1"/>
-            <a:fld id="{6C3CC87E-9B58-9D41-886E-8F824FBEB593}" type="slidenum">
-              <a:rPr lang="en-US" sz="1200">
-                <a:cs typeface="Arial" charset="0"/>
-              </a:rPr>
-              <a:pPr eaLnBrk="1" hangingPunct="1"/>
-              <a:t>8</a:t>
-            </a:fld>
-            <a:endParaRPr lang="en-US" sz="1200">
-              <a:cs typeface="Arial" charset="0"/>
-            </a:endParaRPr>
-          </a:p>
-        </p:txBody>
-      </p:sp>
-      <p:sp>
-        <p:nvSpPr>
-          <p:cNvPr id="19458" name="Rectangle 2"/>
-          <p:cNvSpPr>
-            <a:spLocks noRot="1" noChangeArrowheads="1" noTextEdit="1"/>
+            <a:spLocks noGrp="1" noRot="1" noChangeAspect="1" noChangeArrowheads="1" noTextEdit="1"/>
           </p:cNvSpPr>
           <p:nvPr>
             <p:ph type="sldImg"/>
@@ -1581,12 +1331,9 @@
             <a:pPr>
               <a:defRPr/>
             </a:pPr>
-            <a:fld id="{3533550B-E4C6-7A4A-964A-F37442F5079A}" type="datetime1">
-              <a:rPr lang="en-US"/>
-              <a:pPr>
-                <a:defRPr/>
-              </a:pPr>
-              <a:t>10/19/15</a:t>
+            <a:fld id="{50F17850-2D30-CE47-A38E-8923839B4636}" type="datetime1">
+              <a:rPr lang="en-US" smtClean="0"/>
+              <a:t>10/21/15</a:t>
             </a:fld>
             <a:endParaRPr lang="en-US"/>
           </a:p>
@@ -1620,9 +1367,10 @@
               <a:defRPr/>
             </a:pPr>
             <a:r>
-              <a:rPr lang="en-US" altLang="en-US"/>
-              <a:t>ECE Application Programming: Lecture 21</a:t>
-            </a:r>
+              <a:rPr lang="en-US" altLang="en-US" smtClean="0"/>
+              <a:t>ECE Application Programming: Lecture 20</a:t>
+            </a:r>
+            <a:endParaRPr lang="en-US" altLang="en-US"/>
           </a:p>
         </p:txBody>
       </p:sp>
@@ -1788,12 +1536,9 @@
             <a:pPr>
               <a:defRPr/>
             </a:pPr>
-            <a:fld id="{090019EE-8510-1441-A85F-08666A85AE47}" type="datetime1">
-              <a:rPr lang="en-US"/>
-              <a:pPr>
-                <a:defRPr/>
-              </a:pPr>
-              <a:t>10/19/15</a:t>
+            <a:fld id="{A1084C84-37A3-8540-84D6-743EAA879CC8}" type="datetime1">
+              <a:rPr lang="en-US" smtClean="0"/>
+              <a:t>10/21/15</a:t>
             </a:fld>
             <a:endParaRPr lang="en-US"/>
           </a:p>
@@ -1824,9 +1569,10 @@
               <a:defRPr/>
             </a:pPr>
             <a:r>
-              <a:rPr lang="en-US" altLang="en-US"/>
-              <a:t>ECE Application Programming: Lecture 21</a:t>
-            </a:r>
+              <a:rPr lang="en-US" altLang="en-US" smtClean="0"/>
+              <a:t>ECE Application Programming: Lecture 20</a:t>
+            </a:r>
+            <a:endParaRPr lang="en-US" altLang="en-US"/>
           </a:p>
         </p:txBody>
       </p:sp>
@@ -2004,12 +1750,9 @@
             <a:pPr>
               <a:defRPr/>
             </a:pPr>
-            <a:fld id="{AAEE5E2C-DAD0-FC43-B74D-7555A0A4588B}" type="datetime1">
-              <a:rPr lang="en-US"/>
-              <a:pPr>
-                <a:defRPr/>
-              </a:pPr>
-              <a:t>10/19/15</a:t>
+            <a:fld id="{793206BF-7217-B64F-A487-D8048CBF00FE}" type="datetime1">
+              <a:rPr lang="en-US" smtClean="0"/>
+              <a:t>10/21/15</a:t>
             </a:fld>
             <a:endParaRPr lang="en-US"/>
           </a:p>
@@ -2040,9 +1783,10 @@
               <a:defRPr/>
             </a:pPr>
             <a:r>
-              <a:rPr lang="en-US" altLang="en-US"/>
-              <a:t>ECE Application Programming: Lecture 21</a:t>
-            </a:r>
+              <a:rPr lang="en-US" altLang="en-US" smtClean="0"/>
+              <a:t>ECE Application Programming: Lecture 20</a:t>
+            </a:r>
+            <a:endParaRPr lang="en-US" altLang="en-US"/>
           </a:p>
         </p:txBody>
       </p:sp>
@@ -2277,12 +2021,9 @@
             <a:pPr>
               <a:defRPr/>
             </a:pPr>
-            <a:fld id="{947F6FA5-8318-CE42-B02C-16654593ECC6}" type="datetime1">
-              <a:rPr lang="en-US"/>
-              <a:pPr>
-                <a:defRPr/>
-              </a:pPr>
-              <a:t>10/19/15</a:t>
+            <a:fld id="{53322E10-62CE-CD45-8312-D030BB456A2A}" type="datetime1">
+              <a:rPr lang="en-US" smtClean="0"/>
+              <a:t>10/21/15</a:t>
             </a:fld>
             <a:endParaRPr lang="en-US"/>
           </a:p>
@@ -2313,9 +2054,10 @@
               <a:defRPr/>
             </a:pPr>
             <a:r>
-              <a:rPr lang="en-US" altLang="en-US"/>
-              <a:t>ECE Application Programming: Lecture 21</a:t>
-            </a:r>
+              <a:rPr lang="en-US" altLang="en-US" smtClean="0"/>
+              <a:t>ECE Application Programming: Lecture 20</a:t>
+            </a:r>
+            <a:endParaRPr lang="en-US" altLang="en-US"/>
           </a:p>
         </p:txBody>
       </p:sp>
@@ -2550,12 +2292,9 @@
             <a:pPr>
               <a:defRPr/>
             </a:pPr>
-            <a:fld id="{F29CA332-D546-404C-9C03-2B11794B5BCD}" type="datetime1">
-              <a:rPr lang="en-US"/>
-              <a:pPr>
-                <a:defRPr/>
-              </a:pPr>
-              <a:t>10/19/15</a:t>
+            <a:fld id="{97355D11-CCF0-8347-8ED0-7223D815DBC4}" type="datetime1">
+              <a:rPr lang="en-US" smtClean="0"/>
+              <a:t>10/21/15</a:t>
             </a:fld>
             <a:endParaRPr lang="en-US"/>
           </a:p>
@@ -2586,9 +2325,10 @@
               <a:defRPr/>
             </a:pPr>
             <a:r>
-              <a:rPr lang="en-US" altLang="en-US"/>
-              <a:t>ECE Application Programming: Lecture 21</a:t>
-            </a:r>
+              <a:rPr lang="en-US" altLang="en-US" smtClean="0"/>
+              <a:t>ECE Application Programming: Lecture 20</a:t>
+            </a:r>
+            <a:endParaRPr lang="en-US" altLang="en-US"/>
           </a:p>
         </p:txBody>
       </p:sp>
@@ -2756,12 +2496,9 @@
             <a:pPr>
               <a:defRPr/>
             </a:pPr>
-            <a:fld id="{90485BCE-F122-7D4F-A3A5-FC8ECF366A50}" type="datetime1">
-              <a:rPr lang="en-US"/>
-              <a:pPr>
-                <a:defRPr/>
-              </a:pPr>
-              <a:t>10/19/15</a:t>
+            <a:fld id="{7DA6ADA0-9FDD-4F40-8DA1-F006758718BD}" type="datetime1">
+              <a:rPr lang="en-US" smtClean="0"/>
+              <a:t>10/21/15</a:t>
             </a:fld>
             <a:endParaRPr lang="en-US"/>
           </a:p>
@@ -2792,9 +2529,10 @@
               <a:defRPr/>
             </a:pPr>
             <a:r>
-              <a:rPr lang="en-US" altLang="en-US"/>
-              <a:t>ECE Application Programming: Lecture 21</a:t>
-            </a:r>
+              <a:rPr lang="en-US" altLang="en-US" smtClean="0"/>
+              <a:t>ECE Application Programming: Lecture 20</a:t>
+            </a:r>
+            <a:endParaRPr lang="en-US" altLang="en-US"/>
           </a:p>
         </p:txBody>
       </p:sp>
@@ -2984,12 +2722,9 @@
             <a:pPr>
               <a:defRPr/>
             </a:pPr>
-            <a:fld id="{8E05D5CE-48D0-E049-ACC5-CC094AE9DCCD}" type="datetime1">
-              <a:rPr lang="en-US"/>
-              <a:pPr>
-                <a:defRPr/>
-              </a:pPr>
-              <a:t>10/19/15</a:t>
+            <a:fld id="{0B4B1CA3-CBBC-7D4A-920E-3D77F61C1F8D}" type="datetime1">
+              <a:rPr lang="en-US" smtClean="0"/>
+              <a:t>10/21/15</a:t>
             </a:fld>
             <a:endParaRPr lang="en-US"/>
           </a:p>
@@ -3020,9 +2755,10 @@
               <a:defRPr/>
             </a:pPr>
             <a:r>
-              <a:rPr lang="en-US" altLang="en-US"/>
-              <a:t>ECE Application Programming: Lecture 21</a:t>
-            </a:r>
+              <a:rPr lang="en-US" altLang="en-US" smtClean="0"/>
+              <a:t>ECE Application Programming: Lecture 20</a:t>
+            </a:r>
+            <a:endParaRPr lang="en-US" altLang="en-US"/>
           </a:p>
         </p:txBody>
       </p:sp>
@@ -3308,12 +3044,9 @@
             <a:pPr>
               <a:defRPr/>
             </a:pPr>
-            <a:fld id="{0596BCD8-62F9-4140-87FE-D523C82B8585}" type="datetime1">
-              <a:rPr lang="en-US"/>
-              <a:pPr>
-                <a:defRPr/>
-              </a:pPr>
-              <a:t>10/19/15</a:t>
+            <a:fld id="{027C54DC-1743-5F45-8285-20D5C2CF21A5}" type="datetime1">
+              <a:rPr lang="en-US" smtClean="0"/>
+              <a:t>10/21/15</a:t>
             </a:fld>
             <a:endParaRPr lang="en-US"/>
           </a:p>
@@ -3344,9 +3077,10 @@
               <a:defRPr/>
             </a:pPr>
             <a:r>
-              <a:rPr lang="en-US" altLang="en-US"/>
-              <a:t>ECE Application Programming: Lecture 21</a:t>
-            </a:r>
+              <a:rPr lang="en-US" altLang="en-US" smtClean="0"/>
+              <a:t>ECE Application Programming: Lecture 20</a:t>
+            </a:r>
+            <a:endParaRPr lang="en-US" altLang="en-US"/>
           </a:p>
         </p:txBody>
       </p:sp>
@@ -3771,12 +3505,9 @@
             <a:pPr>
               <a:defRPr/>
             </a:pPr>
-            <a:fld id="{868F6631-2730-C444-9E32-F823C836FDCF}" type="datetime1">
-              <a:rPr lang="en-US"/>
-              <a:pPr>
-                <a:defRPr/>
-              </a:pPr>
-              <a:t>10/19/15</a:t>
+            <a:fld id="{A970B562-0249-4B49-BBCC-73AE33B55ED8}" type="datetime1">
+              <a:rPr lang="en-US" smtClean="0"/>
+              <a:t>10/21/15</a:t>
             </a:fld>
             <a:endParaRPr lang="en-US"/>
           </a:p>
@@ -3807,9 +3538,10 @@
               <a:defRPr/>
             </a:pPr>
             <a:r>
-              <a:rPr lang="en-US" altLang="en-US"/>
-              <a:t>ECE Application Programming: Lecture 21</a:t>
-            </a:r>
+              <a:rPr lang="en-US" altLang="en-US" smtClean="0"/>
+              <a:t>ECE Application Programming: Lecture 20</a:t>
+            </a:r>
+            <a:endParaRPr lang="en-US" altLang="en-US"/>
           </a:p>
         </p:txBody>
       </p:sp>
@@ -3925,12 +3657,9 @@
             <a:pPr>
               <a:defRPr/>
             </a:pPr>
-            <a:fld id="{562E6F35-6CE6-2C45-9A42-E953598AB7CD}" type="datetime1">
-              <a:rPr lang="en-US"/>
-              <a:pPr>
-                <a:defRPr/>
-              </a:pPr>
-              <a:t>10/19/15</a:t>
+            <a:fld id="{393E8AE0-0F37-0142-9D5D-3603313A39DB}" type="datetime1">
+              <a:rPr lang="en-US" smtClean="0"/>
+              <a:t>10/21/15</a:t>
             </a:fld>
             <a:endParaRPr lang="en-US"/>
           </a:p>
@@ -3961,9 +3690,10 @@
               <a:defRPr/>
             </a:pPr>
             <a:r>
-              <a:rPr lang="en-US" altLang="en-US"/>
-              <a:t>ECE Application Programming: Lecture 21</a:t>
-            </a:r>
+              <a:rPr lang="en-US" altLang="en-US" smtClean="0"/>
+              <a:t>ECE Application Programming: Lecture 20</a:t>
+            </a:r>
+            <a:endParaRPr lang="en-US" altLang="en-US"/>
           </a:p>
         </p:txBody>
       </p:sp>
@@ -4056,12 +3786,9 @@
             <a:pPr>
               <a:defRPr/>
             </a:pPr>
-            <a:fld id="{6BA49530-CC99-3844-932D-D3DEF0BD06CC}" type="datetime1">
-              <a:rPr lang="en-US"/>
-              <a:pPr>
-                <a:defRPr/>
-              </a:pPr>
-              <a:t>10/19/15</a:t>
+            <a:fld id="{A421F6EA-8258-EE4D-B6A4-CFCFAECBC05A}" type="datetime1">
+              <a:rPr lang="en-US" smtClean="0"/>
+              <a:t>10/21/15</a:t>
             </a:fld>
             <a:endParaRPr lang="en-US"/>
           </a:p>
@@ -4092,9 +3819,10 @@
               <a:defRPr/>
             </a:pPr>
             <a:r>
-              <a:rPr lang="en-US" altLang="en-US"/>
-              <a:t>ECE Application Programming: Lecture 21</a:t>
-            </a:r>
+              <a:rPr lang="en-US" altLang="en-US" smtClean="0"/>
+              <a:t>ECE Application Programming: Lecture 20</a:t>
+            </a:r>
+            <a:endParaRPr lang="en-US" altLang="en-US"/>
           </a:p>
         </p:txBody>
       </p:sp>
@@ -4369,12 +4097,9 @@
             <a:pPr>
               <a:defRPr/>
             </a:pPr>
-            <a:fld id="{D5469836-9605-C544-9C4B-22582B125545}" type="datetime1">
-              <a:rPr lang="en-US"/>
-              <a:pPr>
-                <a:defRPr/>
-              </a:pPr>
-              <a:t>10/19/15</a:t>
+            <a:fld id="{09000E16-2AA1-DD4E-872D-CE0957CFE768}" type="datetime1">
+              <a:rPr lang="en-US" smtClean="0"/>
+              <a:t>10/21/15</a:t>
             </a:fld>
             <a:endParaRPr lang="en-US"/>
           </a:p>
@@ -4405,9 +4130,10 @@
               <a:defRPr/>
             </a:pPr>
             <a:r>
-              <a:rPr lang="en-US" altLang="en-US"/>
-              <a:t>ECE Application Programming: Lecture 21</a:t>
-            </a:r>
+              <a:rPr lang="en-US" altLang="en-US" smtClean="0"/>
+              <a:t>ECE Application Programming: Lecture 20</a:t>
+            </a:r>
+            <a:endParaRPr lang="en-US" altLang="en-US"/>
           </a:p>
         </p:txBody>
       </p:sp>
@@ -4659,12 +4385,9 @@
             <a:pPr>
               <a:defRPr/>
             </a:pPr>
-            <a:fld id="{856B8694-3E40-8646-A5BF-C2426E457E21}" type="datetime1">
-              <a:rPr lang="en-US"/>
-              <a:pPr>
-                <a:defRPr/>
-              </a:pPr>
-              <a:t>10/19/15</a:t>
+            <a:fld id="{4F41A5E6-36DB-7E4B-97F0-30016169CEFD}" type="datetime1">
+              <a:rPr lang="en-US" smtClean="0"/>
+              <a:t>10/21/15</a:t>
             </a:fld>
             <a:endParaRPr lang="en-US"/>
           </a:p>
@@ -4695,9 +4418,10 @@
               <a:defRPr/>
             </a:pPr>
             <a:r>
-              <a:rPr lang="en-US" altLang="en-US"/>
-              <a:t>ECE Application Programming: Lecture 21</a:t>
-            </a:r>
+              <a:rPr lang="en-US" altLang="en-US" smtClean="0"/>
+              <a:t>ECE Application Programming: Lecture 20</a:t>
+            </a:r>
+            <a:endParaRPr lang="en-US" altLang="en-US"/>
           </a:p>
         </p:txBody>
       </p:sp>
@@ -4968,12 +4692,9 @@
             <a:pPr>
               <a:defRPr/>
             </a:pPr>
-            <a:fld id="{7C9A1BF8-DE4B-F840-A50C-0F59EC7E047A}" type="datetime1">
-              <a:rPr lang="en-US"/>
-              <a:pPr>
-                <a:defRPr/>
-              </a:pPr>
-              <a:t>10/19/15</a:t>
+            <a:fld id="{D05FDBFB-4EBA-6346-8DFC-BEB2AF9ED8A0}" type="datetime1">
+              <a:rPr lang="en-US" smtClean="0"/>
+              <a:t>10/21/15</a:t>
             </a:fld>
             <a:endParaRPr lang="en-US"/>
           </a:p>
@@ -5026,9 +4747,10 @@
               <a:defRPr/>
             </a:pPr>
             <a:r>
-              <a:rPr lang="en-US" altLang="en-US"/>
-              <a:t>ECE Application Programming: Lecture 21</a:t>
-            </a:r>
+              <a:rPr lang="en-US" altLang="en-US" smtClean="0"/>
+              <a:t>ECE Application Programming: Lecture 20</a:t>
+            </a:r>
+            <a:endParaRPr lang="en-US" altLang="en-US"/>
           </a:p>
         </p:txBody>
       </p:sp>
@@ -5737,7 +5459,7 @@
         </p:spPr>
         <p:txBody>
           <a:bodyPr>
-            <a:normAutofit lnSpcReduction="10000"/>
+            <a:normAutofit/>
           </a:bodyPr>
           <a:lstStyle/>
           <a:p>
@@ -5884,4826 +5606,16 @@
               <a:rPr lang="en-US" dirty="0">
                 <a:latin typeface="Arial" charset="0"/>
               </a:rPr>
-              <a:t>Two-dimensional arrays</a:t>
-            </a:r>
-          </a:p>
-          <a:p>
-            <a:pPr algn="ctr" eaLnBrk="1" hangingPunct="1">
-              <a:lnSpc>
-                <a:spcPct val="90000"/>
-              </a:lnSpc>
-              <a:buFont typeface="Wingdings" charset="0"/>
-              <a:buNone/>
-              <a:defRPr/>
-            </a:pPr>
-            <a:r>
-              <a:rPr lang="en-US" dirty="0">
-                <a:latin typeface="Arial" charset="0"/>
-              </a:rPr>
-              <a:t>Arrays and functions</a:t>
-            </a:r>
-          </a:p>
-        </p:txBody>
-      </p:sp>
-    </p:spTree>
-  </p:cSld>
-  <p:clrMapOvr>
-    <a:masterClrMapping/>
-  </p:clrMapOvr>
-  <p:timing>
-    <p:tnLst>
-      <p:par>
-        <p:cTn xmlns:p14="http://schemas.microsoft.com/office/powerpoint/2010/main" id="1" dur="indefinite" restart="never" nodeType="tmRoot"/>
-      </p:par>
-    </p:tnLst>
-  </p:timing>
-</p:sld>
-</file>
-
-<file path=ppt/slides/slide10.xml><?xml version="1.0" encoding="utf-8"?>
-<p:sld xmlns:a="http://schemas.openxmlformats.org/drawingml/2006/main" xmlns:r="http://schemas.openxmlformats.org/officeDocument/2006/relationships" xmlns:p="http://schemas.openxmlformats.org/presentationml/2006/main">
-  <p:cSld>
-    <p:spTree>
-      <p:nvGrpSpPr>
-        <p:cNvPr id="1" name=""/>
-        <p:cNvGrpSpPr/>
-        <p:nvPr/>
-      </p:nvGrpSpPr>
-      <p:grpSpPr>
-        <a:xfrm>
-          <a:off x="0" y="0"/>
-          <a:ext cx="0" cy="0"/>
-          <a:chOff x="0" y="0"/>
-          <a:chExt cx="0" cy="0"/>
-        </a:xfrm>
-      </p:grpSpPr>
-      <p:sp>
-        <p:nvSpPr>
-          <p:cNvPr id="21505" name="Title 1"/>
-          <p:cNvSpPr>
-            <a:spLocks noGrp="1"/>
-          </p:cNvSpPr>
-          <p:nvPr>
-            <p:ph type="title"/>
-          </p:nvPr>
-        </p:nvSpPr>
-        <p:spPr/>
-        <p:txBody>
-          <a:bodyPr/>
-          <a:lstStyle/>
-          <a:p>
-            <a:r>
-              <a:rPr lang="en-US">
-                <a:latin typeface="Garamond" charset="0"/>
-              </a:rPr>
-              <a:t>Strings, output, and functions</a:t>
-            </a:r>
-          </a:p>
-        </p:txBody>
-      </p:sp>
-      <p:sp>
-        <p:nvSpPr>
-          <p:cNvPr id="21506" name="Content Placeholder 2"/>
-          <p:cNvSpPr>
-            <a:spLocks noGrp="1"/>
-          </p:cNvSpPr>
-          <p:nvPr>
-            <p:ph idx="1"/>
-          </p:nvPr>
-        </p:nvSpPr>
-        <p:spPr/>
-        <p:txBody>
-          <a:bodyPr/>
-          <a:lstStyle/>
-          <a:p>
-            <a:r>
-              <a:rPr lang="en-US">
-                <a:latin typeface="Arial" charset="0"/>
-              </a:rPr>
-              <a:t>Can pass string as array or pointer: </a:t>
-            </a:r>
-            <a:r>
-              <a:rPr lang="en-US">
-                <a:latin typeface="Courier New" charset="0"/>
-                <a:cs typeface="Courier New" charset="0"/>
-              </a:rPr>
-              <a:t>char *</a:t>
-            </a:r>
-          </a:p>
-          <a:p>
-            <a:pPr lvl="1"/>
-            <a:r>
-              <a:rPr lang="en-US">
-                <a:latin typeface="Courier New" charset="0"/>
-                <a:cs typeface="Courier New" charset="0"/>
-              </a:rPr>
-              <a:t>printf()</a:t>
-            </a:r>
-            <a:r>
-              <a:rPr lang="en-US">
-                <a:latin typeface="Arial" charset="0"/>
-              </a:rPr>
-              <a:t>, </a:t>
-            </a:r>
-            <a:r>
-              <a:rPr lang="en-US">
-                <a:latin typeface="Courier New" charset="0"/>
-                <a:cs typeface="Courier New" charset="0"/>
-              </a:rPr>
-              <a:t>scanf()</a:t>
-            </a:r>
-            <a:r>
-              <a:rPr lang="en-US">
-                <a:latin typeface="Arial" charset="0"/>
-              </a:rPr>
-              <a:t> take </a:t>
-            </a:r>
-            <a:r>
-              <a:rPr lang="en-US">
-                <a:latin typeface="Courier New" charset="0"/>
-                <a:cs typeface="Courier New" charset="0"/>
-              </a:rPr>
-              <a:t>char *</a:t>
-            </a:r>
-            <a:r>
-              <a:rPr lang="en-US">
-                <a:latin typeface="Arial" charset="0"/>
-              </a:rPr>
-              <a:t> as first argument</a:t>
-            </a:r>
-          </a:p>
-          <a:p>
-            <a:pPr lvl="1"/>
-            <a:r>
-              <a:rPr lang="en-US">
-                <a:latin typeface="Arial" charset="0"/>
-              </a:rPr>
-              <a:t>Given string </a:t>
-            </a:r>
-            <a:r>
-              <a:rPr lang="en-US">
-                <a:latin typeface="Courier New" charset="0"/>
-                <a:cs typeface="Courier New" charset="0"/>
-              </a:rPr>
-              <a:t>char hello[]</a:t>
-            </a:r>
-            <a:r>
-              <a:rPr lang="en-US">
-                <a:latin typeface="Arial" charset="0"/>
-              </a:rPr>
-              <a:t> from previous slide:</a:t>
-            </a:r>
-          </a:p>
-          <a:p>
-            <a:pPr lvl="2"/>
-            <a:r>
-              <a:rPr lang="en-US">
-                <a:latin typeface="Arial" charset="0"/>
-              </a:rPr>
-              <a:t>Print directly: </a:t>
-            </a:r>
-            <a:r>
-              <a:rPr lang="en-US">
-                <a:latin typeface="Courier New" charset="0"/>
-                <a:cs typeface="Courier New" charset="0"/>
-              </a:rPr>
-              <a:t>printf(hello);</a:t>
-            </a:r>
-          </a:p>
-          <a:p>
-            <a:pPr lvl="2"/>
-            <a:r>
-              <a:rPr lang="en-US">
-                <a:latin typeface="Arial" charset="0"/>
-                <a:cs typeface="Courier New" charset="0"/>
-              </a:rPr>
-              <a:t>Print w/formatting using %s: </a:t>
-            </a:r>
-            <a:r>
-              <a:rPr lang="en-US">
-                <a:latin typeface="Courier New" charset="0"/>
-                <a:cs typeface="Courier New" charset="0"/>
-              </a:rPr>
-              <a:t>printf(“%s\n”, 						 hello);</a:t>
-            </a:r>
-          </a:p>
-          <a:p>
-            <a:pPr lvl="2"/>
-            <a:r>
-              <a:rPr lang="en-US">
-                <a:latin typeface="Arial" charset="0"/>
-                <a:cs typeface="Courier New" charset="0"/>
-              </a:rPr>
-              <a:t>Print individual character:  </a:t>
-            </a:r>
-            <a:r>
-              <a:rPr lang="en-US">
-                <a:latin typeface="Courier New" charset="0"/>
-                <a:cs typeface="Courier New" charset="0"/>
-              </a:rPr>
-              <a:t>printf(“%c\n”, 						hello[1]);</a:t>
-            </a:r>
-          </a:p>
-        </p:txBody>
-      </p:sp>
-      <p:sp>
-        <p:nvSpPr>
-          <p:cNvPr id="21507" name="Date Placeholder 3"/>
-          <p:cNvSpPr>
-            <a:spLocks noGrp="1"/>
-          </p:cNvSpPr>
-          <p:nvPr>
-            <p:ph type="dt" sz="quarter" idx="10"/>
-          </p:nvPr>
-        </p:nvSpPr>
-        <p:spPr>
-          <a:noFill/>
-          <a:ln/>
-          <a:extLst>
-            <a:ext uri="{909E8E84-426E-40dd-AFC4-6F175D3DCCD1}">
-              <a14:hiddenFill xmlns:a14="http://schemas.microsoft.com/office/drawing/2010/main">
-                <a:solidFill>
-                  <a:srgbClr val="FFFFFF"/>
-                </a:solidFill>
-              </a14:hiddenFill>
-            </a:ext>
-            <a:ext uri="{91240B29-F687-4f45-9708-019B960494DF}">
-              <a14:hiddenLine xmlns:a14="http://schemas.microsoft.com/office/drawing/2010/main" w="9525">
-                <a:solidFill>
-                  <a:srgbClr val="000000"/>
-                </a:solidFill>
-                <a:miter lim="800000"/>
-                <a:headEnd/>
-                <a:tailEnd/>
-              </a14:hiddenLine>
-            </a:ext>
-          </a:extLst>
-        </p:spPr>
-        <p:txBody>
-          <a:bodyPr/>
-          <a:lstStyle>
-            <a:lvl1pPr eaLnBrk="0" hangingPunct="0">
-              <a:defRPr sz="2400">
-                <a:solidFill>
-                  <a:schemeClr val="tx1"/>
-                </a:solidFill>
-                <a:latin typeface="Arial" charset="0"/>
-                <a:ea typeface="ＭＳ Ｐゴシック" charset="0"/>
-                <a:cs typeface="ＭＳ Ｐゴシック" charset="0"/>
-              </a:defRPr>
-            </a:lvl1pPr>
-            <a:lvl2pPr marL="742950" indent="-285750" eaLnBrk="0" hangingPunct="0">
-              <a:defRPr sz="2400">
-                <a:solidFill>
-                  <a:schemeClr val="tx1"/>
-                </a:solidFill>
-                <a:latin typeface="Arial" charset="0"/>
-                <a:ea typeface="ＭＳ Ｐゴシック" charset="0"/>
-              </a:defRPr>
-            </a:lvl2pPr>
-            <a:lvl3pPr marL="1143000" indent="-228600" eaLnBrk="0" hangingPunct="0">
-              <a:defRPr sz="2400">
-                <a:solidFill>
-                  <a:schemeClr val="tx1"/>
-                </a:solidFill>
-                <a:latin typeface="Arial" charset="0"/>
-                <a:ea typeface="ＭＳ Ｐゴシック" charset="0"/>
-              </a:defRPr>
-            </a:lvl3pPr>
-            <a:lvl4pPr marL="1600200" indent="-228600" eaLnBrk="0" hangingPunct="0">
-              <a:defRPr sz="2400">
-                <a:solidFill>
-                  <a:schemeClr val="tx1"/>
-                </a:solidFill>
-                <a:latin typeface="Arial" charset="0"/>
-                <a:ea typeface="ＭＳ Ｐゴシック" charset="0"/>
-              </a:defRPr>
-            </a:lvl4pPr>
-            <a:lvl5pPr marL="2057400" indent="-228600" eaLnBrk="0" hangingPunct="0">
-              <a:defRPr sz="2400">
-                <a:solidFill>
-                  <a:schemeClr val="tx1"/>
-                </a:solidFill>
-                <a:latin typeface="Arial" charset="0"/>
-                <a:ea typeface="ＭＳ Ｐゴシック" charset="0"/>
-              </a:defRPr>
-            </a:lvl5pPr>
-            <a:lvl6pPr marL="2514600" indent="-228600" eaLnBrk="0" fontAlgn="base" hangingPunct="0">
-              <a:spcBef>
-                <a:spcPct val="0"/>
-              </a:spcBef>
-              <a:spcAft>
-                <a:spcPct val="0"/>
-              </a:spcAft>
-              <a:defRPr sz="2400">
-                <a:solidFill>
-                  <a:schemeClr val="tx1"/>
-                </a:solidFill>
-                <a:latin typeface="Arial" charset="0"/>
-                <a:ea typeface="ＭＳ Ｐゴシック" charset="0"/>
-              </a:defRPr>
-            </a:lvl6pPr>
-            <a:lvl7pPr marL="2971800" indent="-228600" eaLnBrk="0" fontAlgn="base" hangingPunct="0">
-              <a:spcBef>
-                <a:spcPct val="0"/>
-              </a:spcBef>
-              <a:spcAft>
-                <a:spcPct val="0"/>
-              </a:spcAft>
-              <a:defRPr sz="2400">
-                <a:solidFill>
-                  <a:schemeClr val="tx1"/>
-                </a:solidFill>
-                <a:latin typeface="Arial" charset="0"/>
-                <a:ea typeface="ＭＳ Ｐゴシック" charset="0"/>
-              </a:defRPr>
-            </a:lvl7pPr>
-            <a:lvl8pPr marL="3429000" indent="-228600" eaLnBrk="0" fontAlgn="base" hangingPunct="0">
-              <a:spcBef>
-                <a:spcPct val="0"/>
-              </a:spcBef>
-              <a:spcAft>
-                <a:spcPct val="0"/>
-              </a:spcAft>
-              <a:defRPr sz="2400">
-                <a:solidFill>
-                  <a:schemeClr val="tx1"/>
-                </a:solidFill>
-                <a:latin typeface="Arial" charset="0"/>
-                <a:ea typeface="ＭＳ Ｐゴシック" charset="0"/>
-              </a:defRPr>
-            </a:lvl8pPr>
-            <a:lvl9pPr marL="3886200" indent="-228600" eaLnBrk="0" fontAlgn="base" hangingPunct="0">
-              <a:spcBef>
-                <a:spcPct val="0"/>
-              </a:spcBef>
-              <a:spcAft>
-                <a:spcPct val="0"/>
-              </a:spcAft>
-              <a:defRPr sz="2400">
-                <a:solidFill>
-                  <a:schemeClr val="tx1"/>
-                </a:solidFill>
-                <a:latin typeface="Arial" charset="0"/>
-                <a:ea typeface="ＭＳ Ｐゴシック" charset="0"/>
-              </a:defRPr>
-            </a:lvl9pPr>
-          </a:lstStyle>
-          <a:p>
-            <a:pPr eaLnBrk="1" hangingPunct="1"/>
-            <a:fld id="{63C08448-D92E-3C41-B882-661D78ABAE17}" type="datetime1">
-              <a:rPr lang="en-US" sz="1200">
-                <a:latin typeface="Garamond" charset="0"/>
-                <a:cs typeface="Arial" charset="0"/>
-              </a:rPr>
-              <a:pPr eaLnBrk="1" hangingPunct="1"/>
-              <a:t>10/19/15</a:t>
-            </a:fld>
-            <a:endParaRPr lang="en-US" sz="1200">
-              <a:latin typeface="Garamond" charset="0"/>
-              <a:cs typeface="Arial" charset="0"/>
-            </a:endParaRPr>
-          </a:p>
-        </p:txBody>
-      </p:sp>
-      <p:sp>
-        <p:nvSpPr>
-          <p:cNvPr id="5" name="Footer Placeholder 4"/>
-          <p:cNvSpPr>
-            <a:spLocks noGrp="1"/>
-          </p:cNvSpPr>
-          <p:nvPr>
-            <p:ph type="ftr" sz="quarter" idx="11"/>
-          </p:nvPr>
-        </p:nvSpPr>
-        <p:spPr/>
-        <p:txBody>
-          <a:bodyPr/>
-          <a:lstStyle/>
-          <a:p>
-            <a:pPr>
-              <a:defRPr/>
-            </a:pPr>
-            <a:r>
-              <a:rPr lang="en-US" altLang="en-US"/>
-              <a:t>ECE Application Programming: Lecture 22</a:t>
-            </a:r>
-          </a:p>
-        </p:txBody>
-      </p:sp>
-      <p:sp>
-        <p:nvSpPr>
-          <p:cNvPr id="21509" name="Slide Number Placeholder 5"/>
-          <p:cNvSpPr>
-            <a:spLocks noGrp="1"/>
-          </p:cNvSpPr>
-          <p:nvPr>
-            <p:ph type="sldNum" sz="quarter" idx="12"/>
-          </p:nvPr>
-        </p:nvSpPr>
-        <p:spPr>
-          <a:noFill/>
-          <a:ln/>
-          <a:extLst>
-            <a:ext uri="{909E8E84-426E-40dd-AFC4-6F175D3DCCD1}">
-              <a14:hiddenFill xmlns:a14="http://schemas.microsoft.com/office/drawing/2010/main">
-                <a:solidFill>
-                  <a:srgbClr val="FFFFFF"/>
-                </a:solidFill>
-              </a14:hiddenFill>
-            </a:ext>
-            <a:ext uri="{91240B29-F687-4f45-9708-019B960494DF}">
-              <a14:hiddenLine xmlns:a14="http://schemas.microsoft.com/office/drawing/2010/main" w="9525">
-                <a:solidFill>
-                  <a:srgbClr val="000000"/>
-                </a:solidFill>
-                <a:miter lim="800000"/>
-                <a:headEnd/>
-                <a:tailEnd/>
-              </a14:hiddenLine>
-            </a:ext>
-          </a:extLst>
-        </p:spPr>
-        <p:txBody>
-          <a:bodyPr/>
-          <a:lstStyle>
-            <a:lvl1pPr eaLnBrk="0" hangingPunct="0">
-              <a:defRPr sz="2400">
-                <a:solidFill>
-                  <a:schemeClr val="tx1"/>
-                </a:solidFill>
-                <a:latin typeface="Arial" charset="0"/>
-                <a:ea typeface="ＭＳ Ｐゴシック" charset="0"/>
-                <a:cs typeface="ＭＳ Ｐゴシック" charset="0"/>
-              </a:defRPr>
-            </a:lvl1pPr>
-            <a:lvl2pPr marL="742950" indent="-285750" eaLnBrk="0" hangingPunct="0">
-              <a:defRPr sz="2400">
-                <a:solidFill>
-                  <a:schemeClr val="tx1"/>
-                </a:solidFill>
-                <a:latin typeface="Arial" charset="0"/>
-                <a:ea typeface="ＭＳ Ｐゴシック" charset="0"/>
-              </a:defRPr>
-            </a:lvl2pPr>
-            <a:lvl3pPr marL="1143000" indent="-228600" eaLnBrk="0" hangingPunct="0">
-              <a:defRPr sz="2400">
-                <a:solidFill>
-                  <a:schemeClr val="tx1"/>
-                </a:solidFill>
-                <a:latin typeface="Arial" charset="0"/>
-                <a:ea typeface="ＭＳ Ｐゴシック" charset="0"/>
-              </a:defRPr>
-            </a:lvl3pPr>
-            <a:lvl4pPr marL="1600200" indent="-228600" eaLnBrk="0" hangingPunct="0">
-              <a:defRPr sz="2400">
-                <a:solidFill>
-                  <a:schemeClr val="tx1"/>
-                </a:solidFill>
-                <a:latin typeface="Arial" charset="0"/>
-                <a:ea typeface="ＭＳ Ｐゴシック" charset="0"/>
-              </a:defRPr>
-            </a:lvl4pPr>
-            <a:lvl5pPr marL="2057400" indent="-228600" eaLnBrk="0" hangingPunct="0">
-              <a:defRPr sz="2400">
-                <a:solidFill>
-                  <a:schemeClr val="tx1"/>
-                </a:solidFill>
-                <a:latin typeface="Arial" charset="0"/>
-                <a:ea typeface="ＭＳ Ｐゴシック" charset="0"/>
-              </a:defRPr>
-            </a:lvl5pPr>
-            <a:lvl6pPr marL="2514600" indent="-228600" eaLnBrk="0" fontAlgn="base" hangingPunct="0">
-              <a:spcBef>
-                <a:spcPct val="0"/>
-              </a:spcBef>
-              <a:spcAft>
-                <a:spcPct val="0"/>
-              </a:spcAft>
-              <a:defRPr sz="2400">
-                <a:solidFill>
-                  <a:schemeClr val="tx1"/>
-                </a:solidFill>
-                <a:latin typeface="Arial" charset="0"/>
-                <a:ea typeface="ＭＳ Ｐゴシック" charset="0"/>
-              </a:defRPr>
-            </a:lvl6pPr>
-            <a:lvl7pPr marL="2971800" indent="-228600" eaLnBrk="0" fontAlgn="base" hangingPunct="0">
-              <a:spcBef>
-                <a:spcPct val="0"/>
-              </a:spcBef>
-              <a:spcAft>
-                <a:spcPct val="0"/>
-              </a:spcAft>
-              <a:defRPr sz="2400">
-                <a:solidFill>
-                  <a:schemeClr val="tx1"/>
-                </a:solidFill>
-                <a:latin typeface="Arial" charset="0"/>
-                <a:ea typeface="ＭＳ Ｐゴシック" charset="0"/>
-              </a:defRPr>
-            </a:lvl7pPr>
-            <a:lvl8pPr marL="3429000" indent="-228600" eaLnBrk="0" fontAlgn="base" hangingPunct="0">
-              <a:spcBef>
-                <a:spcPct val="0"/>
-              </a:spcBef>
-              <a:spcAft>
-                <a:spcPct val="0"/>
-              </a:spcAft>
-              <a:defRPr sz="2400">
-                <a:solidFill>
-                  <a:schemeClr val="tx1"/>
-                </a:solidFill>
-                <a:latin typeface="Arial" charset="0"/>
-                <a:ea typeface="ＭＳ Ｐゴシック" charset="0"/>
-              </a:defRPr>
-            </a:lvl8pPr>
-            <a:lvl9pPr marL="3886200" indent="-228600" eaLnBrk="0" fontAlgn="base" hangingPunct="0">
-              <a:spcBef>
-                <a:spcPct val="0"/>
-              </a:spcBef>
-              <a:spcAft>
-                <a:spcPct val="0"/>
-              </a:spcAft>
-              <a:defRPr sz="2400">
-                <a:solidFill>
-                  <a:schemeClr val="tx1"/>
-                </a:solidFill>
-                <a:latin typeface="Arial" charset="0"/>
-                <a:ea typeface="ＭＳ Ｐゴシック" charset="0"/>
-              </a:defRPr>
-            </a:lvl9pPr>
-          </a:lstStyle>
-          <a:p>
-            <a:pPr eaLnBrk="1" hangingPunct="1"/>
-            <a:fld id="{41AC0AE3-EF86-5341-A8BC-D36450E83481}" type="slidenum">
-              <a:rPr lang="en-US" sz="1200">
-                <a:latin typeface="Garamond" charset="0"/>
-                <a:cs typeface="Arial" charset="0"/>
-              </a:rPr>
-              <a:pPr eaLnBrk="1" hangingPunct="1"/>
-              <a:t>10</a:t>
-            </a:fld>
-            <a:endParaRPr lang="en-US" sz="1200">
-              <a:latin typeface="Garamond" charset="0"/>
-              <a:cs typeface="Arial" charset="0"/>
-            </a:endParaRPr>
-          </a:p>
-        </p:txBody>
-      </p:sp>
-    </p:spTree>
-    <p:extLst>
-      <p:ext uri="{BB962C8B-B14F-4D97-AF65-F5344CB8AC3E}">
-        <p14:creationId xmlns:p14="http://schemas.microsoft.com/office/powerpoint/2010/main" val="1090510775"/>
-      </p:ext>
-    </p:extLst>
-  </p:cSld>
-  <p:clrMapOvr>
-    <a:masterClrMapping/>
-  </p:clrMapOvr>
-  <p:timing>
-    <p:tnLst>
-      <p:par>
-        <p:cTn xmlns:p14="http://schemas.microsoft.com/office/powerpoint/2010/main" id="1" dur="indefinite" restart="never" nodeType="tmRoot"/>
-      </p:par>
-    </p:tnLst>
-  </p:timing>
-</p:sld>
-</file>
-
-<file path=ppt/slides/slide11.xml><?xml version="1.0" encoding="utf-8"?>
-<p:sld xmlns:a="http://schemas.openxmlformats.org/drawingml/2006/main" xmlns:r="http://schemas.openxmlformats.org/officeDocument/2006/relationships" xmlns:p="http://schemas.openxmlformats.org/presentationml/2006/main">
-  <p:cSld>
-    <p:spTree>
-      <p:nvGrpSpPr>
-        <p:cNvPr id="1" name=""/>
-        <p:cNvGrpSpPr/>
-        <p:nvPr/>
-      </p:nvGrpSpPr>
-      <p:grpSpPr>
-        <a:xfrm>
-          <a:off x="0" y="0"/>
-          <a:ext cx="0" cy="0"/>
-          <a:chOff x="0" y="0"/>
-          <a:chExt cx="0" cy="0"/>
-        </a:xfrm>
-      </p:grpSpPr>
-      <p:sp>
-        <p:nvSpPr>
-          <p:cNvPr id="22529" name="Title 1"/>
-          <p:cNvSpPr>
-            <a:spLocks noGrp="1"/>
-          </p:cNvSpPr>
-          <p:nvPr>
-            <p:ph type="title"/>
-          </p:nvPr>
-        </p:nvSpPr>
-        <p:spPr/>
-        <p:txBody>
-          <a:bodyPr/>
-          <a:lstStyle/>
-          <a:p>
-            <a:r>
-              <a:rPr lang="en-US">
-                <a:latin typeface="Garamond" charset="0"/>
-              </a:rPr>
-              <a:t>String functions</a:t>
-            </a:r>
-          </a:p>
-        </p:txBody>
-      </p:sp>
-      <p:sp>
-        <p:nvSpPr>
-          <p:cNvPr id="22530" name="Content Placeholder 2"/>
-          <p:cNvSpPr>
-            <a:spLocks noGrp="1"/>
-          </p:cNvSpPr>
-          <p:nvPr>
-            <p:ph idx="1"/>
-          </p:nvPr>
-        </p:nvSpPr>
-        <p:spPr/>
-        <p:txBody>
-          <a:bodyPr/>
-          <a:lstStyle/>
-          <a:p>
-            <a:r>
-              <a:rPr lang="en-US">
-                <a:latin typeface="Arial" charset="0"/>
-              </a:rPr>
-              <a:t>Things we’d like to do with strings:</a:t>
-            </a:r>
-          </a:p>
-          <a:p>
-            <a:pPr lvl="1"/>
-            <a:r>
-              <a:rPr lang="en-US">
-                <a:latin typeface="Arial" charset="0"/>
-              </a:rPr>
-              <a:t>Set one equal to another</a:t>
-            </a:r>
-          </a:p>
-          <a:p>
-            <a:pPr lvl="1"/>
-            <a:r>
-              <a:rPr lang="en-US">
-                <a:latin typeface="Arial" charset="0"/>
-              </a:rPr>
-              <a:t>Compare two strings</a:t>
-            </a:r>
-          </a:p>
-          <a:p>
-            <a:pPr lvl="1"/>
-            <a:r>
-              <a:rPr lang="en-US">
-                <a:latin typeface="Arial" charset="0"/>
-              </a:rPr>
-              <a:t>Find # characters in string</a:t>
-            </a:r>
-          </a:p>
-          <a:p>
-            <a:pPr lvl="2"/>
-            <a:r>
-              <a:rPr lang="en-US">
-                <a:latin typeface="Arial" charset="0"/>
-              </a:rPr>
-              <a:t>String may not fill array (“buffer”) allocated for it</a:t>
-            </a:r>
-          </a:p>
-          <a:p>
-            <a:pPr lvl="1"/>
-            <a:r>
-              <a:rPr lang="en-US">
-                <a:latin typeface="Arial" charset="0"/>
-              </a:rPr>
-              <a:t>“Add” two strings together</a:t>
-            </a:r>
-          </a:p>
-          <a:p>
-            <a:pPr lvl="2"/>
-            <a:r>
-              <a:rPr lang="en-US">
-                <a:latin typeface="Arial" charset="0"/>
-              </a:rPr>
-              <a:t>“abc” + “def” = “abcdef”</a:t>
-            </a:r>
-          </a:p>
-        </p:txBody>
-      </p:sp>
-      <p:sp>
-        <p:nvSpPr>
-          <p:cNvPr id="22531" name="Date Placeholder 3"/>
-          <p:cNvSpPr>
-            <a:spLocks noGrp="1"/>
-          </p:cNvSpPr>
-          <p:nvPr>
-            <p:ph type="dt" sz="quarter" idx="10"/>
-          </p:nvPr>
-        </p:nvSpPr>
-        <p:spPr>
-          <a:noFill/>
-          <a:ln/>
-          <a:extLst>
-            <a:ext uri="{909E8E84-426E-40dd-AFC4-6F175D3DCCD1}">
-              <a14:hiddenFill xmlns:a14="http://schemas.microsoft.com/office/drawing/2010/main">
-                <a:solidFill>
-                  <a:srgbClr val="FFFFFF"/>
-                </a:solidFill>
-              </a14:hiddenFill>
-            </a:ext>
-            <a:ext uri="{91240B29-F687-4f45-9708-019B960494DF}">
-              <a14:hiddenLine xmlns:a14="http://schemas.microsoft.com/office/drawing/2010/main" w="9525">
-                <a:solidFill>
-                  <a:srgbClr val="000000"/>
-                </a:solidFill>
-                <a:miter lim="800000"/>
-                <a:headEnd/>
-                <a:tailEnd/>
-              </a14:hiddenLine>
-            </a:ext>
-          </a:extLst>
-        </p:spPr>
-        <p:txBody>
-          <a:bodyPr/>
-          <a:lstStyle>
-            <a:lvl1pPr eaLnBrk="0" hangingPunct="0">
-              <a:defRPr sz="2400">
-                <a:solidFill>
-                  <a:schemeClr val="tx1"/>
-                </a:solidFill>
-                <a:latin typeface="Arial" charset="0"/>
-                <a:ea typeface="ＭＳ Ｐゴシック" charset="0"/>
-                <a:cs typeface="ＭＳ Ｐゴシック" charset="0"/>
-              </a:defRPr>
-            </a:lvl1pPr>
-            <a:lvl2pPr marL="742950" indent="-285750" eaLnBrk="0" hangingPunct="0">
-              <a:defRPr sz="2400">
-                <a:solidFill>
-                  <a:schemeClr val="tx1"/>
-                </a:solidFill>
-                <a:latin typeface="Arial" charset="0"/>
-                <a:ea typeface="ＭＳ Ｐゴシック" charset="0"/>
-              </a:defRPr>
-            </a:lvl2pPr>
-            <a:lvl3pPr marL="1143000" indent="-228600" eaLnBrk="0" hangingPunct="0">
-              <a:defRPr sz="2400">
-                <a:solidFill>
-                  <a:schemeClr val="tx1"/>
-                </a:solidFill>
-                <a:latin typeface="Arial" charset="0"/>
-                <a:ea typeface="ＭＳ Ｐゴシック" charset="0"/>
-              </a:defRPr>
-            </a:lvl3pPr>
-            <a:lvl4pPr marL="1600200" indent="-228600" eaLnBrk="0" hangingPunct="0">
-              <a:defRPr sz="2400">
-                <a:solidFill>
-                  <a:schemeClr val="tx1"/>
-                </a:solidFill>
-                <a:latin typeface="Arial" charset="0"/>
-                <a:ea typeface="ＭＳ Ｐゴシック" charset="0"/>
-              </a:defRPr>
-            </a:lvl4pPr>
-            <a:lvl5pPr marL="2057400" indent="-228600" eaLnBrk="0" hangingPunct="0">
-              <a:defRPr sz="2400">
-                <a:solidFill>
-                  <a:schemeClr val="tx1"/>
-                </a:solidFill>
-                <a:latin typeface="Arial" charset="0"/>
-                <a:ea typeface="ＭＳ Ｐゴシック" charset="0"/>
-              </a:defRPr>
-            </a:lvl5pPr>
-            <a:lvl6pPr marL="2514600" indent="-228600" eaLnBrk="0" fontAlgn="base" hangingPunct="0">
-              <a:spcBef>
-                <a:spcPct val="0"/>
-              </a:spcBef>
-              <a:spcAft>
-                <a:spcPct val="0"/>
-              </a:spcAft>
-              <a:defRPr sz="2400">
-                <a:solidFill>
-                  <a:schemeClr val="tx1"/>
-                </a:solidFill>
-                <a:latin typeface="Arial" charset="0"/>
-                <a:ea typeface="ＭＳ Ｐゴシック" charset="0"/>
-              </a:defRPr>
-            </a:lvl6pPr>
-            <a:lvl7pPr marL="2971800" indent="-228600" eaLnBrk="0" fontAlgn="base" hangingPunct="0">
-              <a:spcBef>
-                <a:spcPct val="0"/>
-              </a:spcBef>
-              <a:spcAft>
-                <a:spcPct val="0"/>
-              </a:spcAft>
-              <a:defRPr sz="2400">
-                <a:solidFill>
-                  <a:schemeClr val="tx1"/>
-                </a:solidFill>
-                <a:latin typeface="Arial" charset="0"/>
-                <a:ea typeface="ＭＳ Ｐゴシック" charset="0"/>
-              </a:defRPr>
-            </a:lvl7pPr>
-            <a:lvl8pPr marL="3429000" indent="-228600" eaLnBrk="0" fontAlgn="base" hangingPunct="0">
-              <a:spcBef>
-                <a:spcPct val="0"/>
-              </a:spcBef>
-              <a:spcAft>
-                <a:spcPct val="0"/>
-              </a:spcAft>
-              <a:defRPr sz="2400">
-                <a:solidFill>
-                  <a:schemeClr val="tx1"/>
-                </a:solidFill>
-                <a:latin typeface="Arial" charset="0"/>
-                <a:ea typeface="ＭＳ Ｐゴシック" charset="0"/>
-              </a:defRPr>
-            </a:lvl8pPr>
-            <a:lvl9pPr marL="3886200" indent="-228600" eaLnBrk="0" fontAlgn="base" hangingPunct="0">
-              <a:spcBef>
-                <a:spcPct val="0"/>
-              </a:spcBef>
-              <a:spcAft>
-                <a:spcPct val="0"/>
-              </a:spcAft>
-              <a:defRPr sz="2400">
-                <a:solidFill>
-                  <a:schemeClr val="tx1"/>
-                </a:solidFill>
-                <a:latin typeface="Arial" charset="0"/>
-                <a:ea typeface="ＭＳ Ｐゴシック" charset="0"/>
-              </a:defRPr>
-            </a:lvl9pPr>
-          </a:lstStyle>
-          <a:p>
-            <a:pPr eaLnBrk="1" hangingPunct="1"/>
-            <a:fld id="{DC2F3F89-1D0B-3A43-81B8-AF07F53E3F8E}" type="datetime1">
-              <a:rPr lang="en-US" sz="1200">
-                <a:latin typeface="Garamond" charset="0"/>
-                <a:cs typeface="Arial" charset="0"/>
-              </a:rPr>
-              <a:pPr eaLnBrk="1" hangingPunct="1"/>
-              <a:t>10/19/15</a:t>
-            </a:fld>
-            <a:endParaRPr lang="en-US" sz="1200">
-              <a:latin typeface="Garamond" charset="0"/>
-              <a:cs typeface="Arial" charset="0"/>
-            </a:endParaRPr>
-          </a:p>
-        </p:txBody>
-      </p:sp>
-      <p:sp>
-        <p:nvSpPr>
-          <p:cNvPr id="5" name="Footer Placeholder 4"/>
-          <p:cNvSpPr>
-            <a:spLocks noGrp="1"/>
-          </p:cNvSpPr>
-          <p:nvPr>
-            <p:ph type="ftr" sz="quarter" idx="11"/>
-          </p:nvPr>
-        </p:nvSpPr>
-        <p:spPr/>
-        <p:txBody>
-          <a:bodyPr/>
-          <a:lstStyle/>
-          <a:p>
-            <a:pPr>
-              <a:defRPr/>
-            </a:pPr>
-            <a:r>
-              <a:rPr lang="en-US" altLang="en-US"/>
-              <a:t>ECE Application Programming: Lecture 22</a:t>
-            </a:r>
-          </a:p>
-        </p:txBody>
-      </p:sp>
-      <p:sp>
-        <p:nvSpPr>
-          <p:cNvPr id="22533" name="Slide Number Placeholder 5"/>
-          <p:cNvSpPr>
-            <a:spLocks noGrp="1"/>
-          </p:cNvSpPr>
-          <p:nvPr>
-            <p:ph type="sldNum" sz="quarter" idx="12"/>
-          </p:nvPr>
-        </p:nvSpPr>
-        <p:spPr>
-          <a:noFill/>
-          <a:ln/>
-          <a:extLst>
-            <a:ext uri="{909E8E84-426E-40dd-AFC4-6F175D3DCCD1}">
-              <a14:hiddenFill xmlns:a14="http://schemas.microsoft.com/office/drawing/2010/main">
-                <a:solidFill>
-                  <a:srgbClr val="FFFFFF"/>
-                </a:solidFill>
-              </a14:hiddenFill>
-            </a:ext>
-            <a:ext uri="{91240B29-F687-4f45-9708-019B960494DF}">
-              <a14:hiddenLine xmlns:a14="http://schemas.microsoft.com/office/drawing/2010/main" w="9525">
-                <a:solidFill>
-                  <a:srgbClr val="000000"/>
-                </a:solidFill>
-                <a:miter lim="800000"/>
-                <a:headEnd/>
-                <a:tailEnd/>
-              </a14:hiddenLine>
-            </a:ext>
-          </a:extLst>
-        </p:spPr>
-        <p:txBody>
-          <a:bodyPr/>
-          <a:lstStyle>
-            <a:lvl1pPr eaLnBrk="0" hangingPunct="0">
-              <a:defRPr sz="2400">
-                <a:solidFill>
-                  <a:schemeClr val="tx1"/>
-                </a:solidFill>
-                <a:latin typeface="Arial" charset="0"/>
-                <a:ea typeface="ＭＳ Ｐゴシック" charset="0"/>
-                <a:cs typeface="ＭＳ Ｐゴシック" charset="0"/>
-              </a:defRPr>
-            </a:lvl1pPr>
-            <a:lvl2pPr marL="742950" indent="-285750" eaLnBrk="0" hangingPunct="0">
-              <a:defRPr sz="2400">
-                <a:solidFill>
-                  <a:schemeClr val="tx1"/>
-                </a:solidFill>
-                <a:latin typeface="Arial" charset="0"/>
-                <a:ea typeface="ＭＳ Ｐゴシック" charset="0"/>
-              </a:defRPr>
-            </a:lvl2pPr>
-            <a:lvl3pPr marL="1143000" indent="-228600" eaLnBrk="0" hangingPunct="0">
-              <a:defRPr sz="2400">
-                <a:solidFill>
-                  <a:schemeClr val="tx1"/>
-                </a:solidFill>
-                <a:latin typeface="Arial" charset="0"/>
-                <a:ea typeface="ＭＳ Ｐゴシック" charset="0"/>
-              </a:defRPr>
-            </a:lvl3pPr>
-            <a:lvl4pPr marL="1600200" indent="-228600" eaLnBrk="0" hangingPunct="0">
-              <a:defRPr sz="2400">
-                <a:solidFill>
-                  <a:schemeClr val="tx1"/>
-                </a:solidFill>
-                <a:latin typeface="Arial" charset="0"/>
-                <a:ea typeface="ＭＳ Ｐゴシック" charset="0"/>
-              </a:defRPr>
-            </a:lvl4pPr>
-            <a:lvl5pPr marL="2057400" indent="-228600" eaLnBrk="0" hangingPunct="0">
-              <a:defRPr sz="2400">
-                <a:solidFill>
-                  <a:schemeClr val="tx1"/>
-                </a:solidFill>
-                <a:latin typeface="Arial" charset="0"/>
-                <a:ea typeface="ＭＳ Ｐゴシック" charset="0"/>
-              </a:defRPr>
-            </a:lvl5pPr>
-            <a:lvl6pPr marL="2514600" indent="-228600" eaLnBrk="0" fontAlgn="base" hangingPunct="0">
-              <a:spcBef>
-                <a:spcPct val="0"/>
-              </a:spcBef>
-              <a:spcAft>
-                <a:spcPct val="0"/>
-              </a:spcAft>
-              <a:defRPr sz="2400">
-                <a:solidFill>
-                  <a:schemeClr val="tx1"/>
-                </a:solidFill>
-                <a:latin typeface="Arial" charset="0"/>
-                <a:ea typeface="ＭＳ Ｐゴシック" charset="0"/>
-              </a:defRPr>
-            </a:lvl6pPr>
-            <a:lvl7pPr marL="2971800" indent="-228600" eaLnBrk="0" fontAlgn="base" hangingPunct="0">
-              <a:spcBef>
-                <a:spcPct val="0"/>
-              </a:spcBef>
-              <a:spcAft>
-                <a:spcPct val="0"/>
-              </a:spcAft>
-              <a:defRPr sz="2400">
-                <a:solidFill>
-                  <a:schemeClr val="tx1"/>
-                </a:solidFill>
-                <a:latin typeface="Arial" charset="0"/>
-                <a:ea typeface="ＭＳ Ｐゴシック" charset="0"/>
-              </a:defRPr>
-            </a:lvl7pPr>
-            <a:lvl8pPr marL="3429000" indent="-228600" eaLnBrk="0" fontAlgn="base" hangingPunct="0">
-              <a:spcBef>
-                <a:spcPct val="0"/>
-              </a:spcBef>
-              <a:spcAft>
-                <a:spcPct val="0"/>
-              </a:spcAft>
-              <a:defRPr sz="2400">
-                <a:solidFill>
-                  <a:schemeClr val="tx1"/>
-                </a:solidFill>
-                <a:latin typeface="Arial" charset="0"/>
-                <a:ea typeface="ＭＳ Ｐゴシック" charset="0"/>
-              </a:defRPr>
-            </a:lvl8pPr>
-            <a:lvl9pPr marL="3886200" indent="-228600" eaLnBrk="0" fontAlgn="base" hangingPunct="0">
-              <a:spcBef>
-                <a:spcPct val="0"/>
-              </a:spcBef>
-              <a:spcAft>
-                <a:spcPct val="0"/>
-              </a:spcAft>
-              <a:defRPr sz="2400">
-                <a:solidFill>
-                  <a:schemeClr val="tx1"/>
-                </a:solidFill>
-                <a:latin typeface="Arial" charset="0"/>
-                <a:ea typeface="ＭＳ Ｐゴシック" charset="0"/>
-              </a:defRPr>
-            </a:lvl9pPr>
-          </a:lstStyle>
-          <a:p>
-            <a:pPr eaLnBrk="1" hangingPunct="1"/>
-            <a:fld id="{2C301CE6-3F17-A846-BA25-0D6463054381}" type="slidenum">
-              <a:rPr lang="en-US" sz="1200">
-                <a:latin typeface="Garamond" charset="0"/>
-                <a:cs typeface="Arial" charset="0"/>
-              </a:rPr>
-              <a:pPr eaLnBrk="1" hangingPunct="1"/>
-              <a:t>11</a:t>
-            </a:fld>
-            <a:endParaRPr lang="en-US" sz="1200">
-              <a:latin typeface="Garamond" charset="0"/>
-              <a:cs typeface="Arial" charset="0"/>
-            </a:endParaRPr>
-          </a:p>
-        </p:txBody>
-      </p:sp>
-    </p:spTree>
-    <p:extLst>
-      <p:ext uri="{BB962C8B-B14F-4D97-AF65-F5344CB8AC3E}">
-        <p14:creationId xmlns:p14="http://schemas.microsoft.com/office/powerpoint/2010/main" val="4165449303"/>
-      </p:ext>
-    </p:extLst>
-  </p:cSld>
-  <p:clrMapOvr>
-    <a:masterClrMapping/>
-  </p:clrMapOvr>
-  <p:timing>
-    <p:tnLst>
-      <p:par>
-        <p:cTn xmlns:p14="http://schemas.microsoft.com/office/powerpoint/2010/main" id="1" dur="indefinite" restart="never" nodeType="tmRoot"/>
-      </p:par>
-    </p:tnLst>
-  </p:timing>
-</p:sld>
-</file>
-
-<file path=ppt/slides/slide12.xml><?xml version="1.0" encoding="utf-8"?>
-<p:sld xmlns:a="http://schemas.openxmlformats.org/drawingml/2006/main" xmlns:r="http://schemas.openxmlformats.org/officeDocument/2006/relationships" xmlns:p="http://schemas.openxmlformats.org/presentationml/2006/main">
-  <p:cSld>
-    <p:spTree>
-      <p:nvGrpSpPr>
-        <p:cNvPr id="1" name=""/>
-        <p:cNvGrpSpPr/>
-        <p:nvPr/>
-      </p:nvGrpSpPr>
-      <p:grpSpPr>
-        <a:xfrm>
-          <a:off x="0" y="0"/>
-          <a:ext cx="0" cy="0"/>
-          <a:chOff x="0" y="0"/>
-          <a:chExt cx="0" cy="0"/>
-        </a:xfrm>
-      </p:grpSpPr>
-      <p:sp>
-        <p:nvSpPr>
-          <p:cNvPr id="23553" name="Title 1"/>
-          <p:cNvSpPr>
-            <a:spLocks noGrp="1"/>
-          </p:cNvSpPr>
-          <p:nvPr>
-            <p:ph type="title"/>
-          </p:nvPr>
-        </p:nvSpPr>
-        <p:spPr/>
-        <p:txBody>
-          <a:bodyPr/>
-          <a:lstStyle/>
-          <a:p>
-            <a:r>
-              <a:rPr lang="en-US">
-                <a:latin typeface="Garamond" charset="0"/>
-              </a:rPr>
-              <a:t>String functions (cont.)</a:t>
-            </a:r>
-          </a:p>
-        </p:txBody>
-      </p:sp>
-      <p:sp>
-        <p:nvSpPr>
-          <p:cNvPr id="23554" name="Content Placeholder 2"/>
-          <p:cNvSpPr>
-            <a:spLocks noGrp="1"/>
-          </p:cNvSpPr>
-          <p:nvPr>
-            <p:ph idx="1"/>
-          </p:nvPr>
-        </p:nvSpPr>
-        <p:spPr/>
-        <p:txBody>
-          <a:bodyPr/>
-          <a:lstStyle/>
-          <a:p>
-            <a:pPr>
-              <a:lnSpc>
-                <a:spcPct val="80000"/>
-              </a:lnSpc>
-            </a:pPr>
-            <a:r>
-              <a:rPr lang="en-US" sz="2800">
-                <a:latin typeface="Arial" charset="0"/>
-              </a:rPr>
-              <a:t>In </a:t>
-            </a:r>
-            <a:r>
-              <a:rPr lang="en-US" sz="2800">
-                <a:latin typeface="Courier New" charset="0"/>
-                <a:cs typeface="Courier New" charset="0"/>
-              </a:rPr>
-              <a:t>&lt;string.h&gt;</a:t>
-            </a:r>
-            <a:r>
-              <a:rPr lang="en-US" sz="2800">
-                <a:latin typeface="Arial" charset="0"/>
-              </a:rPr>
-              <a:t> library:</a:t>
-            </a:r>
-          </a:p>
-          <a:p>
-            <a:pPr lvl="1">
-              <a:lnSpc>
-                <a:spcPct val="80000"/>
-              </a:lnSpc>
-            </a:pPr>
-            <a:r>
-              <a:rPr lang="en-US" sz="2400">
-                <a:latin typeface="Arial" charset="0"/>
-              </a:rPr>
-              <a:t>Copying strings:</a:t>
-            </a:r>
-          </a:p>
-          <a:p>
-            <a:pPr lvl="2">
-              <a:lnSpc>
-                <a:spcPct val="80000"/>
-              </a:lnSpc>
-            </a:pPr>
-            <a:r>
-              <a:rPr lang="en-US" sz="2000">
-                <a:latin typeface="Courier New" charset="0"/>
-                <a:cs typeface="Courier New" charset="0"/>
-              </a:rPr>
-              <a:t>char *strcpy(char *dest, </a:t>
-            </a:r>
-          </a:p>
-          <a:p>
-            <a:pPr lvl="2">
-              <a:lnSpc>
-                <a:spcPct val="80000"/>
-              </a:lnSpc>
-              <a:buFont typeface="Wingdings" charset="0"/>
-              <a:buNone/>
-            </a:pPr>
-            <a:r>
-              <a:rPr lang="en-US" sz="2000">
-                <a:latin typeface="Courier New" charset="0"/>
-                <a:cs typeface="Courier New" charset="0"/>
-              </a:rPr>
-              <a:t>			   const char *source);</a:t>
-            </a:r>
-          </a:p>
-          <a:p>
-            <a:pPr lvl="2">
-              <a:lnSpc>
-                <a:spcPct val="80000"/>
-              </a:lnSpc>
-            </a:pPr>
-            <a:r>
-              <a:rPr lang="en-US" sz="2000">
-                <a:latin typeface="Courier New" charset="0"/>
-                <a:cs typeface="Courier New" charset="0"/>
-              </a:rPr>
-              <a:t>char *strncpy(char *dest, </a:t>
-            </a:r>
-          </a:p>
-          <a:p>
-            <a:pPr lvl="2">
-              <a:lnSpc>
-                <a:spcPct val="80000"/>
-              </a:lnSpc>
-              <a:buFont typeface="Wingdings" charset="0"/>
-              <a:buNone/>
-            </a:pPr>
-            <a:r>
-              <a:rPr lang="en-US" sz="2000">
-                <a:latin typeface="Courier New" charset="0"/>
-                <a:cs typeface="Courier New" charset="0"/>
-              </a:rPr>
-              <a:t>			    const char *source, </a:t>
-            </a:r>
-          </a:p>
-          <a:p>
-            <a:pPr lvl="2">
-              <a:lnSpc>
-                <a:spcPct val="80000"/>
-              </a:lnSpc>
-              <a:buFont typeface="Wingdings" charset="0"/>
-              <a:buNone/>
-            </a:pPr>
-            <a:r>
-              <a:rPr lang="en-US" sz="2000">
-                <a:latin typeface="Courier New" charset="0"/>
-                <a:cs typeface="Courier New" charset="0"/>
-              </a:rPr>
-              <a:t>			    size_t num);</a:t>
-            </a:r>
-          </a:p>
-          <a:p>
-            <a:pPr lvl="2">
-              <a:lnSpc>
-                <a:spcPct val="80000"/>
-              </a:lnSpc>
-            </a:pPr>
-            <a:r>
-              <a:rPr lang="en-US" sz="2000">
-                <a:latin typeface="Arial" charset="0"/>
-              </a:rPr>
-              <a:t>Return </a:t>
-            </a:r>
-            <a:r>
-              <a:rPr lang="en-US" sz="2000">
-                <a:latin typeface="Courier New" charset="0"/>
-                <a:cs typeface="Courier New" charset="0"/>
-              </a:rPr>
-              <a:t>dest</a:t>
-            </a:r>
-          </a:p>
-          <a:p>
-            <a:pPr lvl="2">
-              <a:lnSpc>
-                <a:spcPct val="80000"/>
-              </a:lnSpc>
-            </a:pPr>
-            <a:r>
-              <a:rPr lang="en-US" sz="2000">
-                <a:latin typeface="Arial" charset="0"/>
-                <a:cs typeface="Courier New" charset="0"/>
-              </a:rPr>
-              <a:t>Does not append </a:t>
-            </a:r>
-            <a:r>
-              <a:rPr lang="ja-JP" altLang="en-US" sz="2000">
-                <a:latin typeface="Arial" charset="0"/>
-                <a:cs typeface="Courier New" charset="0"/>
-              </a:rPr>
-              <a:t>‘</a:t>
-            </a:r>
-            <a:r>
-              <a:rPr lang="en-US" altLang="ja-JP" sz="2000">
-                <a:latin typeface="Arial" charset="0"/>
-                <a:cs typeface="Courier New" charset="0"/>
-              </a:rPr>
-              <a:t>\0</a:t>
-            </a:r>
-            <a:r>
-              <a:rPr lang="ja-JP" altLang="en-US" sz="2000">
-                <a:latin typeface="Arial" charset="0"/>
-                <a:cs typeface="Courier New" charset="0"/>
-              </a:rPr>
-              <a:t>’</a:t>
-            </a:r>
-            <a:r>
-              <a:rPr lang="en-US" altLang="ja-JP" sz="2000">
-                <a:latin typeface="Arial" charset="0"/>
-                <a:cs typeface="Courier New" charset="0"/>
-              </a:rPr>
-              <a:t> unless length of </a:t>
-            </a:r>
-            <a:r>
-              <a:rPr lang="en-US" altLang="ja-JP" sz="2000">
-                <a:latin typeface="Courier New" charset="0"/>
-                <a:cs typeface="Courier New" charset="0"/>
-              </a:rPr>
-              <a:t>source</a:t>
-            </a:r>
-            <a:r>
-              <a:rPr lang="en-US" altLang="ja-JP" sz="2000">
-                <a:latin typeface="Arial" charset="0"/>
-                <a:cs typeface="Courier New" charset="0"/>
-              </a:rPr>
-              <a:t> &lt; </a:t>
-            </a:r>
-            <a:r>
-              <a:rPr lang="en-US" altLang="ja-JP" sz="2000">
-                <a:latin typeface="Courier New" charset="0"/>
-                <a:cs typeface="Courier New" charset="0"/>
-              </a:rPr>
-              <a:t>num</a:t>
-            </a:r>
-          </a:p>
-          <a:p>
-            <a:pPr lvl="1">
-              <a:lnSpc>
-                <a:spcPct val="80000"/>
-              </a:lnSpc>
-            </a:pPr>
-            <a:r>
-              <a:rPr lang="en-US" sz="2400">
-                <a:latin typeface="Arial" charset="0"/>
-              </a:rPr>
-              <a:t>Comparing strings:</a:t>
-            </a:r>
-          </a:p>
-          <a:p>
-            <a:pPr lvl="2">
-              <a:lnSpc>
-                <a:spcPct val="80000"/>
-              </a:lnSpc>
-            </a:pPr>
-            <a:r>
-              <a:rPr lang="en-US" sz="2000">
-                <a:latin typeface="Courier New" charset="0"/>
-                <a:cs typeface="Courier New" charset="0"/>
-              </a:rPr>
-              <a:t>int strcmp(const char *s1, const char *s2);</a:t>
-            </a:r>
-          </a:p>
-          <a:p>
-            <a:pPr lvl="2">
-              <a:lnSpc>
-                <a:spcPct val="80000"/>
-              </a:lnSpc>
-            </a:pPr>
-            <a:r>
-              <a:rPr lang="en-US" sz="2000">
-                <a:latin typeface="Courier New" charset="0"/>
-                <a:cs typeface="Courier New" charset="0"/>
-              </a:rPr>
-              <a:t>int strncmp(const char *s1, const char *s2, 		size_t num);</a:t>
-            </a:r>
-          </a:p>
-          <a:p>
-            <a:pPr lvl="2">
-              <a:lnSpc>
-                <a:spcPct val="80000"/>
-              </a:lnSpc>
-            </a:pPr>
-            <a:r>
-              <a:rPr lang="en-US" sz="2000">
-                <a:latin typeface="Arial" charset="0"/>
-                <a:cs typeface="Courier New" charset="0"/>
-              </a:rPr>
-              <a:t>Character-by-character comparison of character values</a:t>
-            </a:r>
-          </a:p>
-          <a:p>
-            <a:pPr lvl="2">
-              <a:lnSpc>
-                <a:spcPct val="80000"/>
-              </a:lnSpc>
-            </a:pPr>
-            <a:r>
-              <a:rPr lang="en-US" sz="2000">
-                <a:latin typeface="Arial" charset="0"/>
-                <a:cs typeface="Courier New" charset="0"/>
-              </a:rPr>
-              <a:t>Returns 0 if s1 == s2, &gt;0 if s1 &gt; s2, &lt;0 if s1 &lt; s2</a:t>
-            </a:r>
-          </a:p>
-        </p:txBody>
-      </p:sp>
-      <p:sp>
-        <p:nvSpPr>
-          <p:cNvPr id="23555" name="Date Placeholder 3"/>
-          <p:cNvSpPr>
-            <a:spLocks noGrp="1"/>
-          </p:cNvSpPr>
-          <p:nvPr>
-            <p:ph type="dt" sz="quarter" idx="10"/>
-          </p:nvPr>
-        </p:nvSpPr>
-        <p:spPr>
-          <a:noFill/>
-          <a:ln/>
-          <a:extLst>
-            <a:ext uri="{909E8E84-426E-40dd-AFC4-6F175D3DCCD1}">
-              <a14:hiddenFill xmlns:a14="http://schemas.microsoft.com/office/drawing/2010/main">
-                <a:solidFill>
-                  <a:srgbClr val="FFFFFF"/>
-                </a:solidFill>
-              </a14:hiddenFill>
-            </a:ext>
-            <a:ext uri="{91240B29-F687-4f45-9708-019B960494DF}">
-              <a14:hiddenLine xmlns:a14="http://schemas.microsoft.com/office/drawing/2010/main" w="9525">
-                <a:solidFill>
-                  <a:srgbClr val="000000"/>
-                </a:solidFill>
-                <a:miter lim="800000"/>
-                <a:headEnd/>
-                <a:tailEnd/>
-              </a14:hiddenLine>
-            </a:ext>
-          </a:extLst>
-        </p:spPr>
-        <p:txBody>
-          <a:bodyPr/>
-          <a:lstStyle>
-            <a:lvl1pPr eaLnBrk="0" hangingPunct="0">
-              <a:defRPr sz="2400">
-                <a:solidFill>
-                  <a:schemeClr val="tx1"/>
-                </a:solidFill>
-                <a:latin typeface="Arial" charset="0"/>
-                <a:ea typeface="ＭＳ Ｐゴシック" charset="0"/>
-                <a:cs typeface="ＭＳ Ｐゴシック" charset="0"/>
-              </a:defRPr>
-            </a:lvl1pPr>
-            <a:lvl2pPr marL="742950" indent="-285750" eaLnBrk="0" hangingPunct="0">
-              <a:defRPr sz="2400">
-                <a:solidFill>
-                  <a:schemeClr val="tx1"/>
-                </a:solidFill>
-                <a:latin typeface="Arial" charset="0"/>
-                <a:ea typeface="ＭＳ Ｐゴシック" charset="0"/>
-              </a:defRPr>
-            </a:lvl2pPr>
-            <a:lvl3pPr marL="1143000" indent="-228600" eaLnBrk="0" hangingPunct="0">
-              <a:defRPr sz="2400">
-                <a:solidFill>
-                  <a:schemeClr val="tx1"/>
-                </a:solidFill>
-                <a:latin typeface="Arial" charset="0"/>
-                <a:ea typeface="ＭＳ Ｐゴシック" charset="0"/>
-              </a:defRPr>
-            </a:lvl3pPr>
-            <a:lvl4pPr marL="1600200" indent="-228600" eaLnBrk="0" hangingPunct="0">
-              <a:defRPr sz="2400">
-                <a:solidFill>
-                  <a:schemeClr val="tx1"/>
-                </a:solidFill>
-                <a:latin typeface="Arial" charset="0"/>
-                <a:ea typeface="ＭＳ Ｐゴシック" charset="0"/>
-              </a:defRPr>
-            </a:lvl4pPr>
-            <a:lvl5pPr marL="2057400" indent="-228600" eaLnBrk="0" hangingPunct="0">
-              <a:defRPr sz="2400">
-                <a:solidFill>
-                  <a:schemeClr val="tx1"/>
-                </a:solidFill>
-                <a:latin typeface="Arial" charset="0"/>
-                <a:ea typeface="ＭＳ Ｐゴシック" charset="0"/>
-              </a:defRPr>
-            </a:lvl5pPr>
-            <a:lvl6pPr marL="2514600" indent="-228600" eaLnBrk="0" fontAlgn="base" hangingPunct="0">
-              <a:spcBef>
-                <a:spcPct val="0"/>
-              </a:spcBef>
-              <a:spcAft>
-                <a:spcPct val="0"/>
-              </a:spcAft>
-              <a:defRPr sz="2400">
-                <a:solidFill>
-                  <a:schemeClr val="tx1"/>
-                </a:solidFill>
-                <a:latin typeface="Arial" charset="0"/>
-                <a:ea typeface="ＭＳ Ｐゴシック" charset="0"/>
-              </a:defRPr>
-            </a:lvl6pPr>
-            <a:lvl7pPr marL="2971800" indent="-228600" eaLnBrk="0" fontAlgn="base" hangingPunct="0">
-              <a:spcBef>
-                <a:spcPct val="0"/>
-              </a:spcBef>
-              <a:spcAft>
-                <a:spcPct val="0"/>
-              </a:spcAft>
-              <a:defRPr sz="2400">
-                <a:solidFill>
-                  <a:schemeClr val="tx1"/>
-                </a:solidFill>
-                <a:latin typeface="Arial" charset="0"/>
-                <a:ea typeface="ＭＳ Ｐゴシック" charset="0"/>
-              </a:defRPr>
-            </a:lvl7pPr>
-            <a:lvl8pPr marL="3429000" indent="-228600" eaLnBrk="0" fontAlgn="base" hangingPunct="0">
-              <a:spcBef>
-                <a:spcPct val="0"/>
-              </a:spcBef>
-              <a:spcAft>
-                <a:spcPct val="0"/>
-              </a:spcAft>
-              <a:defRPr sz="2400">
-                <a:solidFill>
-                  <a:schemeClr val="tx1"/>
-                </a:solidFill>
-                <a:latin typeface="Arial" charset="0"/>
-                <a:ea typeface="ＭＳ Ｐゴシック" charset="0"/>
-              </a:defRPr>
-            </a:lvl8pPr>
-            <a:lvl9pPr marL="3886200" indent="-228600" eaLnBrk="0" fontAlgn="base" hangingPunct="0">
-              <a:spcBef>
-                <a:spcPct val="0"/>
-              </a:spcBef>
-              <a:spcAft>
-                <a:spcPct val="0"/>
-              </a:spcAft>
-              <a:defRPr sz="2400">
-                <a:solidFill>
-                  <a:schemeClr val="tx1"/>
-                </a:solidFill>
-                <a:latin typeface="Arial" charset="0"/>
-                <a:ea typeface="ＭＳ Ｐゴシック" charset="0"/>
-              </a:defRPr>
-            </a:lvl9pPr>
-          </a:lstStyle>
-          <a:p>
-            <a:pPr eaLnBrk="1" hangingPunct="1"/>
-            <a:fld id="{01A60C38-2424-6641-B726-79473078E451}" type="datetime1">
-              <a:rPr lang="en-US" sz="1200">
-                <a:latin typeface="Garamond" charset="0"/>
-                <a:cs typeface="Arial" charset="0"/>
-              </a:rPr>
-              <a:pPr eaLnBrk="1" hangingPunct="1"/>
-              <a:t>10/19/15</a:t>
-            </a:fld>
-            <a:endParaRPr lang="en-US" sz="1200">
-              <a:latin typeface="Garamond" charset="0"/>
-              <a:cs typeface="Arial" charset="0"/>
-            </a:endParaRPr>
-          </a:p>
-        </p:txBody>
-      </p:sp>
-      <p:sp>
-        <p:nvSpPr>
-          <p:cNvPr id="5" name="Footer Placeholder 4"/>
-          <p:cNvSpPr>
-            <a:spLocks noGrp="1"/>
-          </p:cNvSpPr>
-          <p:nvPr>
-            <p:ph type="ftr" sz="quarter" idx="11"/>
-          </p:nvPr>
-        </p:nvSpPr>
-        <p:spPr/>
-        <p:txBody>
-          <a:bodyPr/>
-          <a:lstStyle/>
-          <a:p>
-            <a:pPr>
-              <a:defRPr/>
-            </a:pPr>
-            <a:r>
-              <a:rPr lang="en-US" altLang="en-US"/>
-              <a:t>ECE Application Programming: Lecture 22</a:t>
-            </a:r>
-          </a:p>
-        </p:txBody>
-      </p:sp>
-      <p:sp>
-        <p:nvSpPr>
-          <p:cNvPr id="23557" name="Slide Number Placeholder 5"/>
-          <p:cNvSpPr>
-            <a:spLocks noGrp="1"/>
-          </p:cNvSpPr>
-          <p:nvPr>
-            <p:ph type="sldNum" sz="quarter" idx="12"/>
-          </p:nvPr>
-        </p:nvSpPr>
-        <p:spPr>
-          <a:noFill/>
-          <a:ln/>
-          <a:extLst>
-            <a:ext uri="{909E8E84-426E-40dd-AFC4-6F175D3DCCD1}">
-              <a14:hiddenFill xmlns:a14="http://schemas.microsoft.com/office/drawing/2010/main">
-                <a:solidFill>
-                  <a:srgbClr val="FFFFFF"/>
-                </a:solidFill>
-              </a14:hiddenFill>
-            </a:ext>
-            <a:ext uri="{91240B29-F687-4f45-9708-019B960494DF}">
-              <a14:hiddenLine xmlns:a14="http://schemas.microsoft.com/office/drawing/2010/main" w="9525">
-                <a:solidFill>
-                  <a:srgbClr val="000000"/>
-                </a:solidFill>
-                <a:miter lim="800000"/>
-                <a:headEnd/>
-                <a:tailEnd/>
-              </a14:hiddenLine>
-            </a:ext>
-          </a:extLst>
-        </p:spPr>
-        <p:txBody>
-          <a:bodyPr/>
-          <a:lstStyle>
-            <a:lvl1pPr eaLnBrk="0" hangingPunct="0">
-              <a:defRPr sz="2400">
-                <a:solidFill>
-                  <a:schemeClr val="tx1"/>
-                </a:solidFill>
-                <a:latin typeface="Arial" charset="0"/>
-                <a:ea typeface="ＭＳ Ｐゴシック" charset="0"/>
-                <a:cs typeface="ＭＳ Ｐゴシック" charset="0"/>
-              </a:defRPr>
-            </a:lvl1pPr>
-            <a:lvl2pPr marL="742950" indent="-285750" eaLnBrk="0" hangingPunct="0">
-              <a:defRPr sz="2400">
-                <a:solidFill>
-                  <a:schemeClr val="tx1"/>
-                </a:solidFill>
-                <a:latin typeface="Arial" charset="0"/>
-                <a:ea typeface="ＭＳ Ｐゴシック" charset="0"/>
-              </a:defRPr>
-            </a:lvl2pPr>
-            <a:lvl3pPr marL="1143000" indent="-228600" eaLnBrk="0" hangingPunct="0">
-              <a:defRPr sz="2400">
-                <a:solidFill>
-                  <a:schemeClr val="tx1"/>
-                </a:solidFill>
-                <a:latin typeface="Arial" charset="0"/>
-                <a:ea typeface="ＭＳ Ｐゴシック" charset="0"/>
-              </a:defRPr>
-            </a:lvl3pPr>
-            <a:lvl4pPr marL="1600200" indent="-228600" eaLnBrk="0" hangingPunct="0">
-              <a:defRPr sz="2400">
-                <a:solidFill>
-                  <a:schemeClr val="tx1"/>
-                </a:solidFill>
-                <a:latin typeface="Arial" charset="0"/>
-                <a:ea typeface="ＭＳ Ｐゴシック" charset="0"/>
-              </a:defRPr>
-            </a:lvl4pPr>
-            <a:lvl5pPr marL="2057400" indent="-228600" eaLnBrk="0" hangingPunct="0">
-              <a:defRPr sz="2400">
-                <a:solidFill>
-                  <a:schemeClr val="tx1"/>
-                </a:solidFill>
-                <a:latin typeface="Arial" charset="0"/>
-                <a:ea typeface="ＭＳ Ｐゴシック" charset="0"/>
-              </a:defRPr>
-            </a:lvl5pPr>
-            <a:lvl6pPr marL="2514600" indent="-228600" eaLnBrk="0" fontAlgn="base" hangingPunct="0">
-              <a:spcBef>
-                <a:spcPct val="0"/>
-              </a:spcBef>
-              <a:spcAft>
-                <a:spcPct val="0"/>
-              </a:spcAft>
-              <a:defRPr sz="2400">
-                <a:solidFill>
-                  <a:schemeClr val="tx1"/>
-                </a:solidFill>
-                <a:latin typeface="Arial" charset="0"/>
-                <a:ea typeface="ＭＳ Ｐゴシック" charset="0"/>
-              </a:defRPr>
-            </a:lvl6pPr>
-            <a:lvl7pPr marL="2971800" indent="-228600" eaLnBrk="0" fontAlgn="base" hangingPunct="0">
-              <a:spcBef>
-                <a:spcPct val="0"/>
-              </a:spcBef>
-              <a:spcAft>
-                <a:spcPct val="0"/>
-              </a:spcAft>
-              <a:defRPr sz="2400">
-                <a:solidFill>
-                  <a:schemeClr val="tx1"/>
-                </a:solidFill>
-                <a:latin typeface="Arial" charset="0"/>
-                <a:ea typeface="ＭＳ Ｐゴシック" charset="0"/>
-              </a:defRPr>
-            </a:lvl7pPr>
-            <a:lvl8pPr marL="3429000" indent="-228600" eaLnBrk="0" fontAlgn="base" hangingPunct="0">
-              <a:spcBef>
-                <a:spcPct val="0"/>
-              </a:spcBef>
-              <a:spcAft>
-                <a:spcPct val="0"/>
-              </a:spcAft>
-              <a:defRPr sz="2400">
-                <a:solidFill>
-                  <a:schemeClr val="tx1"/>
-                </a:solidFill>
-                <a:latin typeface="Arial" charset="0"/>
-                <a:ea typeface="ＭＳ Ｐゴシック" charset="0"/>
-              </a:defRPr>
-            </a:lvl8pPr>
-            <a:lvl9pPr marL="3886200" indent="-228600" eaLnBrk="0" fontAlgn="base" hangingPunct="0">
-              <a:spcBef>
-                <a:spcPct val="0"/>
-              </a:spcBef>
-              <a:spcAft>
-                <a:spcPct val="0"/>
-              </a:spcAft>
-              <a:defRPr sz="2400">
-                <a:solidFill>
-                  <a:schemeClr val="tx1"/>
-                </a:solidFill>
-                <a:latin typeface="Arial" charset="0"/>
-                <a:ea typeface="ＭＳ Ｐゴシック" charset="0"/>
-              </a:defRPr>
-            </a:lvl9pPr>
-          </a:lstStyle>
-          <a:p>
-            <a:pPr eaLnBrk="1" hangingPunct="1"/>
-            <a:fld id="{6CD81D62-82F2-7344-B049-4ED08255A5DC}" type="slidenum">
-              <a:rPr lang="en-US" sz="1200">
-                <a:latin typeface="Garamond" charset="0"/>
-                <a:cs typeface="Arial" charset="0"/>
-              </a:rPr>
-              <a:pPr eaLnBrk="1" hangingPunct="1"/>
-              <a:t>12</a:t>
-            </a:fld>
-            <a:endParaRPr lang="en-US" sz="1200">
-              <a:latin typeface="Garamond" charset="0"/>
-              <a:cs typeface="Arial" charset="0"/>
-            </a:endParaRPr>
-          </a:p>
-        </p:txBody>
-      </p:sp>
-    </p:spTree>
-    <p:extLst>
-      <p:ext uri="{BB962C8B-B14F-4D97-AF65-F5344CB8AC3E}">
-        <p14:creationId xmlns:p14="http://schemas.microsoft.com/office/powerpoint/2010/main" val="376937088"/>
-      </p:ext>
-    </p:extLst>
-  </p:cSld>
-  <p:clrMapOvr>
-    <a:masterClrMapping/>
-  </p:clrMapOvr>
-  <p:timing>
-    <p:tnLst>
-      <p:par>
-        <p:cTn xmlns:p14="http://schemas.microsoft.com/office/powerpoint/2010/main" id="1" dur="indefinite" restart="never" nodeType="tmRoot"/>
-      </p:par>
-    </p:tnLst>
-  </p:timing>
-</p:sld>
-</file>
-
-<file path=ppt/slides/slide13.xml><?xml version="1.0" encoding="utf-8"?>
-<p:sld xmlns:a="http://schemas.openxmlformats.org/drawingml/2006/main" xmlns:r="http://schemas.openxmlformats.org/officeDocument/2006/relationships" xmlns:p="http://schemas.openxmlformats.org/presentationml/2006/main">
-  <p:cSld>
-    <p:spTree>
-      <p:nvGrpSpPr>
-        <p:cNvPr id="1" name=""/>
-        <p:cNvGrpSpPr/>
-        <p:nvPr/>
-      </p:nvGrpSpPr>
-      <p:grpSpPr>
-        <a:xfrm>
-          <a:off x="0" y="0"/>
-          <a:ext cx="0" cy="0"/>
-          <a:chOff x="0" y="0"/>
-          <a:chExt cx="0" cy="0"/>
-        </a:xfrm>
-      </p:grpSpPr>
-      <p:sp>
-        <p:nvSpPr>
-          <p:cNvPr id="24577" name="Title 1"/>
-          <p:cNvSpPr>
-            <a:spLocks noGrp="1"/>
-          </p:cNvSpPr>
-          <p:nvPr>
-            <p:ph type="title"/>
-          </p:nvPr>
-        </p:nvSpPr>
-        <p:spPr/>
-        <p:txBody>
-          <a:bodyPr/>
-          <a:lstStyle/>
-          <a:p>
-            <a:r>
-              <a:rPr lang="en-US">
-                <a:latin typeface="Garamond" charset="0"/>
-              </a:rPr>
-              <a:t>String functions (cont.)</a:t>
-            </a:r>
-          </a:p>
-        </p:txBody>
-      </p:sp>
-      <p:sp>
-        <p:nvSpPr>
-          <p:cNvPr id="24578" name="Content Placeholder 2"/>
-          <p:cNvSpPr>
-            <a:spLocks noGrp="1"/>
-          </p:cNvSpPr>
-          <p:nvPr>
-            <p:ph idx="1"/>
-          </p:nvPr>
-        </p:nvSpPr>
-        <p:spPr/>
-        <p:txBody>
-          <a:bodyPr/>
-          <a:lstStyle/>
-          <a:p>
-            <a:pPr>
-              <a:lnSpc>
-                <a:spcPct val="90000"/>
-              </a:lnSpc>
-            </a:pPr>
-            <a:r>
-              <a:rPr lang="en-US">
-                <a:latin typeface="Arial" charset="0"/>
-              </a:rPr>
-              <a:t>Find # of characters in a string</a:t>
-            </a:r>
-          </a:p>
-          <a:p>
-            <a:pPr lvl="1">
-              <a:lnSpc>
-                <a:spcPct val="90000"/>
-              </a:lnSpc>
-            </a:pPr>
-            <a:r>
-              <a:rPr lang="en-US">
-                <a:latin typeface="Courier New" charset="0"/>
-                <a:cs typeface="Courier New" charset="0"/>
-              </a:rPr>
-              <a:t>size_t strlen(const char *s1);</a:t>
-            </a:r>
-          </a:p>
-          <a:p>
-            <a:pPr lvl="1">
-              <a:lnSpc>
-                <a:spcPct val="90000"/>
-              </a:lnSpc>
-            </a:pPr>
-            <a:r>
-              <a:rPr lang="en-US">
-                <a:latin typeface="Arial" charset="0"/>
-              </a:rPr>
-              <a:t>Returns # characters before </a:t>
-            </a:r>
-            <a:r>
-              <a:rPr lang="ja-JP" altLang="en-US">
-                <a:latin typeface="Courier New" charset="0"/>
-                <a:cs typeface="Courier New" charset="0"/>
-              </a:rPr>
-              <a:t>‘</a:t>
-            </a:r>
-            <a:r>
-              <a:rPr lang="en-US" altLang="ja-JP">
-                <a:latin typeface="Courier New" charset="0"/>
-                <a:cs typeface="Courier New" charset="0"/>
-              </a:rPr>
-              <a:t>\0</a:t>
-            </a:r>
-            <a:r>
-              <a:rPr lang="ja-JP" altLang="en-US">
-                <a:latin typeface="Courier New" charset="0"/>
-                <a:cs typeface="Courier New" charset="0"/>
-              </a:rPr>
-              <a:t>’</a:t>
-            </a:r>
-            <a:endParaRPr lang="en-US" altLang="ja-JP">
-              <a:latin typeface="Courier New" charset="0"/>
-              <a:cs typeface="Courier New" charset="0"/>
-            </a:endParaRPr>
-          </a:p>
-          <a:p>
-            <a:pPr lvl="2">
-              <a:lnSpc>
-                <a:spcPct val="90000"/>
-              </a:lnSpc>
-            </a:pPr>
-            <a:r>
-              <a:rPr lang="en-US">
-                <a:latin typeface="Arial" charset="0"/>
-                <a:cs typeface="Courier New" charset="0"/>
-              </a:rPr>
-              <a:t>Not necessarily size of array</a:t>
-            </a:r>
-          </a:p>
-          <a:p>
-            <a:pPr>
-              <a:lnSpc>
-                <a:spcPct val="90000"/>
-              </a:lnSpc>
-            </a:pPr>
-            <a:r>
-              <a:rPr lang="ja-JP" altLang="en-US">
-                <a:latin typeface="Arial" charset="0"/>
-                <a:cs typeface="Courier New" charset="0"/>
-              </a:rPr>
-              <a:t>“</a:t>
-            </a:r>
-            <a:r>
-              <a:rPr lang="en-US" altLang="ja-JP">
-                <a:latin typeface="Arial" charset="0"/>
-                <a:cs typeface="Courier New" charset="0"/>
-              </a:rPr>
-              <a:t>Add</a:t>
-            </a:r>
-            <a:r>
-              <a:rPr lang="ja-JP" altLang="en-US">
-                <a:latin typeface="Arial" charset="0"/>
-                <a:cs typeface="Courier New" charset="0"/>
-              </a:rPr>
-              <a:t>”</a:t>
-            </a:r>
-            <a:r>
-              <a:rPr lang="en-US" altLang="ja-JP">
-                <a:latin typeface="Arial" charset="0"/>
-                <a:cs typeface="Courier New" charset="0"/>
-              </a:rPr>
-              <a:t> strings together—string concatenation</a:t>
-            </a:r>
-          </a:p>
-          <a:p>
-            <a:pPr lvl="1">
-              <a:lnSpc>
-                <a:spcPct val="90000"/>
-              </a:lnSpc>
-            </a:pPr>
-            <a:r>
-              <a:rPr lang="en-US">
-                <a:latin typeface="Courier New" charset="0"/>
-                <a:cs typeface="Courier New" charset="0"/>
-              </a:rPr>
-              <a:t>char *strcat(char *dest, </a:t>
-            </a:r>
-          </a:p>
-          <a:p>
-            <a:pPr lvl="1">
-              <a:lnSpc>
-                <a:spcPct val="90000"/>
-              </a:lnSpc>
-              <a:buFont typeface="Wingdings" charset="0"/>
-              <a:buNone/>
-            </a:pPr>
-            <a:r>
-              <a:rPr lang="en-US">
-                <a:latin typeface="Courier New" charset="0"/>
-                <a:cs typeface="Courier New" charset="0"/>
-              </a:rPr>
-              <a:t>			   const char *source);</a:t>
-            </a:r>
-          </a:p>
-          <a:p>
-            <a:pPr lvl="1">
-              <a:lnSpc>
-                <a:spcPct val="90000"/>
-              </a:lnSpc>
-            </a:pPr>
-            <a:r>
-              <a:rPr lang="en-US">
-                <a:latin typeface="Courier New" charset="0"/>
-                <a:cs typeface="Courier New" charset="0"/>
-              </a:rPr>
-              <a:t>char *strncat(char *dest, </a:t>
-            </a:r>
-          </a:p>
-          <a:p>
-            <a:pPr lvl="1">
-              <a:lnSpc>
-                <a:spcPct val="90000"/>
-              </a:lnSpc>
-              <a:buFont typeface="Wingdings" charset="0"/>
-              <a:buNone/>
-            </a:pPr>
-            <a:r>
-              <a:rPr lang="en-US">
-                <a:latin typeface="Courier New" charset="0"/>
-                <a:cs typeface="Courier New" charset="0"/>
-              </a:rPr>
-              <a:t>			    const char *source, </a:t>
-            </a:r>
-          </a:p>
-          <a:p>
-            <a:pPr lvl="1">
-              <a:lnSpc>
-                <a:spcPct val="90000"/>
-              </a:lnSpc>
-              <a:buFont typeface="Wingdings" charset="0"/>
-              <a:buNone/>
-            </a:pPr>
-            <a:r>
-              <a:rPr lang="en-US">
-                <a:latin typeface="Courier New" charset="0"/>
-                <a:cs typeface="Courier New" charset="0"/>
-              </a:rPr>
-              <a:t>			    size_t num);</a:t>
-            </a:r>
-          </a:p>
-          <a:p>
-            <a:pPr lvl="1">
-              <a:lnSpc>
-                <a:spcPct val="90000"/>
-              </a:lnSpc>
-            </a:pPr>
-            <a:r>
-              <a:rPr lang="en-US">
-                <a:latin typeface="Arial" charset="0"/>
-                <a:cs typeface="Courier New" charset="0"/>
-              </a:rPr>
-              <a:t>Returns </a:t>
-            </a:r>
-            <a:r>
-              <a:rPr lang="en-US">
-                <a:latin typeface="Courier New" charset="0"/>
-                <a:cs typeface="Courier New" charset="0"/>
-              </a:rPr>
-              <a:t>dest</a:t>
-            </a:r>
-          </a:p>
-        </p:txBody>
-      </p:sp>
-      <p:sp>
-        <p:nvSpPr>
-          <p:cNvPr id="24579" name="Date Placeholder 3"/>
-          <p:cNvSpPr>
-            <a:spLocks noGrp="1"/>
-          </p:cNvSpPr>
-          <p:nvPr>
-            <p:ph type="dt" sz="quarter" idx="10"/>
-          </p:nvPr>
-        </p:nvSpPr>
-        <p:spPr>
-          <a:noFill/>
-          <a:ln/>
-          <a:extLst>
-            <a:ext uri="{909E8E84-426E-40dd-AFC4-6F175D3DCCD1}">
-              <a14:hiddenFill xmlns:a14="http://schemas.microsoft.com/office/drawing/2010/main">
-                <a:solidFill>
-                  <a:srgbClr val="FFFFFF"/>
-                </a:solidFill>
-              </a14:hiddenFill>
-            </a:ext>
-            <a:ext uri="{91240B29-F687-4f45-9708-019B960494DF}">
-              <a14:hiddenLine xmlns:a14="http://schemas.microsoft.com/office/drawing/2010/main" w="9525">
-                <a:solidFill>
-                  <a:srgbClr val="000000"/>
-                </a:solidFill>
-                <a:miter lim="800000"/>
-                <a:headEnd/>
-                <a:tailEnd/>
-              </a14:hiddenLine>
-            </a:ext>
-          </a:extLst>
-        </p:spPr>
-        <p:txBody>
-          <a:bodyPr/>
-          <a:lstStyle>
-            <a:lvl1pPr eaLnBrk="0" hangingPunct="0">
-              <a:defRPr sz="2400">
-                <a:solidFill>
-                  <a:schemeClr val="tx1"/>
-                </a:solidFill>
-                <a:latin typeface="Arial" charset="0"/>
-                <a:ea typeface="ＭＳ Ｐゴシック" charset="0"/>
-                <a:cs typeface="ＭＳ Ｐゴシック" charset="0"/>
-              </a:defRPr>
-            </a:lvl1pPr>
-            <a:lvl2pPr marL="742950" indent="-285750" eaLnBrk="0" hangingPunct="0">
-              <a:defRPr sz="2400">
-                <a:solidFill>
-                  <a:schemeClr val="tx1"/>
-                </a:solidFill>
-                <a:latin typeface="Arial" charset="0"/>
-                <a:ea typeface="ＭＳ Ｐゴシック" charset="0"/>
-              </a:defRPr>
-            </a:lvl2pPr>
-            <a:lvl3pPr marL="1143000" indent="-228600" eaLnBrk="0" hangingPunct="0">
-              <a:defRPr sz="2400">
-                <a:solidFill>
-                  <a:schemeClr val="tx1"/>
-                </a:solidFill>
-                <a:latin typeface="Arial" charset="0"/>
-                <a:ea typeface="ＭＳ Ｐゴシック" charset="0"/>
-              </a:defRPr>
-            </a:lvl3pPr>
-            <a:lvl4pPr marL="1600200" indent="-228600" eaLnBrk="0" hangingPunct="0">
-              <a:defRPr sz="2400">
-                <a:solidFill>
-                  <a:schemeClr val="tx1"/>
-                </a:solidFill>
-                <a:latin typeface="Arial" charset="0"/>
-                <a:ea typeface="ＭＳ Ｐゴシック" charset="0"/>
-              </a:defRPr>
-            </a:lvl4pPr>
-            <a:lvl5pPr marL="2057400" indent="-228600" eaLnBrk="0" hangingPunct="0">
-              <a:defRPr sz="2400">
-                <a:solidFill>
-                  <a:schemeClr val="tx1"/>
-                </a:solidFill>
-                <a:latin typeface="Arial" charset="0"/>
-                <a:ea typeface="ＭＳ Ｐゴシック" charset="0"/>
-              </a:defRPr>
-            </a:lvl5pPr>
-            <a:lvl6pPr marL="2514600" indent="-228600" eaLnBrk="0" fontAlgn="base" hangingPunct="0">
-              <a:spcBef>
-                <a:spcPct val="0"/>
-              </a:spcBef>
-              <a:spcAft>
-                <a:spcPct val="0"/>
-              </a:spcAft>
-              <a:defRPr sz="2400">
-                <a:solidFill>
-                  <a:schemeClr val="tx1"/>
-                </a:solidFill>
-                <a:latin typeface="Arial" charset="0"/>
-                <a:ea typeface="ＭＳ Ｐゴシック" charset="0"/>
-              </a:defRPr>
-            </a:lvl6pPr>
-            <a:lvl7pPr marL="2971800" indent="-228600" eaLnBrk="0" fontAlgn="base" hangingPunct="0">
-              <a:spcBef>
-                <a:spcPct val="0"/>
-              </a:spcBef>
-              <a:spcAft>
-                <a:spcPct val="0"/>
-              </a:spcAft>
-              <a:defRPr sz="2400">
-                <a:solidFill>
-                  <a:schemeClr val="tx1"/>
-                </a:solidFill>
-                <a:latin typeface="Arial" charset="0"/>
-                <a:ea typeface="ＭＳ Ｐゴシック" charset="0"/>
-              </a:defRPr>
-            </a:lvl7pPr>
-            <a:lvl8pPr marL="3429000" indent="-228600" eaLnBrk="0" fontAlgn="base" hangingPunct="0">
-              <a:spcBef>
-                <a:spcPct val="0"/>
-              </a:spcBef>
-              <a:spcAft>
-                <a:spcPct val="0"/>
-              </a:spcAft>
-              <a:defRPr sz="2400">
-                <a:solidFill>
-                  <a:schemeClr val="tx1"/>
-                </a:solidFill>
-                <a:latin typeface="Arial" charset="0"/>
-                <a:ea typeface="ＭＳ Ｐゴシック" charset="0"/>
-              </a:defRPr>
-            </a:lvl8pPr>
-            <a:lvl9pPr marL="3886200" indent="-228600" eaLnBrk="0" fontAlgn="base" hangingPunct="0">
-              <a:spcBef>
-                <a:spcPct val="0"/>
-              </a:spcBef>
-              <a:spcAft>
-                <a:spcPct val="0"/>
-              </a:spcAft>
-              <a:defRPr sz="2400">
-                <a:solidFill>
-                  <a:schemeClr val="tx1"/>
-                </a:solidFill>
-                <a:latin typeface="Arial" charset="0"/>
-                <a:ea typeface="ＭＳ Ｐゴシック" charset="0"/>
-              </a:defRPr>
-            </a:lvl9pPr>
-          </a:lstStyle>
-          <a:p>
-            <a:pPr eaLnBrk="1" hangingPunct="1"/>
-            <a:fld id="{740CA56E-2DD3-014C-9D82-771602242602}" type="datetime1">
-              <a:rPr lang="en-US" sz="1200">
-                <a:latin typeface="Garamond" charset="0"/>
-                <a:cs typeface="Arial" charset="0"/>
-              </a:rPr>
-              <a:pPr eaLnBrk="1" hangingPunct="1"/>
-              <a:t>10/19/15</a:t>
-            </a:fld>
-            <a:endParaRPr lang="en-US" sz="1200">
-              <a:latin typeface="Garamond" charset="0"/>
-              <a:cs typeface="Arial" charset="0"/>
-            </a:endParaRPr>
-          </a:p>
-        </p:txBody>
-      </p:sp>
-      <p:sp>
-        <p:nvSpPr>
-          <p:cNvPr id="5" name="Footer Placeholder 4"/>
-          <p:cNvSpPr>
-            <a:spLocks noGrp="1"/>
-          </p:cNvSpPr>
-          <p:nvPr>
-            <p:ph type="ftr" sz="quarter" idx="11"/>
-          </p:nvPr>
-        </p:nvSpPr>
-        <p:spPr/>
-        <p:txBody>
-          <a:bodyPr/>
-          <a:lstStyle/>
-          <a:p>
-            <a:pPr>
-              <a:defRPr/>
-            </a:pPr>
-            <a:r>
-              <a:rPr lang="en-US" altLang="en-US"/>
-              <a:t>ECE Application Programming: Lecture 22</a:t>
-            </a:r>
-          </a:p>
-        </p:txBody>
-      </p:sp>
-      <p:sp>
-        <p:nvSpPr>
-          <p:cNvPr id="24581" name="Slide Number Placeholder 5"/>
-          <p:cNvSpPr>
-            <a:spLocks noGrp="1"/>
-          </p:cNvSpPr>
-          <p:nvPr>
-            <p:ph type="sldNum" sz="quarter" idx="12"/>
-          </p:nvPr>
-        </p:nvSpPr>
-        <p:spPr>
-          <a:noFill/>
-          <a:ln/>
-          <a:extLst>
-            <a:ext uri="{909E8E84-426E-40dd-AFC4-6F175D3DCCD1}">
-              <a14:hiddenFill xmlns:a14="http://schemas.microsoft.com/office/drawing/2010/main">
-                <a:solidFill>
-                  <a:srgbClr val="FFFFFF"/>
-                </a:solidFill>
-              </a14:hiddenFill>
-            </a:ext>
-            <a:ext uri="{91240B29-F687-4f45-9708-019B960494DF}">
-              <a14:hiddenLine xmlns:a14="http://schemas.microsoft.com/office/drawing/2010/main" w="9525">
-                <a:solidFill>
-                  <a:srgbClr val="000000"/>
-                </a:solidFill>
-                <a:miter lim="800000"/>
-                <a:headEnd/>
-                <a:tailEnd/>
-              </a14:hiddenLine>
-            </a:ext>
-          </a:extLst>
-        </p:spPr>
-        <p:txBody>
-          <a:bodyPr/>
-          <a:lstStyle>
-            <a:lvl1pPr eaLnBrk="0" hangingPunct="0">
-              <a:defRPr sz="2400">
-                <a:solidFill>
-                  <a:schemeClr val="tx1"/>
-                </a:solidFill>
-                <a:latin typeface="Arial" charset="0"/>
-                <a:ea typeface="ＭＳ Ｐゴシック" charset="0"/>
-                <a:cs typeface="ＭＳ Ｐゴシック" charset="0"/>
-              </a:defRPr>
-            </a:lvl1pPr>
-            <a:lvl2pPr marL="742950" indent="-285750" eaLnBrk="0" hangingPunct="0">
-              <a:defRPr sz="2400">
-                <a:solidFill>
-                  <a:schemeClr val="tx1"/>
-                </a:solidFill>
-                <a:latin typeface="Arial" charset="0"/>
-                <a:ea typeface="ＭＳ Ｐゴシック" charset="0"/>
-              </a:defRPr>
-            </a:lvl2pPr>
-            <a:lvl3pPr marL="1143000" indent="-228600" eaLnBrk="0" hangingPunct="0">
-              <a:defRPr sz="2400">
-                <a:solidFill>
-                  <a:schemeClr val="tx1"/>
-                </a:solidFill>
-                <a:latin typeface="Arial" charset="0"/>
-                <a:ea typeface="ＭＳ Ｐゴシック" charset="0"/>
-              </a:defRPr>
-            </a:lvl3pPr>
-            <a:lvl4pPr marL="1600200" indent="-228600" eaLnBrk="0" hangingPunct="0">
-              <a:defRPr sz="2400">
-                <a:solidFill>
-                  <a:schemeClr val="tx1"/>
-                </a:solidFill>
-                <a:latin typeface="Arial" charset="0"/>
-                <a:ea typeface="ＭＳ Ｐゴシック" charset="0"/>
-              </a:defRPr>
-            </a:lvl4pPr>
-            <a:lvl5pPr marL="2057400" indent="-228600" eaLnBrk="0" hangingPunct="0">
-              <a:defRPr sz="2400">
-                <a:solidFill>
-                  <a:schemeClr val="tx1"/>
-                </a:solidFill>
-                <a:latin typeface="Arial" charset="0"/>
-                <a:ea typeface="ＭＳ Ｐゴシック" charset="0"/>
-              </a:defRPr>
-            </a:lvl5pPr>
-            <a:lvl6pPr marL="2514600" indent="-228600" eaLnBrk="0" fontAlgn="base" hangingPunct="0">
-              <a:spcBef>
-                <a:spcPct val="0"/>
-              </a:spcBef>
-              <a:spcAft>
-                <a:spcPct val="0"/>
-              </a:spcAft>
-              <a:defRPr sz="2400">
-                <a:solidFill>
-                  <a:schemeClr val="tx1"/>
-                </a:solidFill>
-                <a:latin typeface="Arial" charset="0"/>
-                <a:ea typeface="ＭＳ Ｐゴシック" charset="0"/>
-              </a:defRPr>
-            </a:lvl6pPr>
-            <a:lvl7pPr marL="2971800" indent="-228600" eaLnBrk="0" fontAlgn="base" hangingPunct="0">
-              <a:spcBef>
-                <a:spcPct val="0"/>
-              </a:spcBef>
-              <a:spcAft>
-                <a:spcPct val="0"/>
-              </a:spcAft>
-              <a:defRPr sz="2400">
-                <a:solidFill>
-                  <a:schemeClr val="tx1"/>
-                </a:solidFill>
-                <a:latin typeface="Arial" charset="0"/>
-                <a:ea typeface="ＭＳ Ｐゴシック" charset="0"/>
-              </a:defRPr>
-            </a:lvl7pPr>
-            <a:lvl8pPr marL="3429000" indent="-228600" eaLnBrk="0" fontAlgn="base" hangingPunct="0">
-              <a:spcBef>
-                <a:spcPct val="0"/>
-              </a:spcBef>
-              <a:spcAft>
-                <a:spcPct val="0"/>
-              </a:spcAft>
-              <a:defRPr sz="2400">
-                <a:solidFill>
-                  <a:schemeClr val="tx1"/>
-                </a:solidFill>
-                <a:latin typeface="Arial" charset="0"/>
-                <a:ea typeface="ＭＳ Ｐゴシック" charset="0"/>
-              </a:defRPr>
-            </a:lvl8pPr>
-            <a:lvl9pPr marL="3886200" indent="-228600" eaLnBrk="0" fontAlgn="base" hangingPunct="0">
-              <a:spcBef>
-                <a:spcPct val="0"/>
-              </a:spcBef>
-              <a:spcAft>
-                <a:spcPct val="0"/>
-              </a:spcAft>
-              <a:defRPr sz="2400">
-                <a:solidFill>
-                  <a:schemeClr val="tx1"/>
-                </a:solidFill>
-                <a:latin typeface="Arial" charset="0"/>
-                <a:ea typeface="ＭＳ Ｐゴシック" charset="0"/>
-              </a:defRPr>
-            </a:lvl9pPr>
-          </a:lstStyle>
-          <a:p>
-            <a:pPr eaLnBrk="1" hangingPunct="1"/>
-            <a:fld id="{A1A4E562-9E91-1D48-8FB4-F5CF7960CF23}" type="slidenum">
-              <a:rPr lang="en-US" sz="1200">
-                <a:latin typeface="Garamond" charset="0"/>
-                <a:cs typeface="Arial" charset="0"/>
-              </a:rPr>
-              <a:pPr eaLnBrk="1" hangingPunct="1"/>
-              <a:t>13</a:t>
-            </a:fld>
-            <a:endParaRPr lang="en-US" sz="1200">
-              <a:latin typeface="Garamond" charset="0"/>
-              <a:cs typeface="Arial" charset="0"/>
-            </a:endParaRPr>
-          </a:p>
-        </p:txBody>
-      </p:sp>
-    </p:spTree>
-    <p:extLst>
-      <p:ext uri="{BB962C8B-B14F-4D97-AF65-F5344CB8AC3E}">
-        <p14:creationId xmlns:p14="http://schemas.microsoft.com/office/powerpoint/2010/main" val="3639591706"/>
-      </p:ext>
-    </p:extLst>
-  </p:cSld>
-  <p:clrMapOvr>
-    <a:masterClrMapping/>
-  </p:clrMapOvr>
-  <p:timing>
-    <p:tnLst>
-      <p:par>
-        <p:cTn xmlns:p14="http://schemas.microsoft.com/office/powerpoint/2010/main" id="1" dur="indefinite" restart="never" nodeType="tmRoot"/>
-      </p:par>
-    </p:tnLst>
-  </p:timing>
-</p:sld>
-</file>
-
-<file path=ppt/slides/slide14.xml><?xml version="1.0" encoding="utf-8"?>
-<p:sld xmlns:a="http://schemas.openxmlformats.org/drawingml/2006/main" xmlns:r="http://schemas.openxmlformats.org/officeDocument/2006/relationships" xmlns:p="http://schemas.openxmlformats.org/presentationml/2006/main">
-  <p:cSld>
-    <p:spTree>
-      <p:nvGrpSpPr>
-        <p:cNvPr id="1" name=""/>
-        <p:cNvGrpSpPr/>
-        <p:nvPr/>
-      </p:nvGrpSpPr>
-      <p:grpSpPr>
-        <a:xfrm>
-          <a:off x="0" y="0"/>
-          <a:ext cx="0" cy="0"/>
-          <a:chOff x="0" y="0"/>
-          <a:chExt cx="0" cy="0"/>
-        </a:xfrm>
-      </p:grpSpPr>
-      <p:sp>
-        <p:nvSpPr>
-          <p:cNvPr id="25601" name="Title 1"/>
-          <p:cNvSpPr>
-            <a:spLocks noGrp="1"/>
-          </p:cNvSpPr>
-          <p:nvPr>
-            <p:ph type="title"/>
-          </p:nvPr>
-        </p:nvSpPr>
-        <p:spPr/>
-        <p:txBody>
-          <a:bodyPr/>
-          <a:lstStyle/>
-          <a:p>
-            <a:r>
-              <a:rPr lang="en-US">
-                <a:latin typeface="Garamond" charset="0"/>
-              </a:rPr>
-              <a:t>Example: Strings</a:t>
-            </a:r>
-          </a:p>
-        </p:txBody>
-      </p:sp>
-      <p:sp>
-        <p:nvSpPr>
-          <p:cNvPr id="25602" name="Content Placeholder 2"/>
-          <p:cNvSpPr>
-            <a:spLocks noGrp="1"/>
-          </p:cNvSpPr>
-          <p:nvPr>
-            <p:ph sz="half" idx="1"/>
-          </p:nvPr>
-        </p:nvSpPr>
-        <p:spPr>
-          <a:xfrm>
-            <a:off x="0" y="1143000"/>
-            <a:ext cx="4572000" cy="4987925"/>
-          </a:xfrm>
-          <a:ln>
-            <a:solidFill>
-              <a:schemeClr val="accent1"/>
-            </a:solidFill>
-            <a:miter lim="800000"/>
-            <a:headEnd/>
-            <a:tailEnd/>
-          </a:ln>
-        </p:spPr>
-        <p:txBody>
-          <a:bodyPr/>
-          <a:lstStyle/>
-          <a:p>
-            <a:pPr>
-              <a:lnSpc>
-                <a:spcPct val="80000"/>
-              </a:lnSpc>
-            </a:pPr>
-            <a:r>
-              <a:rPr lang="en-US" sz="1800">
-                <a:latin typeface="Arial" charset="0"/>
-              </a:rPr>
-              <a:t>What does the following program print?</a:t>
-            </a:r>
-          </a:p>
-          <a:p>
-            <a:pPr>
-              <a:lnSpc>
-                <a:spcPct val="80000"/>
-              </a:lnSpc>
-              <a:buFont typeface="Wingdings" charset="0"/>
-              <a:buNone/>
-            </a:pPr>
-            <a:r>
-              <a:rPr lang="en-US" sz="1500">
-                <a:latin typeface="Courier New" charset="0"/>
-                <a:cs typeface="Courier New" charset="0"/>
-              </a:rPr>
-              <a:t>int main() {</a:t>
-            </a:r>
-          </a:p>
-          <a:p>
-            <a:pPr>
-              <a:lnSpc>
-                <a:spcPct val="80000"/>
-              </a:lnSpc>
-              <a:buFont typeface="Wingdings" charset="0"/>
-              <a:buNone/>
-            </a:pPr>
-            <a:r>
-              <a:rPr lang="en-US" sz="1500">
-                <a:latin typeface="Courier New" charset="0"/>
-                <a:cs typeface="Courier New" charset="0"/>
-              </a:rPr>
-              <a:t>	char s1[15];</a:t>
-            </a:r>
-          </a:p>
-          <a:p>
-            <a:pPr lvl="1">
-              <a:lnSpc>
-                <a:spcPct val="80000"/>
-              </a:lnSpc>
-              <a:buFont typeface="Wingdings" charset="0"/>
-              <a:buNone/>
-            </a:pPr>
-            <a:r>
-              <a:rPr lang="en-US" sz="1500">
-                <a:latin typeface="Courier New" charset="0"/>
-                <a:cs typeface="Courier New" charset="0"/>
-              </a:rPr>
-              <a:t>int n1;</a:t>
-            </a:r>
-          </a:p>
-          <a:p>
-            <a:pPr lvl="1">
-              <a:lnSpc>
-                <a:spcPct val="80000"/>
-              </a:lnSpc>
-              <a:buFont typeface="Wingdings" charset="0"/>
-              <a:buNone/>
-            </a:pPr>
-            <a:r>
-              <a:rPr lang="en-US" sz="1500">
-                <a:latin typeface="Courier New" charset="0"/>
-                <a:cs typeface="Courier New" charset="0"/>
-              </a:rPr>
-              <a:t>char s2[10] = </a:t>
-            </a:r>
-            <a:r>
-              <a:rPr lang="ja-JP" altLang="en-US" sz="1500">
-                <a:latin typeface="Courier New" charset="0"/>
-                <a:cs typeface="Courier New" charset="0"/>
-              </a:rPr>
-              <a:t>“</a:t>
-            </a:r>
-            <a:r>
-              <a:rPr lang="en-US" altLang="ja-JP" sz="1500">
-                <a:latin typeface="Courier New" charset="0"/>
-                <a:cs typeface="Courier New" charset="0"/>
-              </a:rPr>
-              <a:t>.216</a:t>
-            </a:r>
-            <a:r>
-              <a:rPr lang="ja-JP" altLang="en-US" sz="1500">
-                <a:latin typeface="Courier New" charset="0"/>
-                <a:cs typeface="Courier New" charset="0"/>
-              </a:rPr>
-              <a:t>”</a:t>
-            </a:r>
-            <a:r>
-              <a:rPr lang="en-US" altLang="ja-JP" sz="1500">
-                <a:latin typeface="Courier New" charset="0"/>
-                <a:cs typeface="Courier New" charset="0"/>
-              </a:rPr>
-              <a:t>;</a:t>
-            </a:r>
-          </a:p>
-          <a:p>
-            <a:pPr lvl="1">
-              <a:lnSpc>
-                <a:spcPct val="80000"/>
-              </a:lnSpc>
-              <a:buFont typeface="Wingdings" charset="0"/>
-              <a:buNone/>
-            </a:pPr>
-            <a:r>
-              <a:rPr lang="en-US" sz="1500">
-                <a:latin typeface="Courier New" charset="0"/>
-                <a:cs typeface="Courier New" charset="0"/>
-              </a:rPr>
-              <a:t>int n;</a:t>
-            </a:r>
-          </a:p>
-          <a:p>
-            <a:pPr lvl="1">
-              <a:lnSpc>
-                <a:spcPct val="80000"/>
-              </a:lnSpc>
-              <a:buFont typeface="Wingdings" charset="0"/>
-              <a:buNone/>
-            </a:pPr>
-            <a:endParaRPr lang="en-US" sz="1500">
-              <a:latin typeface="Courier New" charset="0"/>
-              <a:cs typeface="Courier New" charset="0"/>
-            </a:endParaRPr>
-          </a:p>
-          <a:p>
-            <a:pPr lvl="1">
-              <a:lnSpc>
-                <a:spcPct val="80000"/>
-              </a:lnSpc>
-              <a:buFont typeface="Wingdings" charset="0"/>
-              <a:buNone/>
-            </a:pPr>
-            <a:r>
-              <a:rPr lang="en-US" sz="1500">
-                <a:latin typeface="Courier New" charset="0"/>
-                <a:cs typeface="Courier New" charset="0"/>
-              </a:rPr>
-              <a:t>strncpy(s1, </a:t>
-            </a:r>
-            <a:r>
-              <a:rPr lang="ja-JP" altLang="en-US" sz="1500">
-                <a:latin typeface="Courier New" charset="0"/>
-                <a:cs typeface="Courier New" charset="0"/>
-              </a:rPr>
-              <a:t>“</a:t>
-            </a:r>
-            <a:r>
-              <a:rPr lang="en-US" altLang="ja-JP" sz="1500">
-                <a:latin typeface="Courier New" charset="0"/>
-                <a:cs typeface="Courier New" charset="0"/>
-              </a:rPr>
-              <a:t>16</a:t>
-            </a:r>
-            <a:r>
-              <a:rPr lang="ja-JP" altLang="en-US" sz="1500">
-                <a:latin typeface="Courier New" charset="0"/>
-                <a:cs typeface="Courier New" charset="0"/>
-              </a:rPr>
-              <a:t>”</a:t>
-            </a:r>
-            <a:r>
-              <a:rPr lang="en-US" altLang="ja-JP" sz="1500">
-                <a:latin typeface="Courier New" charset="0"/>
-                <a:cs typeface="Courier New" charset="0"/>
-              </a:rPr>
-              <a:t>, 15);</a:t>
-            </a:r>
-          </a:p>
-          <a:p>
-            <a:pPr lvl="1">
-              <a:lnSpc>
-                <a:spcPct val="80000"/>
-              </a:lnSpc>
-              <a:buFont typeface="Wingdings" charset="0"/>
-              <a:buNone/>
-            </a:pPr>
-            <a:r>
-              <a:rPr lang="en-US" sz="1500">
-                <a:latin typeface="Courier New" charset="0"/>
-                <a:cs typeface="Courier New" charset="0"/>
-              </a:rPr>
-              <a:t>n1 = strlen(s1);</a:t>
-            </a:r>
-          </a:p>
-          <a:p>
-            <a:pPr lvl="1">
-              <a:lnSpc>
-                <a:spcPct val="80000"/>
-              </a:lnSpc>
-              <a:buFont typeface="Wingdings" charset="0"/>
-              <a:buNone/>
-            </a:pPr>
-            <a:r>
-              <a:rPr lang="en-US" sz="1500">
-                <a:latin typeface="Courier New" charset="0"/>
-                <a:cs typeface="Courier New" charset="0"/>
-              </a:rPr>
-              <a:t>printf(</a:t>
-            </a:r>
-            <a:r>
-              <a:rPr lang="ja-JP" altLang="en-US" sz="1500">
-                <a:latin typeface="Courier New" charset="0"/>
-                <a:cs typeface="Courier New" charset="0"/>
-              </a:rPr>
-              <a:t>“</a:t>
-            </a:r>
-            <a:r>
-              <a:rPr lang="en-US" altLang="ja-JP" sz="1500">
-                <a:latin typeface="Courier New" charset="0"/>
-                <a:cs typeface="Courier New" charset="0"/>
-              </a:rPr>
-              <a:t>s1 = %s\n</a:t>
-            </a:r>
-            <a:r>
-              <a:rPr lang="ja-JP" altLang="en-US" sz="1500">
-                <a:latin typeface="Courier New" charset="0"/>
-                <a:cs typeface="Courier New" charset="0"/>
-              </a:rPr>
-              <a:t>”</a:t>
-            </a:r>
-            <a:r>
-              <a:rPr lang="en-US" altLang="ja-JP" sz="1500">
-                <a:latin typeface="Courier New" charset="0"/>
-                <a:cs typeface="Courier New" charset="0"/>
-              </a:rPr>
-              <a:t>, s1);</a:t>
-            </a:r>
-          </a:p>
-          <a:p>
-            <a:pPr lvl="1">
-              <a:lnSpc>
-                <a:spcPct val="80000"/>
-              </a:lnSpc>
-              <a:buFont typeface="Wingdings" charset="0"/>
-              <a:buNone/>
-            </a:pPr>
-            <a:r>
-              <a:rPr lang="en-US" sz="1500">
-                <a:latin typeface="Courier New" charset="0"/>
-                <a:cs typeface="Courier New" charset="0"/>
-              </a:rPr>
-              <a:t>printf(</a:t>
-            </a:r>
-            <a:r>
-              <a:rPr lang="ja-JP" altLang="en-US" sz="1500">
-                <a:latin typeface="Courier New" charset="0"/>
-                <a:cs typeface="Courier New" charset="0"/>
-              </a:rPr>
-              <a:t>“</a:t>
-            </a:r>
-            <a:r>
-              <a:rPr lang="en-US" altLang="ja-JP" sz="1500">
-                <a:latin typeface="Courier New" charset="0"/>
-                <a:cs typeface="Courier New" charset="0"/>
-              </a:rPr>
-              <a:t>Length of s1 = %d\n\n</a:t>
-            </a:r>
-            <a:r>
-              <a:rPr lang="ja-JP" altLang="en-US" sz="1500">
-                <a:latin typeface="Courier New" charset="0"/>
-                <a:cs typeface="Courier New" charset="0"/>
-              </a:rPr>
-              <a:t>”</a:t>
-            </a:r>
-            <a:r>
-              <a:rPr lang="en-US" altLang="ja-JP" sz="1500">
-                <a:latin typeface="Courier New" charset="0"/>
-                <a:cs typeface="Courier New" charset="0"/>
-              </a:rPr>
-              <a:t>, n1);</a:t>
-            </a:r>
-          </a:p>
-          <a:p>
-            <a:pPr lvl="1">
-              <a:lnSpc>
-                <a:spcPct val="80000"/>
-              </a:lnSpc>
-              <a:buFont typeface="Wingdings" charset="0"/>
-              <a:buNone/>
-            </a:pPr>
-            <a:endParaRPr lang="en-US" sz="1500">
-              <a:latin typeface="Courier New" charset="0"/>
-              <a:cs typeface="Courier New" charset="0"/>
-            </a:endParaRPr>
-          </a:p>
-          <a:p>
-            <a:pPr lvl="1">
-              <a:lnSpc>
-                <a:spcPct val="80000"/>
-              </a:lnSpc>
-              <a:buFont typeface="Wingdings" charset="0"/>
-              <a:buNone/>
-            </a:pPr>
-            <a:r>
-              <a:rPr lang="en-US" sz="1500">
-                <a:latin typeface="Courier New" charset="0"/>
-                <a:cs typeface="Courier New" charset="0"/>
-              </a:rPr>
-              <a:t>printf(</a:t>
-            </a:r>
-            <a:r>
-              <a:rPr lang="ja-JP" altLang="en-US" sz="1500">
-                <a:latin typeface="Courier New" charset="0"/>
-                <a:cs typeface="Courier New" charset="0"/>
-              </a:rPr>
-              <a:t>“</a:t>
-            </a:r>
-            <a:r>
-              <a:rPr lang="en-US" altLang="ja-JP" sz="1500">
-                <a:latin typeface="Courier New" charset="0"/>
-                <a:cs typeface="Courier New" charset="0"/>
-              </a:rPr>
-              <a:t>%c\n\n</a:t>
-            </a:r>
-            <a:r>
-              <a:rPr lang="ja-JP" altLang="en-US" sz="1500">
-                <a:latin typeface="Courier New" charset="0"/>
-                <a:cs typeface="Courier New" charset="0"/>
-              </a:rPr>
-              <a:t>”</a:t>
-            </a:r>
-            <a:r>
-              <a:rPr lang="en-US" altLang="ja-JP" sz="1500">
-                <a:latin typeface="Courier New" charset="0"/>
-                <a:cs typeface="Courier New" charset="0"/>
-              </a:rPr>
-              <a:t>, s1[1]);</a:t>
-            </a:r>
-          </a:p>
-          <a:p>
-            <a:pPr lvl="1">
-              <a:lnSpc>
-                <a:spcPct val="80000"/>
-              </a:lnSpc>
-              <a:buFont typeface="Wingdings" charset="0"/>
-              <a:buNone/>
-            </a:pPr>
-            <a:endParaRPr lang="en-US" sz="1500">
-              <a:latin typeface="Courier New" charset="0"/>
-              <a:cs typeface="Courier New" charset="0"/>
-            </a:endParaRPr>
-          </a:p>
-        </p:txBody>
-      </p:sp>
-      <p:sp>
-        <p:nvSpPr>
-          <p:cNvPr id="25603" name="Content Placeholder 6"/>
-          <p:cNvSpPr>
-            <a:spLocks noGrp="1"/>
-          </p:cNvSpPr>
-          <p:nvPr>
-            <p:ph sz="half" idx="2"/>
-          </p:nvPr>
-        </p:nvSpPr>
-        <p:spPr>
-          <a:xfrm>
-            <a:off x="4572000" y="1143000"/>
-            <a:ext cx="4495800" cy="4987925"/>
-          </a:xfrm>
-          <a:ln>
-            <a:solidFill>
-              <a:schemeClr val="accent1"/>
-            </a:solidFill>
-            <a:miter lim="800000"/>
-            <a:headEnd/>
-            <a:tailEnd/>
-          </a:ln>
-        </p:spPr>
-        <p:txBody>
-          <a:bodyPr/>
-          <a:lstStyle/>
-          <a:p>
-            <a:pPr lvl="1">
-              <a:lnSpc>
-                <a:spcPct val="80000"/>
-              </a:lnSpc>
-              <a:buFont typeface="Wingdings" charset="0"/>
-              <a:buNone/>
-            </a:pPr>
-            <a:r>
-              <a:rPr lang="en-US" sz="1500">
-                <a:latin typeface="Courier New" charset="0"/>
-                <a:cs typeface="Courier New" charset="0"/>
-              </a:rPr>
-              <a:t>strncat(s1,s2,10);</a:t>
-            </a:r>
-          </a:p>
-          <a:p>
-            <a:pPr lvl="1">
-              <a:lnSpc>
-                <a:spcPct val="80000"/>
-              </a:lnSpc>
-              <a:buFont typeface="Wingdings" charset="0"/>
-              <a:buNone/>
-            </a:pPr>
-            <a:r>
-              <a:rPr lang="en-US" sz="1500">
-                <a:latin typeface="Courier New" charset="0"/>
-                <a:cs typeface="Courier New" charset="0"/>
-              </a:rPr>
-              <a:t>n1 = strlen(s1);</a:t>
-            </a:r>
-          </a:p>
-          <a:p>
-            <a:pPr lvl="1">
-              <a:lnSpc>
-                <a:spcPct val="80000"/>
-              </a:lnSpc>
-              <a:buFont typeface="Wingdings" charset="0"/>
-              <a:buNone/>
-            </a:pPr>
-            <a:r>
-              <a:rPr lang="en-US" sz="1500">
-                <a:latin typeface="Courier New" charset="0"/>
-                <a:cs typeface="Courier New" charset="0"/>
-              </a:rPr>
-              <a:t>printf(</a:t>
-            </a:r>
-            <a:r>
-              <a:rPr lang="ja-JP" altLang="en-US" sz="1500">
-                <a:latin typeface="Courier New" charset="0"/>
-                <a:cs typeface="Courier New" charset="0"/>
-              </a:rPr>
-              <a:t>“</a:t>
-            </a:r>
-            <a:r>
-              <a:rPr lang="en-US" altLang="ja-JP" sz="1500">
-                <a:latin typeface="Courier New" charset="0"/>
-                <a:cs typeface="Courier New" charset="0"/>
-              </a:rPr>
-              <a:t>s1 = %s\n</a:t>
-            </a:r>
-            <a:r>
-              <a:rPr lang="ja-JP" altLang="en-US" sz="1500">
-                <a:latin typeface="Courier New" charset="0"/>
-                <a:cs typeface="Courier New" charset="0"/>
-              </a:rPr>
-              <a:t>”</a:t>
-            </a:r>
-            <a:r>
-              <a:rPr lang="en-US" altLang="ja-JP" sz="1500">
-                <a:latin typeface="Courier New" charset="0"/>
-                <a:cs typeface="Courier New" charset="0"/>
-              </a:rPr>
-              <a:t>, s1);</a:t>
-            </a:r>
-          </a:p>
-          <a:p>
-            <a:pPr lvl="1">
-              <a:lnSpc>
-                <a:spcPct val="80000"/>
-              </a:lnSpc>
-              <a:buFont typeface="Wingdings" charset="0"/>
-              <a:buNone/>
-            </a:pPr>
-            <a:r>
-              <a:rPr lang="en-US" sz="1500">
-                <a:latin typeface="Courier New" charset="0"/>
-                <a:cs typeface="Courier New" charset="0"/>
-              </a:rPr>
-              <a:t>printf(</a:t>
-            </a:r>
-            <a:r>
-              <a:rPr lang="ja-JP" altLang="en-US" sz="1500">
-                <a:latin typeface="Courier New" charset="0"/>
-                <a:cs typeface="Courier New" charset="0"/>
-              </a:rPr>
-              <a:t>“</a:t>
-            </a:r>
-            <a:r>
-              <a:rPr lang="en-US" altLang="ja-JP" sz="1500">
-                <a:latin typeface="Courier New" charset="0"/>
-                <a:cs typeface="Courier New" charset="0"/>
-              </a:rPr>
-              <a:t>Length of s1 = %d\n\n</a:t>
-            </a:r>
-            <a:r>
-              <a:rPr lang="ja-JP" altLang="en-US" sz="1500">
-                <a:latin typeface="Courier New" charset="0"/>
-                <a:cs typeface="Courier New" charset="0"/>
-              </a:rPr>
-              <a:t>”</a:t>
-            </a:r>
-            <a:r>
-              <a:rPr lang="en-US" altLang="ja-JP" sz="1500">
-                <a:latin typeface="Courier New" charset="0"/>
-                <a:cs typeface="Courier New" charset="0"/>
-              </a:rPr>
-              <a:t>, n1);</a:t>
-            </a:r>
-          </a:p>
-          <a:p>
-            <a:pPr lvl="1">
-              <a:lnSpc>
-                <a:spcPct val="80000"/>
-              </a:lnSpc>
-              <a:buFont typeface="Wingdings" charset="0"/>
-              <a:buNone/>
-            </a:pPr>
-            <a:endParaRPr lang="en-US" sz="1500">
-              <a:latin typeface="Courier New" charset="0"/>
-              <a:cs typeface="Courier New" charset="0"/>
-            </a:endParaRPr>
-          </a:p>
-          <a:p>
-            <a:pPr lvl="1">
-              <a:lnSpc>
-                <a:spcPct val="80000"/>
-              </a:lnSpc>
-              <a:buFont typeface="Wingdings" charset="0"/>
-              <a:buNone/>
-            </a:pPr>
-            <a:r>
-              <a:rPr lang="en-US" sz="1500">
-                <a:latin typeface="Courier New" charset="0"/>
-                <a:cs typeface="Courier New" charset="0"/>
-              </a:rPr>
-              <a:t>// Assume user inputs: ABC ABD</a:t>
-            </a:r>
-          </a:p>
-          <a:p>
-            <a:pPr lvl="1">
-              <a:lnSpc>
-                <a:spcPct val="80000"/>
-              </a:lnSpc>
-              <a:buFont typeface="Wingdings" charset="0"/>
-              <a:buNone/>
-            </a:pPr>
-            <a:r>
-              <a:rPr lang="en-US" sz="1500">
-                <a:latin typeface="Courier New" charset="0"/>
-                <a:cs typeface="Courier New" charset="0"/>
-              </a:rPr>
-              <a:t>printf(</a:t>
-            </a:r>
-            <a:r>
-              <a:rPr lang="ja-JP" altLang="en-US" sz="1500">
-                <a:latin typeface="Courier New" charset="0"/>
-                <a:cs typeface="Courier New" charset="0"/>
-              </a:rPr>
-              <a:t>“</a:t>
-            </a:r>
-            <a:r>
-              <a:rPr lang="en-US" altLang="ja-JP" sz="1500">
-                <a:latin typeface="Courier New" charset="0"/>
-                <a:cs typeface="Courier New" charset="0"/>
-              </a:rPr>
-              <a:t>Enter two strings:</a:t>
-            </a:r>
-            <a:r>
-              <a:rPr lang="ja-JP" altLang="en-US" sz="1500">
-                <a:latin typeface="Courier New" charset="0"/>
-                <a:cs typeface="Courier New" charset="0"/>
-              </a:rPr>
-              <a:t>”</a:t>
-            </a:r>
-            <a:r>
-              <a:rPr lang="en-US" altLang="ja-JP" sz="1500">
-                <a:latin typeface="Courier New" charset="0"/>
-                <a:cs typeface="Courier New" charset="0"/>
-              </a:rPr>
-              <a:t>);</a:t>
-            </a:r>
-          </a:p>
-          <a:p>
-            <a:pPr lvl="1">
-              <a:lnSpc>
-                <a:spcPct val="80000"/>
-              </a:lnSpc>
-              <a:buFont typeface="Wingdings" charset="0"/>
-              <a:buNone/>
-            </a:pPr>
-            <a:r>
-              <a:rPr lang="en-US" sz="1500">
-                <a:latin typeface="Courier New" charset="0"/>
-                <a:cs typeface="Courier New" charset="0"/>
-              </a:rPr>
-              <a:t>scanf(</a:t>
-            </a:r>
-            <a:r>
-              <a:rPr lang="ja-JP" altLang="en-US" sz="1500">
-                <a:latin typeface="Courier New" charset="0"/>
-                <a:cs typeface="Courier New" charset="0"/>
-              </a:rPr>
-              <a:t>“</a:t>
-            </a:r>
-            <a:r>
-              <a:rPr lang="en-US" altLang="ja-JP" sz="1500">
-                <a:latin typeface="Courier New" charset="0"/>
-                <a:cs typeface="Courier New" charset="0"/>
-              </a:rPr>
-              <a:t>%s%s</a:t>
-            </a:r>
-            <a:r>
-              <a:rPr lang="ja-JP" altLang="en-US" sz="1500">
-                <a:latin typeface="Courier New" charset="0"/>
-                <a:cs typeface="Courier New" charset="0"/>
-              </a:rPr>
-              <a:t>”</a:t>
-            </a:r>
-            <a:r>
-              <a:rPr lang="en-US" altLang="ja-JP" sz="1500">
-                <a:latin typeface="Courier New" charset="0"/>
-                <a:cs typeface="Courier New" charset="0"/>
-              </a:rPr>
-              <a:t>, s1, s2);</a:t>
-            </a:r>
-          </a:p>
-          <a:p>
-            <a:pPr lvl="1">
-              <a:lnSpc>
-                <a:spcPct val="80000"/>
-              </a:lnSpc>
-              <a:buFont typeface="Wingdings" charset="0"/>
-              <a:buNone/>
-            </a:pPr>
-            <a:r>
-              <a:rPr lang="en-US" sz="1500">
-                <a:latin typeface="Courier New" charset="0"/>
-                <a:cs typeface="Courier New" charset="0"/>
-              </a:rPr>
-              <a:t>n = strncmp(s1, s2, 15);</a:t>
-            </a:r>
-          </a:p>
-          <a:p>
-            <a:pPr lvl="1">
-              <a:lnSpc>
-                <a:spcPct val="80000"/>
-              </a:lnSpc>
-              <a:buFont typeface="Wingdings" charset="0"/>
-              <a:buNone/>
-            </a:pPr>
-            <a:endParaRPr lang="en-US" sz="1500">
-              <a:latin typeface="Courier New" charset="0"/>
-              <a:cs typeface="Courier New" charset="0"/>
-            </a:endParaRPr>
-          </a:p>
-          <a:p>
-            <a:pPr lvl="1">
-              <a:lnSpc>
-                <a:spcPct val="80000"/>
-              </a:lnSpc>
-              <a:buFont typeface="Wingdings" charset="0"/>
-              <a:buNone/>
-            </a:pPr>
-            <a:r>
-              <a:rPr lang="en-US" sz="1500">
-                <a:latin typeface="Courier New" charset="0"/>
-                <a:cs typeface="Courier New" charset="0"/>
-              </a:rPr>
-              <a:t>if (n &gt; 0)</a:t>
-            </a:r>
-          </a:p>
-          <a:p>
-            <a:pPr lvl="1">
-              <a:lnSpc>
-                <a:spcPct val="80000"/>
-              </a:lnSpc>
-              <a:buFont typeface="Wingdings" charset="0"/>
-              <a:buNone/>
-            </a:pPr>
-            <a:r>
-              <a:rPr lang="en-US" sz="1500">
-                <a:latin typeface="Courier New" charset="0"/>
-                <a:cs typeface="Courier New" charset="0"/>
-              </a:rPr>
-              <a:t>	printf(</a:t>
-            </a:r>
-            <a:r>
-              <a:rPr lang="ja-JP" altLang="en-US" sz="1500">
-                <a:latin typeface="Courier New" charset="0"/>
-                <a:cs typeface="Courier New" charset="0"/>
-              </a:rPr>
-              <a:t>“</a:t>
-            </a:r>
-            <a:r>
-              <a:rPr lang="en-US" altLang="ja-JP" sz="1500">
-                <a:latin typeface="Courier New" charset="0"/>
-                <a:cs typeface="Courier New" charset="0"/>
-              </a:rPr>
-              <a:t>%s &gt; %s\n</a:t>
-            </a:r>
-            <a:r>
-              <a:rPr lang="ja-JP" altLang="en-US" sz="1500">
-                <a:latin typeface="Courier New" charset="0"/>
-                <a:cs typeface="Courier New" charset="0"/>
-              </a:rPr>
-              <a:t>”</a:t>
-            </a:r>
-            <a:r>
-              <a:rPr lang="en-US" altLang="ja-JP" sz="1500">
-                <a:latin typeface="Courier New" charset="0"/>
-                <a:cs typeface="Courier New" charset="0"/>
-              </a:rPr>
-              <a:t>, s1, s2);</a:t>
-            </a:r>
-          </a:p>
-          <a:p>
-            <a:pPr lvl="1">
-              <a:lnSpc>
-                <a:spcPct val="80000"/>
-              </a:lnSpc>
-              <a:buFont typeface="Wingdings" charset="0"/>
-              <a:buNone/>
-            </a:pPr>
-            <a:r>
-              <a:rPr lang="en-US" sz="1500">
-                <a:latin typeface="Courier New" charset="0"/>
-                <a:cs typeface="Courier New" charset="0"/>
-              </a:rPr>
-              <a:t>else if (n &lt; 0)</a:t>
-            </a:r>
-          </a:p>
-          <a:p>
-            <a:pPr lvl="1">
-              <a:lnSpc>
-                <a:spcPct val="80000"/>
-              </a:lnSpc>
-              <a:buFont typeface="Wingdings" charset="0"/>
-              <a:buNone/>
-            </a:pPr>
-            <a:r>
-              <a:rPr lang="en-US" sz="1500">
-                <a:latin typeface="Courier New" charset="0"/>
-                <a:cs typeface="Courier New" charset="0"/>
-              </a:rPr>
-              <a:t>	printf(</a:t>
-            </a:r>
-            <a:r>
-              <a:rPr lang="ja-JP" altLang="en-US" sz="1500">
-                <a:latin typeface="Courier New" charset="0"/>
-                <a:cs typeface="Courier New" charset="0"/>
-              </a:rPr>
-              <a:t>“</a:t>
-            </a:r>
-            <a:r>
-              <a:rPr lang="en-US" altLang="ja-JP" sz="1500">
-                <a:latin typeface="Courier New" charset="0"/>
-                <a:cs typeface="Courier New" charset="0"/>
-              </a:rPr>
-              <a:t>%s &lt; %s\n</a:t>
-            </a:r>
-            <a:r>
-              <a:rPr lang="ja-JP" altLang="en-US" sz="1500">
-                <a:latin typeface="Courier New" charset="0"/>
-                <a:cs typeface="Courier New" charset="0"/>
-              </a:rPr>
-              <a:t>”</a:t>
-            </a:r>
-            <a:r>
-              <a:rPr lang="en-US" altLang="ja-JP" sz="1500">
-                <a:latin typeface="Courier New" charset="0"/>
-                <a:cs typeface="Courier New" charset="0"/>
-              </a:rPr>
-              <a:t>, s1, s2);</a:t>
-            </a:r>
-          </a:p>
-          <a:p>
-            <a:pPr lvl="1">
-              <a:lnSpc>
-                <a:spcPct val="80000"/>
-              </a:lnSpc>
-              <a:buFont typeface="Wingdings" charset="0"/>
-              <a:buNone/>
-            </a:pPr>
-            <a:r>
-              <a:rPr lang="en-US" sz="1500">
-                <a:latin typeface="Courier New" charset="0"/>
-                <a:cs typeface="Courier New" charset="0"/>
-              </a:rPr>
-              <a:t>else</a:t>
-            </a:r>
-          </a:p>
-          <a:p>
-            <a:pPr lvl="1">
-              <a:lnSpc>
-                <a:spcPct val="80000"/>
-              </a:lnSpc>
-              <a:buFont typeface="Wingdings" charset="0"/>
-              <a:buNone/>
-            </a:pPr>
-            <a:r>
-              <a:rPr lang="en-US" sz="1500">
-                <a:latin typeface="Courier New" charset="0"/>
-                <a:cs typeface="Courier New" charset="0"/>
-              </a:rPr>
-              <a:t>	printf(</a:t>
-            </a:r>
-            <a:r>
-              <a:rPr lang="ja-JP" altLang="en-US" sz="1500">
-                <a:latin typeface="Courier New" charset="0"/>
-                <a:cs typeface="Courier New" charset="0"/>
-              </a:rPr>
-              <a:t>“</a:t>
-            </a:r>
-            <a:r>
-              <a:rPr lang="en-US" altLang="ja-JP" sz="1500">
-                <a:latin typeface="Courier New" charset="0"/>
-                <a:cs typeface="Courier New" charset="0"/>
-              </a:rPr>
-              <a:t>%s == %s\n</a:t>
-            </a:r>
-            <a:r>
-              <a:rPr lang="ja-JP" altLang="en-US" sz="1500">
-                <a:latin typeface="Courier New" charset="0"/>
-                <a:cs typeface="Courier New" charset="0"/>
-              </a:rPr>
-              <a:t>”</a:t>
-            </a:r>
-            <a:r>
-              <a:rPr lang="en-US" altLang="ja-JP" sz="1500">
-                <a:latin typeface="Courier New" charset="0"/>
-                <a:cs typeface="Courier New" charset="0"/>
-              </a:rPr>
-              <a:t>, s1, s2);</a:t>
-            </a:r>
-          </a:p>
-          <a:p>
-            <a:pPr lvl="1">
-              <a:lnSpc>
-                <a:spcPct val="80000"/>
-              </a:lnSpc>
-              <a:buFont typeface="Wingdings" charset="0"/>
-              <a:buNone/>
-            </a:pPr>
-            <a:r>
-              <a:rPr lang="en-US" sz="1500">
-                <a:latin typeface="Courier New" charset="0"/>
-                <a:cs typeface="Courier New" charset="0"/>
-              </a:rPr>
-              <a:t>return 0;</a:t>
-            </a:r>
-          </a:p>
-          <a:p>
-            <a:pPr lvl="1">
-              <a:lnSpc>
-                <a:spcPct val="80000"/>
-              </a:lnSpc>
-              <a:buFont typeface="Wingdings" charset="0"/>
-              <a:buNone/>
-            </a:pPr>
-            <a:r>
-              <a:rPr lang="en-US" sz="1500">
-                <a:latin typeface="Courier New" charset="0"/>
-                <a:cs typeface="Courier New" charset="0"/>
-              </a:rPr>
-              <a:t>}</a:t>
-            </a:r>
-          </a:p>
-          <a:p>
-            <a:pPr lvl="1">
-              <a:lnSpc>
-                <a:spcPct val="80000"/>
-              </a:lnSpc>
-              <a:buFont typeface="Wingdings" charset="0"/>
-              <a:buNone/>
-            </a:pPr>
-            <a:endParaRPr lang="en-US" sz="1500">
-              <a:latin typeface="Courier New" charset="0"/>
-              <a:cs typeface="Courier New" charset="0"/>
-            </a:endParaRPr>
-          </a:p>
-          <a:p>
-            <a:pPr>
-              <a:lnSpc>
-                <a:spcPct val="80000"/>
-              </a:lnSpc>
-              <a:buFont typeface="Wingdings" charset="0"/>
-              <a:buNone/>
-            </a:pPr>
-            <a:endParaRPr lang="en-US" sz="1800">
-              <a:latin typeface="Courier New" charset="0"/>
-              <a:cs typeface="Courier New" charset="0"/>
-            </a:endParaRPr>
-          </a:p>
-        </p:txBody>
-      </p:sp>
-      <p:sp>
-        <p:nvSpPr>
-          <p:cNvPr id="25604" name="Date Placeholder 3"/>
-          <p:cNvSpPr>
-            <a:spLocks noGrp="1"/>
-          </p:cNvSpPr>
-          <p:nvPr>
-            <p:ph type="dt" sz="quarter" idx="10"/>
-          </p:nvPr>
-        </p:nvSpPr>
-        <p:spPr>
-          <a:noFill/>
-          <a:ln/>
-          <a:extLst>
-            <a:ext uri="{909E8E84-426E-40dd-AFC4-6F175D3DCCD1}">
-              <a14:hiddenFill xmlns:a14="http://schemas.microsoft.com/office/drawing/2010/main">
-                <a:solidFill>
-                  <a:srgbClr val="FFFFFF"/>
-                </a:solidFill>
-              </a14:hiddenFill>
-            </a:ext>
-            <a:ext uri="{91240B29-F687-4f45-9708-019B960494DF}">
-              <a14:hiddenLine xmlns:a14="http://schemas.microsoft.com/office/drawing/2010/main" w="9525">
-                <a:solidFill>
-                  <a:srgbClr val="000000"/>
-                </a:solidFill>
-                <a:miter lim="800000"/>
-                <a:headEnd/>
-                <a:tailEnd/>
-              </a14:hiddenLine>
-            </a:ext>
-          </a:extLst>
-        </p:spPr>
-        <p:txBody>
-          <a:bodyPr/>
-          <a:lstStyle>
-            <a:lvl1pPr eaLnBrk="0" hangingPunct="0">
-              <a:defRPr sz="2400">
-                <a:solidFill>
-                  <a:schemeClr val="tx1"/>
-                </a:solidFill>
-                <a:latin typeface="Arial" charset="0"/>
-                <a:ea typeface="ＭＳ Ｐゴシック" charset="0"/>
-                <a:cs typeface="ＭＳ Ｐゴシック" charset="0"/>
-              </a:defRPr>
-            </a:lvl1pPr>
-            <a:lvl2pPr marL="742950" indent="-285750" eaLnBrk="0" hangingPunct="0">
-              <a:defRPr sz="2400">
-                <a:solidFill>
-                  <a:schemeClr val="tx1"/>
-                </a:solidFill>
-                <a:latin typeface="Arial" charset="0"/>
-                <a:ea typeface="ＭＳ Ｐゴシック" charset="0"/>
-              </a:defRPr>
-            </a:lvl2pPr>
-            <a:lvl3pPr marL="1143000" indent="-228600" eaLnBrk="0" hangingPunct="0">
-              <a:defRPr sz="2400">
-                <a:solidFill>
-                  <a:schemeClr val="tx1"/>
-                </a:solidFill>
-                <a:latin typeface="Arial" charset="0"/>
-                <a:ea typeface="ＭＳ Ｐゴシック" charset="0"/>
-              </a:defRPr>
-            </a:lvl3pPr>
-            <a:lvl4pPr marL="1600200" indent="-228600" eaLnBrk="0" hangingPunct="0">
-              <a:defRPr sz="2400">
-                <a:solidFill>
-                  <a:schemeClr val="tx1"/>
-                </a:solidFill>
-                <a:latin typeface="Arial" charset="0"/>
-                <a:ea typeface="ＭＳ Ｐゴシック" charset="0"/>
-              </a:defRPr>
-            </a:lvl4pPr>
-            <a:lvl5pPr marL="2057400" indent="-228600" eaLnBrk="0" hangingPunct="0">
-              <a:defRPr sz="2400">
-                <a:solidFill>
-                  <a:schemeClr val="tx1"/>
-                </a:solidFill>
-                <a:latin typeface="Arial" charset="0"/>
-                <a:ea typeface="ＭＳ Ｐゴシック" charset="0"/>
-              </a:defRPr>
-            </a:lvl5pPr>
-            <a:lvl6pPr marL="2514600" indent="-228600" eaLnBrk="0" fontAlgn="base" hangingPunct="0">
-              <a:spcBef>
-                <a:spcPct val="0"/>
-              </a:spcBef>
-              <a:spcAft>
-                <a:spcPct val="0"/>
-              </a:spcAft>
-              <a:defRPr sz="2400">
-                <a:solidFill>
-                  <a:schemeClr val="tx1"/>
-                </a:solidFill>
-                <a:latin typeface="Arial" charset="0"/>
-                <a:ea typeface="ＭＳ Ｐゴシック" charset="0"/>
-              </a:defRPr>
-            </a:lvl6pPr>
-            <a:lvl7pPr marL="2971800" indent="-228600" eaLnBrk="0" fontAlgn="base" hangingPunct="0">
-              <a:spcBef>
-                <a:spcPct val="0"/>
-              </a:spcBef>
-              <a:spcAft>
-                <a:spcPct val="0"/>
-              </a:spcAft>
-              <a:defRPr sz="2400">
-                <a:solidFill>
-                  <a:schemeClr val="tx1"/>
-                </a:solidFill>
-                <a:latin typeface="Arial" charset="0"/>
-                <a:ea typeface="ＭＳ Ｐゴシック" charset="0"/>
-              </a:defRPr>
-            </a:lvl7pPr>
-            <a:lvl8pPr marL="3429000" indent="-228600" eaLnBrk="0" fontAlgn="base" hangingPunct="0">
-              <a:spcBef>
-                <a:spcPct val="0"/>
-              </a:spcBef>
-              <a:spcAft>
-                <a:spcPct val="0"/>
-              </a:spcAft>
-              <a:defRPr sz="2400">
-                <a:solidFill>
-                  <a:schemeClr val="tx1"/>
-                </a:solidFill>
-                <a:latin typeface="Arial" charset="0"/>
-                <a:ea typeface="ＭＳ Ｐゴシック" charset="0"/>
-              </a:defRPr>
-            </a:lvl8pPr>
-            <a:lvl9pPr marL="3886200" indent="-228600" eaLnBrk="0" fontAlgn="base" hangingPunct="0">
-              <a:spcBef>
-                <a:spcPct val="0"/>
-              </a:spcBef>
-              <a:spcAft>
-                <a:spcPct val="0"/>
-              </a:spcAft>
-              <a:defRPr sz="2400">
-                <a:solidFill>
-                  <a:schemeClr val="tx1"/>
-                </a:solidFill>
-                <a:latin typeface="Arial" charset="0"/>
-                <a:ea typeface="ＭＳ Ｐゴシック" charset="0"/>
-              </a:defRPr>
-            </a:lvl9pPr>
-          </a:lstStyle>
-          <a:p>
-            <a:pPr eaLnBrk="1" hangingPunct="1"/>
-            <a:fld id="{1463F786-C4AC-3C4A-9BAF-3783683B50CA}" type="datetime1">
-              <a:rPr lang="en-US" sz="1200">
-                <a:latin typeface="Garamond" charset="0"/>
-                <a:cs typeface="Arial" charset="0"/>
-              </a:rPr>
-              <a:pPr eaLnBrk="1" hangingPunct="1"/>
-              <a:t>10/19/15</a:t>
-            </a:fld>
-            <a:endParaRPr lang="en-US" sz="1200">
-              <a:latin typeface="Garamond" charset="0"/>
-              <a:cs typeface="Arial" charset="0"/>
-            </a:endParaRPr>
-          </a:p>
-        </p:txBody>
-      </p:sp>
-      <p:sp>
-        <p:nvSpPr>
-          <p:cNvPr id="5" name="Footer Placeholder 4"/>
-          <p:cNvSpPr>
-            <a:spLocks noGrp="1"/>
-          </p:cNvSpPr>
-          <p:nvPr>
-            <p:ph type="ftr" sz="quarter" idx="11"/>
-          </p:nvPr>
-        </p:nvSpPr>
-        <p:spPr/>
-        <p:txBody>
-          <a:bodyPr/>
-          <a:lstStyle/>
-          <a:p>
-            <a:pPr>
-              <a:defRPr/>
-            </a:pPr>
-            <a:r>
-              <a:rPr lang="en-US" altLang="en-US"/>
-              <a:t>ECE Application Programming: Lecture 22</a:t>
-            </a:r>
-          </a:p>
-        </p:txBody>
-      </p:sp>
-      <p:sp>
-        <p:nvSpPr>
-          <p:cNvPr id="25606" name="Slide Number Placeholder 5"/>
-          <p:cNvSpPr>
-            <a:spLocks noGrp="1"/>
-          </p:cNvSpPr>
-          <p:nvPr>
-            <p:ph type="sldNum" sz="quarter" idx="12"/>
-          </p:nvPr>
-        </p:nvSpPr>
-        <p:spPr>
-          <a:noFill/>
-          <a:ln/>
-          <a:extLst>
-            <a:ext uri="{909E8E84-426E-40dd-AFC4-6F175D3DCCD1}">
-              <a14:hiddenFill xmlns:a14="http://schemas.microsoft.com/office/drawing/2010/main">
-                <a:solidFill>
-                  <a:srgbClr val="FFFFFF"/>
-                </a:solidFill>
-              </a14:hiddenFill>
-            </a:ext>
-            <a:ext uri="{91240B29-F687-4f45-9708-019B960494DF}">
-              <a14:hiddenLine xmlns:a14="http://schemas.microsoft.com/office/drawing/2010/main" w="9525">
-                <a:solidFill>
-                  <a:srgbClr val="000000"/>
-                </a:solidFill>
-                <a:miter lim="800000"/>
-                <a:headEnd/>
-                <a:tailEnd/>
-              </a14:hiddenLine>
-            </a:ext>
-          </a:extLst>
-        </p:spPr>
-        <p:txBody>
-          <a:bodyPr/>
-          <a:lstStyle>
-            <a:lvl1pPr eaLnBrk="0" hangingPunct="0">
-              <a:defRPr sz="2400">
-                <a:solidFill>
-                  <a:schemeClr val="tx1"/>
-                </a:solidFill>
-                <a:latin typeface="Arial" charset="0"/>
-                <a:ea typeface="ＭＳ Ｐゴシック" charset="0"/>
-                <a:cs typeface="ＭＳ Ｐゴシック" charset="0"/>
-              </a:defRPr>
-            </a:lvl1pPr>
-            <a:lvl2pPr marL="742950" indent="-285750" eaLnBrk="0" hangingPunct="0">
-              <a:defRPr sz="2400">
-                <a:solidFill>
-                  <a:schemeClr val="tx1"/>
-                </a:solidFill>
-                <a:latin typeface="Arial" charset="0"/>
-                <a:ea typeface="ＭＳ Ｐゴシック" charset="0"/>
-              </a:defRPr>
-            </a:lvl2pPr>
-            <a:lvl3pPr marL="1143000" indent="-228600" eaLnBrk="0" hangingPunct="0">
-              <a:defRPr sz="2400">
-                <a:solidFill>
-                  <a:schemeClr val="tx1"/>
-                </a:solidFill>
-                <a:latin typeface="Arial" charset="0"/>
-                <a:ea typeface="ＭＳ Ｐゴシック" charset="0"/>
-              </a:defRPr>
-            </a:lvl3pPr>
-            <a:lvl4pPr marL="1600200" indent="-228600" eaLnBrk="0" hangingPunct="0">
-              <a:defRPr sz="2400">
-                <a:solidFill>
-                  <a:schemeClr val="tx1"/>
-                </a:solidFill>
-                <a:latin typeface="Arial" charset="0"/>
-                <a:ea typeface="ＭＳ Ｐゴシック" charset="0"/>
-              </a:defRPr>
-            </a:lvl4pPr>
-            <a:lvl5pPr marL="2057400" indent="-228600" eaLnBrk="0" hangingPunct="0">
-              <a:defRPr sz="2400">
-                <a:solidFill>
-                  <a:schemeClr val="tx1"/>
-                </a:solidFill>
-                <a:latin typeface="Arial" charset="0"/>
-                <a:ea typeface="ＭＳ Ｐゴシック" charset="0"/>
-              </a:defRPr>
-            </a:lvl5pPr>
-            <a:lvl6pPr marL="2514600" indent="-228600" eaLnBrk="0" fontAlgn="base" hangingPunct="0">
-              <a:spcBef>
-                <a:spcPct val="0"/>
-              </a:spcBef>
-              <a:spcAft>
-                <a:spcPct val="0"/>
-              </a:spcAft>
-              <a:defRPr sz="2400">
-                <a:solidFill>
-                  <a:schemeClr val="tx1"/>
-                </a:solidFill>
-                <a:latin typeface="Arial" charset="0"/>
-                <a:ea typeface="ＭＳ Ｐゴシック" charset="0"/>
-              </a:defRPr>
-            </a:lvl6pPr>
-            <a:lvl7pPr marL="2971800" indent="-228600" eaLnBrk="0" fontAlgn="base" hangingPunct="0">
-              <a:spcBef>
-                <a:spcPct val="0"/>
-              </a:spcBef>
-              <a:spcAft>
-                <a:spcPct val="0"/>
-              </a:spcAft>
-              <a:defRPr sz="2400">
-                <a:solidFill>
-                  <a:schemeClr val="tx1"/>
-                </a:solidFill>
-                <a:latin typeface="Arial" charset="0"/>
-                <a:ea typeface="ＭＳ Ｐゴシック" charset="0"/>
-              </a:defRPr>
-            </a:lvl7pPr>
-            <a:lvl8pPr marL="3429000" indent="-228600" eaLnBrk="0" fontAlgn="base" hangingPunct="0">
-              <a:spcBef>
-                <a:spcPct val="0"/>
-              </a:spcBef>
-              <a:spcAft>
-                <a:spcPct val="0"/>
-              </a:spcAft>
-              <a:defRPr sz="2400">
-                <a:solidFill>
-                  <a:schemeClr val="tx1"/>
-                </a:solidFill>
-                <a:latin typeface="Arial" charset="0"/>
-                <a:ea typeface="ＭＳ Ｐゴシック" charset="0"/>
-              </a:defRPr>
-            </a:lvl8pPr>
-            <a:lvl9pPr marL="3886200" indent="-228600" eaLnBrk="0" fontAlgn="base" hangingPunct="0">
-              <a:spcBef>
-                <a:spcPct val="0"/>
-              </a:spcBef>
-              <a:spcAft>
-                <a:spcPct val="0"/>
-              </a:spcAft>
-              <a:defRPr sz="2400">
-                <a:solidFill>
-                  <a:schemeClr val="tx1"/>
-                </a:solidFill>
-                <a:latin typeface="Arial" charset="0"/>
-                <a:ea typeface="ＭＳ Ｐゴシック" charset="0"/>
-              </a:defRPr>
-            </a:lvl9pPr>
-          </a:lstStyle>
-          <a:p>
-            <a:pPr eaLnBrk="1" hangingPunct="1"/>
-            <a:fld id="{5ACC0434-5536-4F45-8975-FAE2D3EC70DD}" type="slidenum">
-              <a:rPr lang="en-US" sz="1200">
-                <a:latin typeface="Garamond" charset="0"/>
-                <a:cs typeface="Arial" charset="0"/>
-              </a:rPr>
-              <a:pPr eaLnBrk="1" hangingPunct="1"/>
-              <a:t>14</a:t>
-            </a:fld>
-            <a:endParaRPr lang="en-US" sz="1200">
-              <a:latin typeface="Garamond" charset="0"/>
-              <a:cs typeface="Arial" charset="0"/>
-            </a:endParaRPr>
-          </a:p>
-        </p:txBody>
-      </p:sp>
-    </p:spTree>
-    <p:extLst>
-      <p:ext uri="{BB962C8B-B14F-4D97-AF65-F5344CB8AC3E}">
-        <p14:creationId xmlns:p14="http://schemas.microsoft.com/office/powerpoint/2010/main" val="3014744672"/>
-      </p:ext>
-    </p:extLst>
-  </p:cSld>
-  <p:clrMapOvr>
-    <a:masterClrMapping/>
-  </p:clrMapOvr>
-  <p:timing>
-    <p:tnLst>
-      <p:par>
-        <p:cTn xmlns:p14="http://schemas.microsoft.com/office/powerpoint/2010/main" id="1" dur="indefinite" restart="never" nodeType="tmRoot"/>
-      </p:par>
-    </p:tnLst>
-  </p:timing>
-</p:sld>
-</file>
-
-<file path=ppt/slides/slide15.xml><?xml version="1.0" encoding="utf-8"?>
-<p:sld xmlns:a="http://schemas.openxmlformats.org/drawingml/2006/main" xmlns:r="http://schemas.openxmlformats.org/officeDocument/2006/relationships" xmlns:p="http://schemas.openxmlformats.org/presentationml/2006/main">
-  <p:cSld>
-    <p:spTree>
-      <p:nvGrpSpPr>
-        <p:cNvPr id="1" name=""/>
-        <p:cNvGrpSpPr/>
-        <p:nvPr/>
-      </p:nvGrpSpPr>
-      <p:grpSpPr>
-        <a:xfrm>
-          <a:off x="0" y="0"/>
-          <a:ext cx="0" cy="0"/>
-          <a:chOff x="0" y="0"/>
-          <a:chExt cx="0" cy="0"/>
-        </a:xfrm>
-      </p:grpSpPr>
-      <p:sp>
-        <p:nvSpPr>
-          <p:cNvPr id="26625" name="Title 1"/>
-          <p:cNvSpPr>
-            <a:spLocks noGrp="1"/>
-          </p:cNvSpPr>
-          <p:nvPr>
-            <p:ph type="title"/>
-          </p:nvPr>
-        </p:nvSpPr>
-        <p:spPr/>
-        <p:txBody>
-          <a:bodyPr/>
-          <a:lstStyle/>
-          <a:p>
-            <a:r>
-              <a:rPr lang="en-US">
-                <a:latin typeface="Garamond" charset="0"/>
-              </a:rPr>
-              <a:t>Example solution</a:t>
-            </a:r>
-          </a:p>
-        </p:txBody>
-      </p:sp>
-      <p:sp>
-        <p:nvSpPr>
-          <p:cNvPr id="8" name="Content Placeholder 7"/>
-          <p:cNvSpPr>
-            <a:spLocks noGrp="1"/>
-          </p:cNvSpPr>
-          <p:nvPr>
-            <p:ph idx="1"/>
-          </p:nvPr>
-        </p:nvSpPr>
-        <p:spPr/>
-        <p:txBody>
-          <a:bodyPr>
-            <a:normAutofit fontScale="92500" lnSpcReduction="10000"/>
-          </a:bodyPr>
-          <a:lstStyle/>
-          <a:p>
-            <a:pPr>
-              <a:buFont typeface="Wingdings" pitchFamily="2" charset="2"/>
-              <a:buNone/>
-              <a:defRPr/>
-            </a:pPr>
+              <a:t>Two-dimensional </a:t>
+            </a:r>
             <a:r>
               <a:rPr lang="en-US" dirty="0" smtClean="0">
-                <a:latin typeface="Courier New" pitchFamily="49" charset="0"/>
-                <a:ea typeface="+mn-ea"/>
-                <a:cs typeface="Courier New" pitchFamily="49" charset="0"/>
-              </a:rPr>
-              <a:t>s1 = 16				</a:t>
-            </a:r>
-            <a:r>
-              <a:rPr lang="en-US" dirty="0" smtClean="0">
-                <a:ea typeface="+mn-ea"/>
-                <a:cs typeface="Courier New" pitchFamily="49" charset="0"/>
-                <a:sym typeface="Wingdings" pitchFamily="2" charset="2"/>
-              </a:rPr>
-              <a:t>Initial value of s1</a:t>
-            </a:r>
-            <a:endParaRPr lang="en-US" dirty="0" smtClean="0">
-              <a:latin typeface="Courier New" pitchFamily="49" charset="0"/>
-              <a:ea typeface="+mn-ea"/>
-              <a:cs typeface="Courier New" pitchFamily="49" charset="0"/>
-            </a:endParaRPr>
-          </a:p>
-          <a:p>
-            <a:pPr>
-              <a:buFont typeface="Wingdings" pitchFamily="2" charset="2"/>
-              <a:buNone/>
-              <a:defRPr/>
-            </a:pPr>
-            <a:r>
-              <a:rPr lang="en-US" dirty="0" smtClean="0">
-                <a:latin typeface="Courier New" pitchFamily="49" charset="0"/>
-                <a:ea typeface="+mn-ea"/>
-                <a:cs typeface="Courier New" pitchFamily="49" charset="0"/>
-              </a:rPr>
-              <a:t>Length of s1 = 2</a:t>
-            </a:r>
-          </a:p>
-          <a:p>
-            <a:pPr>
-              <a:buFont typeface="Wingdings" pitchFamily="2" charset="2"/>
-              <a:buNone/>
-              <a:defRPr/>
-            </a:pPr>
-            <a:endParaRPr lang="en-US" dirty="0" smtClean="0">
-              <a:latin typeface="Courier New" pitchFamily="49" charset="0"/>
-              <a:ea typeface="+mn-ea"/>
-              <a:cs typeface="Courier New" pitchFamily="49" charset="0"/>
-            </a:endParaRPr>
-          </a:p>
-          <a:p>
-            <a:pPr>
-              <a:buFont typeface="Wingdings" pitchFamily="2" charset="2"/>
-              <a:buNone/>
-              <a:defRPr/>
-            </a:pPr>
-            <a:r>
-              <a:rPr lang="en-US" dirty="0" smtClean="0">
-                <a:latin typeface="Courier New" pitchFamily="49" charset="0"/>
-                <a:ea typeface="+mn-ea"/>
-                <a:cs typeface="Courier New" pitchFamily="49" charset="0"/>
-              </a:rPr>
-              <a:t>6						</a:t>
-            </a:r>
-            <a:r>
-              <a:rPr lang="en-US" dirty="0" smtClean="0">
-                <a:ea typeface="+mn-ea"/>
-                <a:cs typeface="Courier New" pitchFamily="49" charset="0"/>
-                <a:sym typeface="Wingdings" pitchFamily="2" charset="2"/>
-              </a:rPr>
-              <a:t> s1[1]</a:t>
-            </a:r>
-          </a:p>
-          <a:p>
-            <a:pPr>
-              <a:buFont typeface="Wingdings" pitchFamily="2" charset="2"/>
-              <a:buNone/>
-              <a:defRPr/>
-            </a:pPr>
-            <a:r>
-              <a:rPr lang="en-US" dirty="0" smtClean="0">
-                <a:latin typeface="Courier New" pitchFamily="49" charset="0"/>
-                <a:ea typeface="+mn-ea"/>
-                <a:cs typeface="Courier New" pitchFamily="49" charset="0"/>
-              </a:rPr>
-              <a:t>	</a:t>
-            </a:r>
-          </a:p>
-          <a:p>
-            <a:pPr>
-              <a:buFont typeface="Wingdings" pitchFamily="2" charset="2"/>
-              <a:buNone/>
-              <a:defRPr/>
-            </a:pPr>
-            <a:r>
-              <a:rPr lang="en-US" dirty="0" smtClean="0">
-                <a:latin typeface="Courier New" pitchFamily="49" charset="0"/>
-                <a:ea typeface="+mn-ea"/>
-                <a:cs typeface="Courier New" pitchFamily="49" charset="0"/>
-              </a:rPr>
-              <a:t>s1 = 16.216			</a:t>
-            </a:r>
-            <a:r>
-              <a:rPr lang="en-US" dirty="0" smtClean="0">
-                <a:ea typeface="+mn-ea"/>
-                <a:cs typeface="Courier New" pitchFamily="49" charset="0"/>
-                <a:sym typeface="Wingdings" pitchFamily="2" charset="2"/>
-              </a:rPr>
-              <a:t> s1 after </a:t>
-            </a:r>
-            <a:r>
-              <a:rPr lang="en-US" dirty="0" err="1" smtClean="0">
-                <a:ea typeface="+mn-ea"/>
-                <a:cs typeface="Courier New" pitchFamily="49" charset="0"/>
-                <a:sym typeface="Wingdings" pitchFamily="2" charset="2"/>
-              </a:rPr>
-              <a:t>strncat</a:t>
-            </a:r>
-            <a:r>
-              <a:rPr lang="en-US" dirty="0" smtClean="0">
-                <a:ea typeface="+mn-ea"/>
-                <a:cs typeface="Courier New" pitchFamily="49" charset="0"/>
-                <a:sym typeface="Wingdings" pitchFamily="2" charset="2"/>
-              </a:rPr>
-              <a:t>()</a:t>
-            </a:r>
-          </a:p>
-          <a:p>
-            <a:pPr>
-              <a:buFont typeface="Wingdings" pitchFamily="2" charset="2"/>
-              <a:buNone/>
-              <a:defRPr/>
-            </a:pPr>
-            <a:r>
-              <a:rPr lang="en-US" dirty="0" smtClean="0">
-                <a:latin typeface="Courier New" pitchFamily="49" charset="0"/>
-                <a:ea typeface="+mn-ea"/>
-                <a:cs typeface="Courier New" pitchFamily="49" charset="0"/>
-              </a:rPr>
-              <a:t>Length of s1 = 6</a:t>
-            </a:r>
-          </a:p>
-          <a:p>
-            <a:pPr>
-              <a:buFont typeface="Wingdings" pitchFamily="2" charset="2"/>
-              <a:buNone/>
-              <a:defRPr/>
-            </a:pPr>
-            <a:endParaRPr lang="en-US" dirty="0" smtClean="0">
-              <a:latin typeface="Courier New" pitchFamily="49" charset="0"/>
-              <a:ea typeface="+mn-ea"/>
-              <a:cs typeface="Courier New" pitchFamily="49" charset="0"/>
-            </a:endParaRPr>
-          </a:p>
-          <a:p>
-            <a:pPr>
-              <a:buFont typeface="Wingdings" pitchFamily="2" charset="2"/>
-              <a:buNone/>
-              <a:defRPr/>
-            </a:pPr>
-            <a:r>
-              <a:rPr lang="en-US" dirty="0" smtClean="0">
-                <a:latin typeface="Courier New" pitchFamily="49" charset="0"/>
-                <a:ea typeface="+mn-ea"/>
-                <a:cs typeface="Courier New" pitchFamily="49" charset="0"/>
-              </a:rPr>
-              <a:t>Enter two strings: </a:t>
-            </a:r>
-            <a:r>
-              <a:rPr lang="en-US" u="sng" dirty="0" smtClean="0">
-                <a:latin typeface="Courier New" pitchFamily="49" charset="0"/>
-                <a:ea typeface="+mn-ea"/>
-                <a:cs typeface="Courier New" pitchFamily="49" charset="0"/>
-              </a:rPr>
-              <a:t>ABC ABD</a:t>
-            </a:r>
-            <a:endParaRPr lang="en-US" dirty="0" smtClean="0">
-              <a:latin typeface="Courier New" pitchFamily="49" charset="0"/>
-              <a:ea typeface="+mn-ea"/>
-              <a:cs typeface="Courier New" pitchFamily="49" charset="0"/>
-            </a:endParaRPr>
-          </a:p>
-          <a:p>
-            <a:pPr>
-              <a:buFont typeface="Wingdings" pitchFamily="2" charset="2"/>
-              <a:buNone/>
-              <a:defRPr/>
-            </a:pPr>
-            <a:r>
-              <a:rPr lang="en-US" dirty="0" smtClean="0">
-                <a:latin typeface="Courier New" pitchFamily="49" charset="0"/>
-                <a:ea typeface="+mn-ea"/>
-                <a:cs typeface="Courier New" pitchFamily="49" charset="0"/>
-              </a:rPr>
-              <a:t>ABC &lt; ABD			</a:t>
-            </a:r>
-            <a:r>
-              <a:rPr lang="en-US" dirty="0" smtClean="0">
-                <a:ea typeface="+mn-ea"/>
-                <a:cs typeface="Courier New" pitchFamily="49" charset="0"/>
-                <a:sym typeface="Wingdings" pitchFamily="2" charset="2"/>
-              </a:rPr>
-              <a:t> Result of </a:t>
-            </a:r>
-            <a:r>
-              <a:rPr lang="en-US" dirty="0" err="1" smtClean="0">
-                <a:ea typeface="+mn-ea"/>
-                <a:cs typeface="Courier New" pitchFamily="49" charset="0"/>
-                <a:sym typeface="Wingdings" pitchFamily="2" charset="2"/>
-              </a:rPr>
-              <a:t>strncmp</a:t>
-            </a:r>
-            <a:r>
-              <a:rPr lang="en-US" dirty="0" smtClean="0">
-                <a:ea typeface="+mn-ea"/>
-                <a:cs typeface="Courier New" pitchFamily="49" charset="0"/>
-                <a:sym typeface="Wingdings" pitchFamily="2" charset="2"/>
-              </a:rPr>
-              <a:t>()</a:t>
-            </a:r>
-            <a:endParaRPr lang="en-US" dirty="0" smtClean="0">
-              <a:latin typeface="Courier New" pitchFamily="49" charset="0"/>
-              <a:ea typeface="+mn-ea"/>
-              <a:cs typeface="Courier New" pitchFamily="49" charset="0"/>
-            </a:endParaRPr>
-          </a:p>
-          <a:p>
-            <a:pPr>
-              <a:buFont typeface="Wingdings" pitchFamily="2" charset="2"/>
-              <a:buNone/>
-              <a:defRPr/>
-            </a:pPr>
-            <a:endParaRPr lang="en-US" dirty="0">
-              <a:latin typeface="Courier New" pitchFamily="49" charset="0"/>
-              <a:ea typeface="+mn-ea"/>
-              <a:cs typeface="Courier New" pitchFamily="49" charset="0"/>
-            </a:endParaRPr>
-          </a:p>
-        </p:txBody>
-      </p:sp>
-      <p:sp>
-        <p:nvSpPr>
-          <p:cNvPr id="26627" name="Date Placeholder 4"/>
-          <p:cNvSpPr>
-            <a:spLocks noGrp="1"/>
-          </p:cNvSpPr>
-          <p:nvPr>
-            <p:ph type="dt" sz="quarter" idx="10"/>
-          </p:nvPr>
-        </p:nvSpPr>
-        <p:spPr>
-          <a:noFill/>
-          <a:ln/>
-          <a:extLst>
-            <a:ext uri="{909E8E84-426E-40dd-AFC4-6F175D3DCCD1}">
-              <a14:hiddenFill xmlns:a14="http://schemas.microsoft.com/office/drawing/2010/main">
-                <a:solidFill>
-                  <a:srgbClr val="FFFFFF"/>
-                </a:solidFill>
-              </a14:hiddenFill>
-            </a:ext>
-            <a:ext uri="{91240B29-F687-4f45-9708-019B960494DF}">
-              <a14:hiddenLine xmlns:a14="http://schemas.microsoft.com/office/drawing/2010/main" w="9525">
-                <a:solidFill>
-                  <a:srgbClr val="000000"/>
-                </a:solidFill>
-                <a:miter lim="800000"/>
-                <a:headEnd/>
-                <a:tailEnd/>
-              </a14:hiddenLine>
-            </a:ext>
-          </a:extLst>
-        </p:spPr>
-        <p:txBody>
-          <a:bodyPr/>
-          <a:lstStyle>
-            <a:lvl1pPr eaLnBrk="0" hangingPunct="0">
-              <a:defRPr sz="2400">
-                <a:solidFill>
-                  <a:schemeClr val="tx1"/>
-                </a:solidFill>
-                <a:latin typeface="Arial" charset="0"/>
-                <a:ea typeface="ＭＳ Ｐゴシック" charset="0"/>
-                <a:cs typeface="ＭＳ Ｐゴシック" charset="0"/>
-              </a:defRPr>
-            </a:lvl1pPr>
-            <a:lvl2pPr marL="742950" indent="-285750" eaLnBrk="0" hangingPunct="0">
-              <a:defRPr sz="2400">
-                <a:solidFill>
-                  <a:schemeClr val="tx1"/>
-                </a:solidFill>
-                <a:latin typeface="Arial" charset="0"/>
-                <a:ea typeface="ＭＳ Ｐゴシック" charset="0"/>
-              </a:defRPr>
-            </a:lvl2pPr>
-            <a:lvl3pPr marL="1143000" indent="-228600" eaLnBrk="0" hangingPunct="0">
-              <a:defRPr sz="2400">
-                <a:solidFill>
-                  <a:schemeClr val="tx1"/>
-                </a:solidFill>
-                <a:latin typeface="Arial" charset="0"/>
-                <a:ea typeface="ＭＳ Ｐゴシック" charset="0"/>
-              </a:defRPr>
-            </a:lvl3pPr>
-            <a:lvl4pPr marL="1600200" indent="-228600" eaLnBrk="0" hangingPunct="0">
-              <a:defRPr sz="2400">
-                <a:solidFill>
-                  <a:schemeClr val="tx1"/>
-                </a:solidFill>
-                <a:latin typeface="Arial" charset="0"/>
-                <a:ea typeface="ＭＳ Ｐゴシック" charset="0"/>
-              </a:defRPr>
-            </a:lvl4pPr>
-            <a:lvl5pPr marL="2057400" indent="-228600" eaLnBrk="0" hangingPunct="0">
-              <a:defRPr sz="2400">
-                <a:solidFill>
-                  <a:schemeClr val="tx1"/>
-                </a:solidFill>
-                <a:latin typeface="Arial" charset="0"/>
-                <a:ea typeface="ＭＳ Ｐゴシック" charset="0"/>
-              </a:defRPr>
-            </a:lvl5pPr>
-            <a:lvl6pPr marL="2514600" indent="-228600" eaLnBrk="0" fontAlgn="base" hangingPunct="0">
-              <a:spcBef>
-                <a:spcPct val="0"/>
-              </a:spcBef>
-              <a:spcAft>
-                <a:spcPct val="0"/>
-              </a:spcAft>
-              <a:defRPr sz="2400">
-                <a:solidFill>
-                  <a:schemeClr val="tx1"/>
-                </a:solidFill>
-                <a:latin typeface="Arial" charset="0"/>
-                <a:ea typeface="ＭＳ Ｐゴシック" charset="0"/>
-              </a:defRPr>
-            </a:lvl6pPr>
-            <a:lvl7pPr marL="2971800" indent="-228600" eaLnBrk="0" fontAlgn="base" hangingPunct="0">
-              <a:spcBef>
-                <a:spcPct val="0"/>
-              </a:spcBef>
-              <a:spcAft>
-                <a:spcPct val="0"/>
-              </a:spcAft>
-              <a:defRPr sz="2400">
-                <a:solidFill>
-                  <a:schemeClr val="tx1"/>
-                </a:solidFill>
-                <a:latin typeface="Arial" charset="0"/>
-                <a:ea typeface="ＭＳ Ｐゴシック" charset="0"/>
-              </a:defRPr>
-            </a:lvl7pPr>
-            <a:lvl8pPr marL="3429000" indent="-228600" eaLnBrk="0" fontAlgn="base" hangingPunct="0">
-              <a:spcBef>
-                <a:spcPct val="0"/>
-              </a:spcBef>
-              <a:spcAft>
-                <a:spcPct val="0"/>
-              </a:spcAft>
-              <a:defRPr sz="2400">
-                <a:solidFill>
-                  <a:schemeClr val="tx1"/>
-                </a:solidFill>
-                <a:latin typeface="Arial" charset="0"/>
-                <a:ea typeface="ＭＳ Ｐゴシック" charset="0"/>
-              </a:defRPr>
-            </a:lvl8pPr>
-            <a:lvl9pPr marL="3886200" indent="-228600" eaLnBrk="0" fontAlgn="base" hangingPunct="0">
-              <a:spcBef>
-                <a:spcPct val="0"/>
-              </a:spcBef>
-              <a:spcAft>
-                <a:spcPct val="0"/>
-              </a:spcAft>
-              <a:defRPr sz="2400">
-                <a:solidFill>
-                  <a:schemeClr val="tx1"/>
-                </a:solidFill>
-                <a:latin typeface="Arial" charset="0"/>
-                <a:ea typeface="ＭＳ Ｐゴシック" charset="0"/>
-              </a:defRPr>
-            </a:lvl9pPr>
-          </a:lstStyle>
-          <a:p>
-            <a:pPr eaLnBrk="1" hangingPunct="1"/>
-            <a:fld id="{B8DEC014-13D0-8B4D-B98B-01FE35E4732A}" type="datetime1">
-              <a:rPr lang="en-US" sz="1200">
-                <a:latin typeface="Garamond" charset="0"/>
-                <a:cs typeface="Arial" charset="0"/>
-              </a:rPr>
-              <a:pPr eaLnBrk="1" hangingPunct="1"/>
-              <a:t>10/19/15</a:t>
-            </a:fld>
-            <a:endParaRPr lang="en-US" sz="1200">
-              <a:latin typeface="Garamond" charset="0"/>
-              <a:cs typeface="Arial" charset="0"/>
-            </a:endParaRPr>
-          </a:p>
-        </p:txBody>
-      </p:sp>
-      <p:sp>
-        <p:nvSpPr>
-          <p:cNvPr id="6" name="Footer Placeholder 5"/>
-          <p:cNvSpPr>
-            <a:spLocks noGrp="1"/>
-          </p:cNvSpPr>
-          <p:nvPr>
-            <p:ph type="ftr" sz="quarter" idx="11"/>
-          </p:nvPr>
-        </p:nvSpPr>
-        <p:spPr/>
-        <p:txBody>
-          <a:bodyPr/>
-          <a:lstStyle/>
-          <a:p>
-            <a:pPr>
-              <a:defRPr/>
-            </a:pPr>
-            <a:r>
-              <a:rPr lang="en-US" altLang="en-US"/>
-              <a:t>ECE Application Programming: Lecture 22</a:t>
-            </a:r>
-          </a:p>
-        </p:txBody>
-      </p:sp>
-      <p:sp>
-        <p:nvSpPr>
-          <p:cNvPr id="26629" name="Slide Number Placeholder 6"/>
-          <p:cNvSpPr>
-            <a:spLocks noGrp="1"/>
-          </p:cNvSpPr>
-          <p:nvPr>
-            <p:ph type="sldNum" sz="quarter" idx="12"/>
-          </p:nvPr>
-        </p:nvSpPr>
-        <p:spPr>
-          <a:noFill/>
-          <a:ln/>
-          <a:extLst>
-            <a:ext uri="{909E8E84-426E-40dd-AFC4-6F175D3DCCD1}">
-              <a14:hiddenFill xmlns:a14="http://schemas.microsoft.com/office/drawing/2010/main">
-                <a:solidFill>
-                  <a:srgbClr val="FFFFFF"/>
-                </a:solidFill>
-              </a14:hiddenFill>
-            </a:ext>
-            <a:ext uri="{91240B29-F687-4f45-9708-019B960494DF}">
-              <a14:hiddenLine xmlns:a14="http://schemas.microsoft.com/office/drawing/2010/main" w="9525">
-                <a:solidFill>
-                  <a:srgbClr val="000000"/>
-                </a:solidFill>
-                <a:miter lim="800000"/>
-                <a:headEnd/>
-                <a:tailEnd/>
-              </a14:hiddenLine>
-            </a:ext>
-          </a:extLst>
-        </p:spPr>
-        <p:txBody>
-          <a:bodyPr/>
-          <a:lstStyle>
-            <a:lvl1pPr eaLnBrk="0" hangingPunct="0">
-              <a:defRPr sz="2400">
-                <a:solidFill>
-                  <a:schemeClr val="tx1"/>
-                </a:solidFill>
-                <a:latin typeface="Arial" charset="0"/>
-                <a:ea typeface="ＭＳ Ｐゴシック" charset="0"/>
-                <a:cs typeface="ＭＳ Ｐゴシック" charset="0"/>
-              </a:defRPr>
-            </a:lvl1pPr>
-            <a:lvl2pPr marL="742950" indent="-285750" eaLnBrk="0" hangingPunct="0">
-              <a:defRPr sz="2400">
-                <a:solidFill>
-                  <a:schemeClr val="tx1"/>
-                </a:solidFill>
-                <a:latin typeface="Arial" charset="0"/>
-                <a:ea typeface="ＭＳ Ｐゴシック" charset="0"/>
-              </a:defRPr>
-            </a:lvl2pPr>
-            <a:lvl3pPr marL="1143000" indent="-228600" eaLnBrk="0" hangingPunct="0">
-              <a:defRPr sz="2400">
-                <a:solidFill>
-                  <a:schemeClr val="tx1"/>
-                </a:solidFill>
-                <a:latin typeface="Arial" charset="0"/>
-                <a:ea typeface="ＭＳ Ｐゴシック" charset="0"/>
-              </a:defRPr>
-            </a:lvl3pPr>
-            <a:lvl4pPr marL="1600200" indent="-228600" eaLnBrk="0" hangingPunct="0">
-              <a:defRPr sz="2400">
-                <a:solidFill>
-                  <a:schemeClr val="tx1"/>
-                </a:solidFill>
-                <a:latin typeface="Arial" charset="0"/>
-                <a:ea typeface="ＭＳ Ｐゴシック" charset="0"/>
-              </a:defRPr>
-            </a:lvl4pPr>
-            <a:lvl5pPr marL="2057400" indent="-228600" eaLnBrk="0" hangingPunct="0">
-              <a:defRPr sz="2400">
-                <a:solidFill>
-                  <a:schemeClr val="tx1"/>
-                </a:solidFill>
-                <a:latin typeface="Arial" charset="0"/>
-                <a:ea typeface="ＭＳ Ｐゴシック" charset="0"/>
-              </a:defRPr>
-            </a:lvl5pPr>
-            <a:lvl6pPr marL="2514600" indent="-228600" eaLnBrk="0" fontAlgn="base" hangingPunct="0">
-              <a:spcBef>
-                <a:spcPct val="0"/>
-              </a:spcBef>
-              <a:spcAft>
-                <a:spcPct val="0"/>
-              </a:spcAft>
-              <a:defRPr sz="2400">
-                <a:solidFill>
-                  <a:schemeClr val="tx1"/>
-                </a:solidFill>
-                <a:latin typeface="Arial" charset="0"/>
-                <a:ea typeface="ＭＳ Ｐゴシック" charset="0"/>
-              </a:defRPr>
-            </a:lvl6pPr>
-            <a:lvl7pPr marL="2971800" indent="-228600" eaLnBrk="0" fontAlgn="base" hangingPunct="0">
-              <a:spcBef>
-                <a:spcPct val="0"/>
-              </a:spcBef>
-              <a:spcAft>
-                <a:spcPct val="0"/>
-              </a:spcAft>
-              <a:defRPr sz="2400">
-                <a:solidFill>
-                  <a:schemeClr val="tx1"/>
-                </a:solidFill>
-                <a:latin typeface="Arial" charset="0"/>
-                <a:ea typeface="ＭＳ Ｐゴシック" charset="0"/>
-              </a:defRPr>
-            </a:lvl7pPr>
-            <a:lvl8pPr marL="3429000" indent="-228600" eaLnBrk="0" fontAlgn="base" hangingPunct="0">
-              <a:spcBef>
-                <a:spcPct val="0"/>
-              </a:spcBef>
-              <a:spcAft>
-                <a:spcPct val="0"/>
-              </a:spcAft>
-              <a:defRPr sz="2400">
-                <a:solidFill>
-                  <a:schemeClr val="tx1"/>
-                </a:solidFill>
-                <a:latin typeface="Arial" charset="0"/>
-                <a:ea typeface="ＭＳ Ｐゴシック" charset="0"/>
-              </a:defRPr>
-            </a:lvl8pPr>
-            <a:lvl9pPr marL="3886200" indent="-228600" eaLnBrk="0" fontAlgn="base" hangingPunct="0">
-              <a:spcBef>
-                <a:spcPct val="0"/>
-              </a:spcBef>
-              <a:spcAft>
-                <a:spcPct val="0"/>
-              </a:spcAft>
-              <a:defRPr sz="2400">
-                <a:solidFill>
-                  <a:schemeClr val="tx1"/>
-                </a:solidFill>
-                <a:latin typeface="Arial" charset="0"/>
-                <a:ea typeface="ＭＳ Ｐゴシック" charset="0"/>
-              </a:defRPr>
-            </a:lvl9pPr>
-          </a:lstStyle>
-          <a:p>
-            <a:pPr eaLnBrk="1" hangingPunct="1"/>
-            <a:fld id="{EBA00BFF-6F30-D348-9DEE-A61DE5213C31}" type="slidenum">
-              <a:rPr lang="en-US" sz="1200">
-                <a:latin typeface="Garamond" charset="0"/>
-                <a:cs typeface="Arial" charset="0"/>
-              </a:rPr>
-              <a:pPr eaLnBrk="1" hangingPunct="1"/>
-              <a:t>15</a:t>
-            </a:fld>
-            <a:endParaRPr lang="en-US" sz="1200">
-              <a:latin typeface="Garamond" charset="0"/>
-              <a:cs typeface="Arial" charset="0"/>
-            </a:endParaRPr>
-          </a:p>
-        </p:txBody>
-      </p:sp>
-    </p:spTree>
-    <p:extLst>
-      <p:ext uri="{BB962C8B-B14F-4D97-AF65-F5344CB8AC3E}">
-        <p14:creationId xmlns:p14="http://schemas.microsoft.com/office/powerpoint/2010/main" val="3020675307"/>
-      </p:ext>
-    </p:extLst>
-  </p:cSld>
-  <p:clrMapOvr>
-    <a:masterClrMapping/>
-  </p:clrMapOvr>
-  <p:timing>
-    <p:tnLst>
-      <p:par>
-        <p:cTn xmlns:p14="http://schemas.microsoft.com/office/powerpoint/2010/main" id="1" dur="indefinite" restart="never" nodeType="tmRoot"/>
-      </p:par>
-    </p:tnLst>
-  </p:timing>
-</p:sld>
-</file>
-
-<file path=ppt/slides/slide16.xml><?xml version="1.0" encoding="utf-8"?>
-<p:sld xmlns:a="http://schemas.openxmlformats.org/drawingml/2006/main" xmlns:r="http://schemas.openxmlformats.org/officeDocument/2006/relationships" xmlns:p="http://schemas.openxmlformats.org/presentationml/2006/main">
-  <p:cSld>
-    <p:spTree>
-      <p:nvGrpSpPr>
-        <p:cNvPr id="1" name=""/>
-        <p:cNvGrpSpPr/>
-        <p:nvPr/>
-      </p:nvGrpSpPr>
-      <p:grpSpPr>
-        <a:xfrm>
-          <a:off x="0" y="0"/>
-          <a:ext cx="0" cy="0"/>
-          <a:chOff x="0" y="0"/>
-          <a:chExt cx="0" cy="0"/>
-        </a:xfrm>
-      </p:grpSpPr>
-      <p:sp>
-        <p:nvSpPr>
-          <p:cNvPr id="40961" name="Title 1"/>
-          <p:cNvSpPr>
-            <a:spLocks noGrp="1"/>
-          </p:cNvSpPr>
-          <p:nvPr>
-            <p:ph type="title"/>
-          </p:nvPr>
-        </p:nvSpPr>
-        <p:spPr/>
-        <p:txBody>
-          <a:bodyPr/>
-          <a:lstStyle/>
-          <a:p>
-            <a:r>
-              <a:rPr lang="en-US">
-                <a:latin typeface="Garamond" charset="0"/>
-              </a:rPr>
-              <a:t>Final notes</a:t>
-            </a:r>
-          </a:p>
-        </p:txBody>
-      </p:sp>
-      <p:sp>
-        <p:nvSpPr>
-          <p:cNvPr id="40962" name="Content Placeholder 2"/>
-          <p:cNvSpPr>
-            <a:spLocks noGrp="1"/>
-          </p:cNvSpPr>
-          <p:nvPr>
-            <p:ph idx="1"/>
-          </p:nvPr>
-        </p:nvSpPr>
-        <p:spPr/>
-        <p:txBody>
-          <a:bodyPr/>
-          <a:lstStyle/>
-          <a:p>
-            <a:r>
-              <a:rPr lang="en-US" dirty="0">
-                <a:latin typeface="Arial" charset="0"/>
-              </a:rPr>
-              <a:t>Next time</a:t>
-            </a:r>
-          </a:p>
-          <a:p>
-            <a:pPr lvl="1"/>
-            <a:r>
-              <a:rPr lang="en-US" dirty="0" smtClean="0">
-                <a:latin typeface="Arial" charset="0"/>
-              </a:rPr>
-              <a:t>More </a:t>
-            </a:r>
-            <a:r>
-              <a:rPr lang="en-US" smtClean="0">
-                <a:latin typeface="Arial" charset="0"/>
-              </a:rPr>
-              <a:t>on strings</a:t>
+                <a:latin typeface="Arial" charset="0"/>
+              </a:rPr>
+              <a:t>arrays and functions</a:t>
             </a:r>
             <a:endParaRPr lang="en-US" dirty="0">
               <a:latin typeface="Arial" charset="0"/>
-            </a:endParaRPr>
-          </a:p>
-          <a:p>
-            <a:r>
-              <a:rPr lang="en-US" dirty="0">
-                <a:latin typeface="Arial" charset="0"/>
-              </a:rPr>
-              <a:t>Reminders:</a:t>
-            </a:r>
-          </a:p>
-          <a:p>
-            <a:pPr lvl="1"/>
-            <a:r>
-              <a:rPr lang="en-US" dirty="0" smtClean="0">
-                <a:latin typeface="Arial" charset="0"/>
-              </a:rPr>
-              <a:t>Program 6 due 10/29</a:t>
-            </a:r>
-            <a:endParaRPr lang="en-US" dirty="0">
-              <a:latin typeface="Arial" charset="0"/>
-            </a:endParaRPr>
-          </a:p>
-        </p:txBody>
-      </p:sp>
-      <p:sp>
-        <p:nvSpPr>
-          <p:cNvPr id="40963" name="Date Placeholder 3"/>
-          <p:cNvSpPr>
-            <a:spLocks noGrp="1"/>
-          </p:cNvSpPr>
-          <p:nvPr>
-            <p:ph type="dt" sz="quarter" idx="10"/>
-          </p:nvPr>
-        </p:nvSpPr>
-        <p:spPr>
-          <a:noFill/>
-          <a:ln/>
-          <a:extLst>
-            <a:ext uri="{909E8E84-426E-40dd-AFC4-6F175D3DCCD1}">
-              <a14:hiddenFill xmlns:a14="http://schemas.microsoft.com/office/drawing/2010/main">
-                <a:solidFill>
-                  <a:srgbClr val="FFFFFF"/>
-                </a:solidFill>
-              </a14:hiddenFill>
-            </a:ext>
-            <a:ext uri="{91240B29-F687-4f45-9708-019B960494DF}">
-              <a14:hiddenLine xmlns:a14="http://schemas.microsoft.com/office/drawing/2010/main" w="9525">
-                <a:solidFill>
-                  <a:srgbClr val="000000"/>
-                </a:solidFill>
-                <a:miter lim="800000"/>
-                <a:headEnd/>
-                <a:tailEnd/>
-              </a14:hiddenLine>
-            </a:ext>
-          </a:extLst>
-        </p:spPr>
-        <p:txBody>
-          <a:bodyPr/>
-          <a:lstStyle>
-            <a:lvl1pPr eaLnBrk="0" hangingPunct="0">
-              <a:defRPr sz="2400">
-                <a:solidFill>
-                  <a:schemeClr val="tx1"/>
-                </a:solidFill>
-                <a:latin typeface="Arial" charset="0"/>
-                <a:ea typeface="ＭＳ Ｐゴシック" charset="0"/>
-                <a:cs typeface="ＭＳ Ｐゴシック" charset="0"/>
-              </a:defRPr>
-            </a:lvl1pPr>
-            <a:lvl2pPr marL="742950" indent="-285750" eaLnBrk="0" hangingPunct="0">
-              <a:defRPr sz="2400">
-                <a:solidFill>
-                  <a:schemeClr val="tx1"/>
-                </a:solidFill>
-                <a:latin typeface="Arial" charset="0"/>
-                <a:ea typeface="ＭＳ Ｐゴシック" charset="0"/>
-              </a:defRPr>
-            </a:lvl2pPr>
-            <a:lvl3pPr marL="1143000" indent="-228600" eaLnBrk="0" hangingPunct="0">
-              <a:defRPr sz="2400">
-                <a:solidFill>
-                  <a:schemeClr val="tx1"/>
-                </a:solidFill>
-                <a:latin typeface="Arial" charset="0"/>
-                <a:ea typeface="ＭＳ Ｐゴシック" charset="0"/>
-              </a:defRPr>
-            </a:lvl3pPr>
-            <a:lvl4pPr marL="1600200" indent="-228600" eaLnBrk="0" hangingPunct="0">
-              <a:defRPr sz="2400">
-                <a:solidFill>
-                  <a:schemeClr val="tx1"/>
-                </a:solidFill>
-                <a:latin typeface="Arial" charset="0"/>
-                <a:ea typeface="ＭＳ Ｐゴシック" charset="0"/>
-              </a:defRPr>
-            </a:lvl4pPr>
-            <a:lvl5pPr marL="2057400" indent="-228600" eaLnBrk="0" hangingPunct="0">
-              <a:defRPr sz="2400">
-                <a:solidFill>
-                  <a:schemeClr val="tx1"/>
-                </a:solidFill>
-                <a:latin typeface="Arial" charset="0"/>
-                <a:ea typeface="ＭＳ Ｐゴシック" charset="0"/>
-              </a:defRPr>
-            </a:lvl5pPr>
-            <a:lvl6pPr marL="2514600" indent="-228600" eaLnBrk="0" fontAlgn="base" hangingPunct="0">
-              <a:spcBef>
-                <a:spcPct val="0"/>
-              </a:spcBef>
-              <a:spcAft>
-                <a:spcPct val="0"/>
-              </a:spcAft>
-              <a:defRPr sz="2400">
-                <a:solidFill>
-                  <a:schemeClr val="tx1"/>
-                </a:solidFill>
-                <a:latin typeface="Arial" charset="0"/>
-                <a:ea typeface="ＭＳ Ｐゴシック" charset="0"/>
-              </a:defRPr>
-            </a:lvl6pPr>
-            <a:lvl7pPr marL="2971800" indent="-228600" eaLnBrk="0" fontAlgn="base" hangingPunct="0">
-              <a:spcBef>
-                <a:spcPct val="0"/>
-              </a:spcBef>
-              <a:spcAft>
-                <a:spcPct val="0"/>
-              </a:spcAft>
-              <a:defRPr sz="2400">
-                <a:solidFill>
-                  <a:schemeClr val="tx1"/>
-                </a:solidFill>
-                <a:latin typeface="Arial" charset="0"/>
-                <a:ea typeface="ＭＳ Ｐゴシック" charset="0"/>
-              </a:defRPr>
-            </a:lvl7pPr>
-            <a:lvl8pPr marL="3429000" indent="-228600" eaLnBrk="0" fontAlgn="base" hangingPunct="0">
-              <a:spcBef>
-                <a:spcPct val="0"/>
-              </a:spcBef>
-              <a:spcAft>
-                <a:spcPct val="0"/>
-              </a:spcAft>
-              <a:defRPr sz="2400">
-                <a:solidFill>
-                  <a:schemeClr val="tx1"/>
-                </a:solidFill>
-                <a:latin typeface="Arial" charset="0"/>
-                <a:ea typeface="ＭＳ Ｐゴシック" charset="0"/>
-              </a:defRPr>
-            </a:lvl8pPr>
-            <a:lvl9pPr marL="3886200" indent="-228600" eaLnBrk="0" fontAlgn="base" hangingPunct="0">
-              <a:spcBef>
-                <a:spcPct val="0"/>
-              </a:spcBef>
-              <a:spcAft>
-                <a:spcPct val="0"/>
-              </a:spcAft>
-              <a:defRPr sz="2400">
-                <a:solidFill>
-                  <a:schemeClr val="tx1"/>
-                </a:solidFill>
-                <a:latin typeface="Arial" charset="0"/>
-                <a:ea typeface="ＭＳ Ｐゴシック" charset="0"/>
-              </a:defRPr>
-            </a:lvl9pPr>
-          </a:lstStyle>
-          <a:p>
-            <a:pPr eaLnBrk="1" hangingPunct="1"/>
-            <a:fld id="{31B62038-522A-8345-884F-1A523FFA338C}" type="datetime1">
-              <a:rPr lang="en-US" sz="1200">
-                <a:latin typeface="Garamond" charset="0"/>
-              </a:rPr>
-              <a:pPr eaLnBrk="1" hangingPunct="1"/>
-              <a:t>10/19/15</a:t>
-            </a:fld>
-            <a:endParaRPr lang="en-US" sz="1200">
-              <a:latin typeface="Garamond" charset="0"/>
-            </a:endParaRPr>
-          </a:p>
-        </p:txBody>
-      </p:sp>
-      <p:sp>
-        <p:nvSpPr>
-          <p:cNvPr id="5" name="Footer Placeholder 4"/>
-          <p:cNvSpPr>
-            <a:spLocks noGrp="1"/>
-          </p:cNvSpPr>
-          <p:nvPr>
-            <p:ph type="ftr" sz="quarter" idx="11"/>
-          </p:nvPr>
-        </p:nvSpPr>
-        <p:spPr/>
-        <p:txBody>
-          <a:bodyPr/>
-          <a:lstStyle/>
-          <a:p>
-            <a:pPr>
-              <a:defRPr/>
-            </a:pPr>
-            <a:r>
-              <a:rPr lang="en-US" altLang="en-US"/>
-              <a:t>ECE Application Programming: Lecture 21</a:t>
-            </a:r>
-          </a:p>
-        </p:txBody>
-      </p:sp>
-      <p:sp>
-        <p:nvSpPr>
-          <p:cNvPr id="40965" name="Slide Number Placeholder 5"/>
-          <p:cNvSpPr>
-            <a:spLocks noGrp="1"/>
-          </p:cNvSpPr>
-          <p:nvPr>
-            <p:ph type="sldNum" sz="quarter" idx="12"/>
-          </p:nvPr>
-        </p:nvSpPr>
-        <p:spPr>
-          <a:noFill/>
-          <a:ln/>
-          <a:extLst>
-            <a:ext uri="{909E8E84-426E-40dd-AFC4-6F175D3DCCD1}">
-              <a14:hiddenFill xmlns:a14="http://schemas.microsoft.com/office/drawing/2010/main">
-                <a:solidFill>
-                  <a:srgbClr val="FFFFFF"/>
-                </a:solidFill>
-              </a14:hiddenFill>
-            </a:ext>
-            <a:ext uri="{91240B29-F687-4f45-9708-019B960494DF}">
-              <a14:hiddenLine xmlns:a14="http://schemas.microsoft.com/office/drawing/2010/main" w="9525">
-                <a:solidFill>
-                  <a:srgbClr val="000000"/>
-                </a:solidFill>
-                <a:miter lim="800000"/>
-                <a:headEnd/>
-                <a:tailEnd/>
-              </a14:hiddenLine>
-            </a:ext>
-          </a:extLst>
-        </p:spPr>
-        <p:txBody>
-          <a:bodyPr/>
-          <a:lstStyle>
-            <a:lvl1pPr eaLnBrk="0" hangingPunct="0">
-              <a:defRPr sz="2400">
-                <a:solidFill>
-                  <a:schemeClr val="tx1"/>
-                </a:solidFill>
-                <a:latin typeface="Arial" charset="0"/>
-                <a:ea typeface="ＭＳ Ｐゴシック" charset="0"/>
-                <a:cs typeface="ＭＳ Ｐゴシック" charset="0"/>
-              </a:defRPr>
-            </a:lvl1pPr>
-            <a:lvl2pPr marL="742950" indent="-285750" eaLnBrk="0" hangingPunct="0">
-              <a:defRPr sz="2400">
-                <a:solidFill>
-                  <a:schemeClr val="tx1"/>
-                </a:solidFill>
-                <a:latin typeface="Arial" charset="0"/>
-                <a:ea typeface="ＭＳ Ｐゴシック" charset="0"/>
-              </a:defRPr>
-            </a:lvl2pPr>
-            <a:lvl3pPr marL="1143000" indent="-228600" eaLnBrk="0" hangingPunct="0">
-              <a:defRPr sz="2400">
-                <a:solidFill>
-                  <a:schemeClr val="tx1"/>
-                </a:solidFill>
-                <a:latin typeface="Arial" charset="0"/>
-                <a:ea typeface="ＭＳ Ｐゴシック" charset="0"/>
-              </a:defRPr>
-            </a:lvl3pPr>
-            <a:lvl4pPr marL="1600200" indent="-228600" eaLnBrk="0" hangingPunct="0">
-              <a:defRPr sz="2400">
-                <a:solidFill>
-                  <a:schemeClr val="tx1"/>
-                </a:solidFill>
-                <a:latin typeface="Arial" charset="0"/>
-                <a:ea typeface="ＭＳ Ｐゴシック" charset="0"/>
-              </a:defRPr>
-            </a:lvl4pPr>
-            <a:lvl5pPr marL="2057400" indent="-228600" eaLnBrk="0" hangingPunct="0">
-              <a:defRPr sz="2400">
-                <a:solidFill>
-                  <a:schemeClr val="tx1"/>
-                </a:solidFill>
-                <a:latin typeface="Arial" charset="0"/>
-                <a:ea typeface="ＭＳ Ｐゴシック" charset="0"/>
-              </a:defRPr>
-            </a:lvl5pPr>
-            <a:lvl6pPr marL="2514600" indent="-228600" eaLnBrk="0" fontAlgn="base" hangingPunct="0">
-              <a:spcBef>
-                <a:spcPct val="0"/>
-              </a:spcBef>
-              <a:spcAft>
-                <a:spcPct val="0"/>
-              </a:spcAft>
-              <a:defRPr sz="2400">
-                <a:solidFill>
-                  <a:schemeClr val="tx1"/>
-                </a:solidFill>
-                <a:latin typeface="Arial" charset="0"/>
-                <a:ea typeface="ＭＳ Ｐゴシック" charset="0"/>
-              </a:defRPr>
-            </a:lvl6pPr>
-            <a:lvl7pPr marL="2971800" indent="-228600" eaLnBrk="0" fontAlgn="base" hangingPunct="0">
-              <a:spcBef>
-                <a:spcPct val="0"/>
-              </a:spcBef>
-              <a:spcAft>
-                <a:spcPct val="0"/>
-              </a:spcAft>
-              <a:defRPr sz="2400">
-                <a:solidFill>
-                  <a:schemeClr val="tx1"/>
-                </a:solidFill>
-                <a:latin typeface="Arial" charset="0"/>
-                <a:ea typeface="ＭＳ Ｐゴシック" charset="0"/>
-              </a:defRPr>
-            </a:lvl7pPr>
-            <a:lvl8pPr marL="3429000" indent="-228600" eaLnBrk="0" fontAlgn="base" hangingPunct="0">
-              <a:spcBef>
-                <a:spcPct val="0"/>
-              </a:spcBef>
-              <a:spcAft>
-                <a:spcPct val="0"/>
-              </a:spcAft>
-              <a:defRPr sz="2400">
-                <a:solidFill>
-                  <a:schemeClr val="tx1"/>
-                </a:solidFill>
-                <a:latin typeface="Arial" charset="0"/>
-                <a:ea typeface="ＭＳ Ｐゴシック" charset="0"/>
-              </a:defRPr>
-            </a:lvl8pPr>
-            <a:lvl9pPr marL="3886200" indent="-228600" eaLnBrk="0" fontAlgn="base" hangingPunct="0">
-              <a:spcBef>
-                <a:spcPct val="0"/>
-              </a:spcBef>
-              <a:spcAft>
-                <a:spcPct val="0"/>
-              </a:spcAft>
-              <a:defRPr sz="2400">
-                <a:solidFill>
-                  <a:schemeClr val="tx1"/>
-                </a:solidFill>
-                <a:latin typeface="Arial" charset="0"/>
-                <a:ea typeface="ＭＳ Ｐゴシック" charset="0"/>
-              </a:defRPr>
-            </a:lvl9pPr>
-          </a:lstStyle>
-          <a:p>
-            <a:pPr eaLnBrk="1" hangingPunct="1"/>
-            <a:fld id="{995840FA-E6F5-0343-A066-8FDDE6435D57}" type="slidenum">
-              <a:rPr lang="en-US" sz="1200">
-                <a:latin typeface="Garamond" charset="0"/>
-              </a:rPr>
-              <a:pPr eaLnBrk="1" hangingPunct="1"/>
-              <a:t>16</a:t>
-            </a:fld>
-            <a:endParaRPr lang="en-US" sz="1200">
-              <a:latin typeface="Garamond" charset="0"/>
             </a:endParaRPr>
           </a:p>
         </p:txBody>
@@ -10832,18 +5744,15 @@
               <a:rPr lang="en-US" dirty="0" smtClean="0">
                 <a:latin typeface="Arial" charset="0"/>
               </a:rPr>
-              <a:t>2-D arrays and functions</a:t>
-            </a:r>
-          </a:p>
-          <a:p>
-            <a:pPr lvl="1"/>
+              <a:t>2-D arrays and </a:t>
+            </a:r>
             <a:r>
               <a:rPr lang="en-US" dirty="0" smtClean="0">
                 <a:latin typeface="Arial" charset="0"/>
               </a:rPr>
-              <a:t>Character arrays and strings</a:t>
-            </a:r>
-            <a:endParaRPr lang="en-US" dirty="0">
+              <a:t>functions</a:t>
+            </a:r>
+            <a:endParaRPr lang="en-US" dirty="0" smtClean="0">
               <a:latin typeface="Arial" charset="0"/>
             </a:endParaRPr>
           </a:p>
@@ -10994,12 +5903,11 @@
           </a:lstStyle>
           <a:p>
             <a:pPr eaLnBrk="1" hangingPunct="1"/>
-            <a:fld id="{1F61605E-C4D2-6242-9703-8CD5AA316AC3}" type="datetime1">
-              <a:rPr lang="en-US" sz="1200">
+            <a:fld id="{57738F0F-FAA3-5642-9F83-D600BF10E1B0}" type="datetime1">
+              <a:rPr lang="en-US" sz="1200" smtClean="0">
                 <a:latin typeface="Garamond" charset="0"/>
               </a:rPr>
-              <a:pPr eaLnBrk="1" hangingPunct="1"/>
-              <a:t>10/19/15</a:t>
+              <a:t>10/21/15</a:t>
             </a:fld>
             <a:endParaRPr lang="en-US" sz="1200">
               <a:latin typeface="Garamond" charset="0"/>
@@ -11026,8 +5934,8 @@
               <a:defRPr/>
             </a:pPr>
             <a:r>
-              <a:rPr lang="en-US" altLang="en-US"/>
-              <a:t>ECE Application Programming: Lecture 21</a:t>
+              <a:rPr lang="en-US" altLang="en-US" smtClean="0"/>
+              <a:t>ECE Application Programming: Lecture 20</a:t>
             </a:r>
             <a:endParaRPr lang="en-US" altLang="en-US" dirty="0"/>
           </a:p>
@@ -11532,13 +6440,12 @@
           </a:lstStyle>
           <a:p>
             <a:pPr eaLnBrk="1" hangingPunct="1"/>
-            <a:fld id="{6A997C67-30D7-2F46-A5E4-33F196D0D10C}" type="datetime1">
-              <a:rPr lang="en-US" sz="1200">
+            <a:fld id="{6AE19EAC-6D07-F94F-ABFF-CAB3E38A60EA}" type="datetime1">
+              <a:rPr lang="en-US" sz="1200" smtClean="0">
                 <a:latin typeface="Garamond" charset="0"/>
                 <a:cs typeface="Arial" charset="0"/>
               </a:rPr>
-              <a:pPr eaLnBrk="1" hangingPunct="1"/>
-              <a:t>10/19/15</a:t>
+              <a:t>10/21/15</a:t>
             </a:fld>
             <a:endParaRPr lang="en-US" sz="1200">
               <a:latin typeface="Garamond" charset="0"/>
@@ -11566,9 +6473,10 @@
               <a:defRPr/>
             </a:pPr>
             <a:r>
-              <a:rPr lang="en-US" altLang="en-US"/>
-              <a:t>ECE Application Programming: Lecture 22</a:t>
-            </a:r>
+              <a:rPr lang="en-US" altLang="en-US" smtClean="0"/>
+              <a:t>ECE Application Programming: Lecture 20</a:t>
+            </a:r>
+            <a:endParaRPr lang="en-US" altLang="en-US"/>
           </a:p>
         </p:txBody>
       </p:sp>
@@ -12163,12 +7071,11 @@
           </a:lstStyle>
           <a:p>
             <a:pPr eaLnBrk="1" hangingPunct="1"/>
-            <a:fld id="{06DFC581-70A1-2C4A-A35A-FCC61964E9CB}" type="datetime1">
-              <a:rPr lang="en-US" sz="1200">
+            <a:fld id="{D6F72DBD-F70F-A849-AF23-D7DD42B8AE9F}" type="datetime1">
+              <a:rPr lang="en-US" sz="1200" smtClean="0">
                 <a:latin typeface="Garamond" charset="0"/>
               </a:rPr>
-              <a:pPr eaLnBrk="1" hangingPunct="1"/>
-              <a:t>10/19/15</a:t>
+              <a:t>10/21/15</a:t>
             </a:fld>
             <a:endParaRPr lang="en-US" sz="1200">
               <a:latin typeface="Garamond" charset="0"/>
@@ -12195,9 +7102,10 @@
               <a:defRPr/>
             </a:pPr>
             <a:r>
-              <a:rPr lang="en-US" altLang="en-US"/>
-              <a:t>ECE Application Programming: Lecture 22</a:t>
-            </a:r>
+              <a:rPr lang="en-US" altLang="en-US" smtClean="0"/>
+              <a:t>ECE Application Programming: Lecture 20</a:t>
+            </a:r>
+            <a:endParaRPr lang="en-US" altLang="en-US"/>
           </a:p>
         </p:txBody>
       </p:sp>
@@ -12706,12 +7614,11 @@
           </a:lstStyle>
           <a:p>
             <a:pPr eaLnBrk="1" hangingPunct="1"/>
-            <a:fld id="{5AB77E60-2986-4B40-B41E-3E8A6220961B}" type="datetime1">
-              <a:rPr lang="en-US" sz="1200">
+            <a:fld id="{F66C624F-FDB4-F04C-A413-5C13129A3227}" type="datetime1">
+              <a:rPr lang="en-US" sz="1200" smtClean="0">
                 <a:latin typeface="Garamond" charset="0"/>
               </a:rPr>
-              <a:pPr eaLnBrk="1" hangingPunct="1"/>
-              <a:t>10/19/15</a:t>
+              <a:t>10/21/15</a:t>
             </a:fld>
             <a:endParaRPr lang="en-US" sz="1200">
               <a:latin typeface="Garamond" charset="0"/>
@@ -12738,9 +7645,10 @@
               <a:defRPr/>
             </a:pPr>
             <a:r>
-              <a:rPr lang="en-US" altLang="en-US"/>
-              <a:t>ECE Application Programming: Lecture 22</a:t>
-            </a:r>
+              <a:rPr lang="en-US" altLang="en-US" smtClean="0"/>
+              <a:t>ECE Application Programming: Lecture 20</a:t>
+            </a:r>
+            <a:endParaRPr lang="en-US" altLang="en-US"/>
           </a:p>
         </p:txBody>
       </p:sp>
@@ -13448,12 +8356,11 @@
           </a:lstStyle>
           <a:p>
             <a:pPr eaLnBrk="1" hangingPunct="1"/>
-            <a:fld id="{7FB9B895-611B-7347-AC2F-73D8433B34DC}" type="datetime1">
-              <a:rPr lang="en-US" sz="1200">
+            <a:fld id="{C8552CF6-FB3C-A243-A38A-57604906F6E2}" type="datetime1">
+              <a:rPr lang="en-US" sz="1200" smtClean="0">
                 <a:latin typeface="Garamond" charset="0"/>
               </a:rPr>
-              <a:pPr eaLnBrk="1" hangingPunct="1"/>
-              <a:t>10/19/15</a:t>
+              <a:t>10/21/15</a:t>
             </a:fld>
             <a:endParaRPr lang="en-US" sz="1200">
               <a:latin typeface="Garamond" charset="0"/>
@@ -13480,9 +8387,10 @@
               <a:defRPr/>
             </a:pPr>
             <a:r>
-              <a:rPr lang="en-US" altLang="en-US"/>
-              <a:t>ECE Application Programming: Lecture 22</a:t>
-            </a:r>
+              <a:rPr lang="en-US" altLang="en-US" smtClean="0"/>
+              <a:t>ECE Application Programming: Lecture 20</a:t>
+            </a:r>
+            <a:endParaRPr lang="en-US" altLang="en-US"/>
           </a:p>
         </p:txBody>
       </p:sp>
@@ -14357,12 +9265,11 @@
           </a:lstStyle>
           <a:p>
             <a:pPr eaLnBrk="1" hangingPunct="1"/>
-            <a:fld id="{C3C6D9C8-2C84-6C4F-B853-51924F9A2EF9}" type="datetime1">
-              <a:rPr lang="en-US" sz="1200">
+            <a:fld id="{C74350A8-FAB4-6948-988F-0F294083DBDD}" type="datetime1">
+              <a:rPr lang="en-US" sz="1200" smtClean="0">
                 <a:latin typeface="Garamond" charset="0"/>
               </a:rPr>
-              <a:pPr eaLnBrk="1" hangingPunct="1"/>
-              <a:t>10/19/15</a:t>
+              <a:t>10/21/15</a:t>
             </a:fld>
             <a:endParaRPr lang="en-US" sz="1200">
               <a:latin typeface="Garamond" charset="0"/>
@@ -14389,9 +9296,10 @@
               <a:defRPr/>
             </a:pPr>
             <a:r>
-              <a:rPr lang="en-US" altLang="en-US"/>
-              <a:t>ECE Application Programming: Lecture 22</a:t>
-            </a:r>
+              <a:rPr lang="en-US" altLang="en-US" smtClean="0"/>
+              <a:t>ECE Application Programming: Lecture 20</a:t>
+            </a:r>
+            <a:endParaRPr lang="en-US" altLang="en-US"/>
           </a:p>
         </p:txBody>
       </p:sp>
@@ -14587,9 +9495,9 @@
       </p:grpSpPr>
       <p:sp>
         <p:nvSpPr>
-          <p:cNvPr id="18433" name="Rectangle 4"/>
-          <p:cNvSpPr>
-            <a:spLocks noGrp="1" noChangeArrowheads="1"/>
+          <p:cNvPr id="40961" name="Title 1"/>
+          <p:cNvSpPr>
+            <a:spLocks noGrp="1"/>
           </p:cNvSpPr>
           <p:nvPr>
             <p:ph type="title"/>
@@ -14604,16 +9512,16 @@
               <a:rPr lang="en-US">
                 <a:latin typeface="Garamond" charset="0"/>
               </a:rPr>
-              <a:t>Lecture outline</a:t>
-            </a:r>
-          </a:p>
-        </p:txBody>
-      </p:sp>
-      <p:sp>
-        <p:nvSpPr>
-          <p:cNvPr id="18434" name="Rectangle 5"/>
-          <p:cNvSpPr>
-            <a:spLocks noGrp="1" noChangeArrowheads="1"/>
+              <a:t>Final notes</a:t>
+            </a:r>
+          </a:p>
+        </p:txBody>
+      </p:sp>
+      <p:sp>
+        <p:nvSpPr>
+          <p:cNvPr id="40962" name="Content Placeholder 2"/>
+          <p:cNvSpPr>
+            <a:spLocks noGrp="1"/>
           </p:cNvSpPr>
           <p:nvPr>
             <p:ph idx="1"/>
@@ -14624,75 +9532,56 @@
           <a:bodyPr/>
           <a:lstStyle/>
           <a:p>
-            <a:pPr>
-              <a:lnSpc>
-                <a:spcPct val="90000"/>
-              </a:lnSpc>
-            </a:pPr>
-            <a:r>
-              <a:rPr lang="en-US">
-                <a:latin typeface="Arial" charset="0"/>
-              </a:rPr>
-              <a:t>Announcements/reminders</a:t>
-            </a:r>
-          </a:p>
-          <a:p>
-            <a:pPr lvl="1">
-              <a:lnSpc>
-                <a:spcPct val="90000"/>
-              </a:lnSpc>
-            </a:pPr>
-            <a:r>
-              <a:rPr lang="en-US">
-                <a:latin typeface="Arial" charset="0"/>
-              </a:rPr>
-              <a:t>Program 7 due 4/13</a:t>
-            </a:r>
-          </a:p>
-          <a:p>
-            <a:pPr lvl="1">
-              <a:lnSpc>
-                <a:spcPct val="90000"/>
-              </a:lnSpc>
-            </a:pPr>
-            <a:r>
-              <a:rPr lang="en-US">
-                <a:latin typeface="Arial" charset="0"/>
-              </a:rPr>
-              <a:t>Advising starts Monday</a:t>
-            </a:r>
-          </a:p>
-          <a:p>
-            <a:pPr>
-              <a:lnSpc>
-                <a:spcPct val="90000"/>
-              </a:lnSpc>
-            </a:pPr>
-            <a:r>
-              <a:rPr lang="en-US">
-                <a:latin typeface="Arial" charset="0"/>
-              </a:rPr>
-              <a:t>Today’s lecture</a:t>
-            </a:r>
-          </a:p>
-          <a:p>
-            <a:pPr lvl="1">
-              <a:lnSpc>
-                <a:spcPct val="90000"/>
-              </a:lnSpc>
-            </a:pPr>
-            <a:r>
-              <a:rPr lang="en-US">
-                <a:latin typeface="Arial" charset="0"/>
-              </a:rPr>
-              <a:t>Character arrays and strings</a:t>
-            </a:r>
-          </a:p>
-        </p:txBody>
-      </p:sp>
-      <p:sp>
-        <p:nvSpPr>
-          <p:cNvPr id="18435" name="Date Placeholder 3"/>
+            <a:r>
+              <a:rPr lang="en-US" dirty="0">
+                <a:latin typeface="Arial" charset="0"/>
+              </a:rPr>
+              <a:t>Next time</a:t>
+            </a:r>
+          </a:p>
+          <a:p>
+            <a:pPr lvl="1"/>
+            <a:r>
+              <a:rPr lang="en-US" dirty="0" smtClean="0">
+                <a:latin typeface="Arial" charset="0"/>
+              </a:rPr>
+              <a:t>Character arrays </a:t>
+            </a:r>
+            <a:r>
+              <a:rPr lang="en-US" smtClean="0">
+                <a:latin typeface="Arial" charset="0"/>
+              </a:rPr>
+              <a:t>and strings</a:t>
+            </a:r>
+            <a:endParaRPr lang="en-US" dirty="0">
+              <a:latin typeface="Arial" charset="0"/>
+            </a:endParaRPr>
+          </a:p>
+          <a:p>
+            <a:r>
+              <a:rPr lang="en-US" dirty="0">
+                <a:latin typeface="Arial" charset="0"/>
+              </a:rPr>
+              <a:t>Reminders:</a:t>
+            </a:r>
+          </a:p>
+          <a:p>
+            <a:pPr lvl="1"/>
+            <a:r>
+              <a:rPr lang="en-US" dirty="0" smtClean="0">
+                <a:latin typeface="Arial" charset="0"/>
+              </a:rPr>
+              <a:t>Program 6 due 10/29</a:t>
+            </a:r>
+            <a:endParaRPr lang="en-US" dirty="0">
+              <a:latin typeface="Arial" charset="0"/>
+            </a:endParaRPr>
+          </a:p>
+        </p:txBody>
+      </p:sp>
+      <p:sp>
+        <p:nvSpPr>
+          <p:cNvPr id="40963" name="Date Placeholder 3"/>
           <p:cNvSpPr>
             <a:spLocks noGrp="1"/>
           </p:cNvSpPr>
@@ -14835,12 +9724,11 @@
           </a:lstStyle>
           <a:p>
             <a:pPr eaLnBrk="1" hangingPunct="1"/>
-            <a:fld id="{0E2C44D0-5D19-6342-8479-BB34E4FE3827}" type="datetime1">
-              <a:rPr lang="en-US" sz="1200">
+            <a:fld id="{89FE07D7-4ECC-0746-9429-91165E68E4D0}" type="datetime1">
+              <a:rPr lang="en-US" sz="1200" smtClean="0">
                 <a:latin typeface="Garamond" charset="0"/>
               </a:rPr>
-              <a:pPr eaLnBrk="1" hangingPunct="1"/>
-              <a:t>10/19/15</a:t>
+              <a:t>10/21/15</a:t>
             </a:fld>
             <a:endParaRPr lang="en-US" sz="1200">
               <a:latin typeface="Garamond" charset="0"/>
@@ -14867,16 +9755,16 @@
               <a:defRPr/>
             </a:pPr>
             <a:r>
-              <a:rPr lang="en-US" altLang="en-US"/>
-              <a:t>ECE Application Programming: Lecture 22</a:t>
-            </a:r>
-            <a:endParaRPr lang="en-US" altLang="en-US" dirty="0"/>
-          </a:p>
-        </p:txBody>
-      </p:sp>
-      <p:sp>
-        <p:nvSpPr>
-          <p:cNvPr id="18437" name="Slide Number Placeholder 5"/>
+              <a:rPr lang="en-US" altLang="en-US" smtClean="0"/>
+              <a:t>ECE Application Programming: Lecture 20</a:t>
+            </a:r>
+            <a:endParaRPr lang="en-US" altLang="en-US"/>
+          </a:p>
+        </p:txBody>
+      </p:sp>
+      <p:sp>
+        <p:nvSpPr>
+          <p:cNvPr id="40965" name="Slide Number Placeholder 5"/>
           <p:cNvSpPr>
             <a:spLocks noGrp="1"/>
           </p:cNvSpPr>
@@ -15019,7 +9907,7 @@
           </a:lstStyle>
           <a:p>
             <a:pPr eaLnBrk="1" hangingPunct="1"/>
-            <a:fld id="{6470179C-66B9-944F-89DB-F0EDE88BEC5D}" type="slidenum">
+            <a:fld id="{995840FA-E6F5-0343-A066-8FDDE6435D57}" type="slidenum">
               <a:rPr lang="en-US" sz="1200">
                 <a:latin typeface="Garamond" charset="0"/>
               </a:rPr>
@@ -15033,1151 +9921,6 @@
         </p:txBody>
       </p:sp>
     </p:spTree>
-    <p:extLst>
-      <p:ext uri="{BB962C8B-B14F-4D97-AF65-F5344CB8AC3E}">
-        <p14:creationId xmlns:p14="http://schemas.microsoft.com/office/powerpoint/2010/main" val="926387720"/>
-      </p:ext>
-    </p:extLst>
-  </p:cSld>
-  <p:clrMapOvr>
-    <a:masterClrMapping/>
-  </p:clrMapOvr>
-  <p:timing>
-    <p:tnLst>
-      <p:par>
-        <p:cTn xmlns:p14="http://schemas.microsoft.com/office/powerpoint/2010/main" id="1" dur="indefinite" restart="never" nodeType="tmRoot"/>
-      </p:par>
-    </p:tnLst>
-  </p:timing>
-</p:sld>
-</file>
-
-<file path=ppt/slides/slide9.xml><?xml version="1.0" encoding="utf-8"?>
-<p:sld xmlns:a="http://schemas.openxmlformats.org/drawingml/2006/main" xmlns:r="http://schemas.openxmlformats.org/officeDocument/2006/relationships" xmlns:p="http://schemas.openxmlformats.org/presentationml/2006/main">
-  <p:cSld>
-    <p:spTree>
-      <p:nvGrpSpPr>
-        <p:cNvPr id="1" name=""/>
-        <p:cNvGrpSpPr/>
-        <p:nvPr/>
-      </p:nvGrpSpPr>
-      <p:grpSpPr>
-        <a:xfrm>
-          <a:off x="0" y="0"/>
-          <a:ext cx="0" cy="0"/>
-          <a:chOff x="0" y="0"/>
-          <a:chExt cx="0" cy="0"/>
-        </a:xfrm>
-      </p:grpSpPr>
-      <p:sp>
-        <p:nvSpPr>
-          <p:cNvPr id="20481" name="Title 1"/>
-          <p:cNvSpPr>
-            <a:spLocks noGrp="1"/>
-          </p:cNvSpPr>
-          <p:nvPr>
-            <p:ph type="title"/>
-          </p:nvPr>
-        </p:nvSpPr>
-        <p:spPr/>
-        <p:txBody>
-          <a:bodyPr/>
-          <a:lstStyle/>
-          <a:p>
-            <a:r>
-              <a:rPr lang="en-US">
-                <a:latin typeface="Garamond" charset="0"/>
-              </a:rPr>
-              <a:t>Strings in C</a:t>
-            </a:r>
-          </a:p>
-        </p:txBody>
-      </p:sp>
-      <p:sp>
-        <p:nvSpPr>
-          <p:cNvPr id="20482" name="Content Placeholder 2"/>
-          <p:cNvSpPr>
-            <a:spLocks noGrp="1"/>
-          </p:cNvSpPr>
-          <p:nvPr>
-            <p:ph idx="1"/>
-          </p:nvPr>
-        </p:nvSpPr>
-        <p:spPr>
-          <a:xfrm>
-            <a:off x="457200" y="1066800"/>
-            <a:ext cx="8229600" cy="5064125"/>
-          </a:xfrm>
-        </p:spPr>
-        <p:txBody>
-          <a:bodyPr/>
-          <a:lstStyle/>
-          <a:p>
-            <a:pPr>
-              <a:lnSpc>
-                <a:spcPct val="80000"/>
-              </a:lnSpc>
-            </a:pPr>
-            <a:r>
-              <a:rPr lang="en-US" sz="2300">
-                <a:latin typeface="Arial" charset="0"/>
-              </a:rPr>
-              <a:t>Strings in C: null-terminated arrays of characters</a:t>
-            </a:r>
-          </a:p>
-          <a:p>
-            <a:pPr lvl="1">
-              <a:lnSpc>
-                <a:spcPct val="80000"/>
-              </a:lnSpc>
-            </a:pPr>
-            <a:r>
-              <a:rPr lang="ja-JP" altLang="en-US" sz="2000">
-                <a:latin typeface="Courier New" charset="0"/>
-                <a:cs typeface="Courier New" charset="0"/>
-              </a:rPr>
-              <a:t>“</a:t>
-            </a:r>
-            <a:r>
-              <a:rPr lang="en-US" altLang="ja-JP" sz="2000">
-                <a:latin typeface="Courier New" charset="0"/>
-                <a:cs typeface="Courier New" charset="0"/>
-              </a:rPr>
-              <a:t>Hello</a:t>
-            </a:r>
-            <a:r>
-              <a:rPr lang="ja-JP" altLang="en-US" sz="2000">
-                <a:latin typeface="Courier New" charset="0"/>
-                <a:cs typeface="Courier New" charset="0"/>
-              </a:rPr>
-              <a:t>”</a:t>
-            </a:r>
-            <a:r>
-              <a:rPr lang="en-US" altLang="ja-JP" sz="2000">
-                <a:latin typeface="Courier New" charset="0"/>
-                <a:cs typeface="Courier New" charset="0"/>
-                <a:sym typeface="Wingdings" charset="0"/>
-              </a:rPr>
-              <a:t>{</a:t>
-            </a:r>
-            <a:r>
-              <a:rPr lang="ja-JP" altLang="en-US" sz="2000">
-                <a:latin typeface="Courier New" charset="0"/>
-                <a:cs typeface="Courier New" charset="0"/>
-                <a:sym typeface="Wingdings" charset="0"/>
-              </a:rPr>
-              <a:t>‘</a:t>
-            </a:r>
-            <a:r>
-              <a:rPr lang="en-US" altLang="ja-JP" sz="2000">
-                <a:latin typeface="Courier New" charset="0"/>
-                <a:cs typeface="Courier New" charset="0"/>
-                <a:sym typeface="Wingdings" charset="0"/>
-              </a:rPr>
-              <a:t>H</a:t>
-            </a:r>
-            <a:r>
-              <a:rPr lang="ja-JP" altLang="en-US" sz="2000">
-                <a:latin typeface="Courier New" charset="0"/>
-                <a:cs typeface="Courier New" charset="0"/>
-                <a:sym typeface="Wingdings" charset="0"/>
-              </a:rPr>
-              <a:t>’</a:t>
-            </a:r>
-            <a:r>
-              <a:rPr lang="en-US" altLang="ja-JP" sz="2000">
-                <a:latin typeface="Courier New" charset="0"/>
-                <a:cs typeface="Courier New" charset="0"/>
-                <a:sym typeface="Wingdings" charset="0"/>
-              </a:rPr>
-              <a:t>, </a:t>
-            </a:r>
-            <a:r>
-              <a:rPr lang="ja-JP" altLang="en-US" sz="2000">
-                <a:latin typeface="Courier New" charset="0"/>
-                <a:cs typeface="Courier New" charset="0"/>
-                <a:sym typeface="Wingdings" charset="0"/>
-              </a:rPr>
-              <a:t>‘</a:t>
-            </a:r>
-            <a:r>
-              <a:rPr lang="en-US" altLang="ja-JP" sz="2000">
-                <a:latin typeface="Courier New" charset="0"/>
-                <a:cs typeface="Courier New" charset="0"/>
-                <a:sym typeface="Wingdings" charset="0"/>
-              </a:rPr>
-              <a:t>e</a:t>
-            </a:r>
-            <a:r>
-              <a:rPr lang="ja-JP" altLang="en-US" sz="2000">
-                <a:latin typeface="Courier New" charset="0"/>
-                <a:cs typeface="Courier New" charset="0"/>
-                <a:sym typeface="Wingdings" charset="0"/>
-              </a:rPr>
-              <a:t>’</a:t>
-            </a:r>
-            <a:r>
-              <a:rPr lang="en-US" altLang="ja-JP" sz="2000">
-                <a:latin typeface="Courier New" charset="0"/>
-                <a:cs typeface="Courier New" charset="0"/>
-                <a:sym typeface="Wingdings" charset="0"/>
-              </a:rPr>
-              <a:t>, </a:t>
-            </a:r>
-            <a:r>
-              <a:rPr lang="ja-JP" altLang="en-US" sz="2000">
-                <a:latin typeface="Courier New" charset="0"/>
-                <a:cs typeface="Courier New" charset="0"/>
-                <a:sym typeface="Wingdings" charset="0"/>
-              </a:rPr>
-              <a:t>‘</a:t>
-            </a:r>
-            <a:r>
-              <a:rPr lang="en-US" altLang="ja-JP" sz="2000">
-                <a:latin typeface="Courier New" charset="0"/>
-                <a:cs typeface="Courier New" charset="0"/>
-                <a:sym typeface="Wingdings" charset="0"/>
-              </a:rPr>
-              <a:t>l</a:t>
-            </a:r>
-            <a:r>
-              <a:rPr lang="ja-JP" altLang="en-US" sz="2000">
-                <a:latin typeface="Courier New" charset="0"/>
-                <a:cs typeface="Courier New" charset="0"/>
-                <a:sym typeface="Wingdings" charset="0"/>
-              </a:rPr>
-              <a:t>’</a:t>
-            </a:r>
-            <a:r>
-              <a:rPr lang="en-US" altLang="ja-JP" sz="2000">
-                <a:latin typeface="Courier New" charset="0"/>
-                <a:cs typeface="Courier New" charset="0"/>
-                <a:sym typeface="Wingdings" charset="0"/>
-              </a:rPr>
-              <a:t>, </a:t>
-            </a:r>
-            <a:r>
-              <a:rPr lang="ja-JP" altLang="en-US" sz="2000">
-                <a:latin typeface="Courier New" charset="0"/>
-                <a:cs typeface="Courier New" charset="0"/>
-                <a:sym typeface="Wingdings" charset="0"/>
-              </a:rPr>
-              <a:t>‘</a:t>
-            </a:r>
-            <a:r>
-              <a:rPr lang="en-US" altLang="ja-JP" sz="2000">
-                <a:latin typeface="Courier New" charset="0"/>
-                <a:cs typeface="Courier New" charset="0"/>
-                <a:sym typeface="Wingdings" charset="0"/>
-              </a:rPr>
-              <a:t>l</a:t>
-            </a:r>
-            <a:r>
-              <a:rPr lang="ja-JP" altLang="en-US" sz="2000">
-                <a:latin typeface="Courier New" charset="0"/>
-                <a:cs typeface="Courier New" charset="0"/>
-                <a:sym typeface="Wingdings" charset="0"/>
-              </a:rPr>
-              <a:t>’</a:t>
-            </a:r>
-            <a:r>
-              <a:rPr lang="en-US" altLang="ja-JP" sz="2000">
-                <a:latin typeface="Courier New" charset="0"/>
-                <a:cs typeface="Courier New" charset="0"/>
-                <a:sym typeface="Wingdings" charset="0"/>
-              </a:rPr>
-              <a:t>, </a:t>
-            </a:r>
-            <a:r>
-              <a:rPr lang="ja-JP" altLang="en-US" sz="2000">
-                <a:latin typeface="Courier New" charset="0"/>
-                <a:cs typeface="Courier New" charset="0"/>
-                <a:sym typeface="Wingdings" charset="0"/>
-              </a:rPr>
-              <a:t>‘</a:t>
-            </a:r>
-            <a:r>
-              <a:rPr lang="en-US" altLang="ja-JP" sz="2000">
-                <a:latin typeface="Courier New" charset="0"/>
-                <a:cs typeface="Courier New" charset="0"/>
-                <a:sym typeface="Wingdings" charset="0"/>
-              </a:rPr>
-              <a:t>o</a:t>
-            </a:r>
-            <a:r>
-              <a:rPr lang="ja-JP" altLang="en-US" sz="2000">
-                <a:latin typeface="Courier New" charset="0"/>
-                <a:cs typeface="Courier New" charset="0"/>
-                <a:sym typeface="Wingdings" charset="0"/>
-              </a:rPr>
-              <a:t>’</a:t>
-            </a:r>
-            <a:r>
-              <a:rPr lang="en-US" altLang="ja-JP" sz="2000">
-                <a:latin typeface="Courier New" charset="0"/>
-                <a:cs typeface="Courier New" charset="0"/>
-                <a:sym typeface="Wingdings" charset="0"/>
-              </a:rPr>
-              <a:t>, 0}</a:t>
-            </a:r>
-            <a:endParaRPr lang="en-US" altLang="ja-JP" sz="2000">
-              <a:latin typeface="Courier New" charset="0"/>
-              <a:cs typeface="Courier New" charset="0"/>
-            </a:endParaRPr>
-          </a:p>
-          <a:p>
-            <a:pPr lvl="1">
-              <a:lnSpc>
-                <a:spcPct val="80000"/>
-              </a:lnSpc>
-            </a:pPr>
-            <a:r>
-              <a:rPr lang="en-US" sz="2000">
-                <a:latin typeface="Arial" charset="0"/>
-              </a:rPr>
-              <a:t>Null character = 0 = </a:t>
-            </a:r>
-            <a:r>
-              <a:rPr lang="ja-JP" altLang="en-US" sz="2000">
-                <a:latin typeface="Courier New" charset="0"/>
-                <a:cs typeface="Courier New" charset="0"/>
-              </a:rPr>
-              <a:t>‘</a:t>
-            </a:r>
-            <a:r>
-              <a:rPr lang="en-US" altLang="ja-JP" sz="2000">
-                <a:latin typeface="Courier New" charset="0"/>
-                <a:cs typeface="Courier New" charset="0"/>
-              </a:rPr>
-              <a:t>\0</a:t>
-            </a:r>
-            <a:r>
-              <a:rPr lang="ja-JP" altLang="en-US" sz="2000">
-                <a:latin typeface="Courier New" charset="0"/>
-                <a:cs typeface="Courier New" charset="0"/>
-              </a:rPr>
-              <a:t>’</a:t>
-            </a:r>
-            <a:endParaRPr lang="en-US" altLang="ja-JP" sz="2000">
-              <a:latin typeface="Courier New" charset="0"/>
-              <a:cs typeface="Courier New" charset="0"/>
-            </a:endParaRPr>
-          </a:p>
-          <a:p>
-            <a:pPr>
-              <a:lnSpc>
-                <a:spcPct val="80000"/>
-              </a:lnSpc>
-            </a:pPr>
-            <a:r>
-              <a:rPr lang="en-US" sz="2300">
-                <a:latin typeface="Arial" charset="0"/>
-              </a:rPr>
-              <a:t>Can declare array to hold string</a:t>
-            </a:r>
-          </a:p>
-          <a:p>
-            <a:pPr lvl="1">
-              <a:lnSpc>
-                <a:spcPct val="80000"/>
-              </a:lnSpc>
-            </a:pPr>
-            <a:r>
-              <a:rPr lang="en-US" sz="2000">
-                <a:latin typeface="Arial" charset="0"/>
-              </a:rPr>
-              <a:t>Need space to hold null: </a:t>
-            </a:r>
-            <a:r>
-              <a:rPr lang="en-US" sz="2000">
-                <a:latin typeface="Courier New" charset="0"/>
-                <a:cs typeface="Courier New" charset="0"/>
-              </a:rPr>
-              <a:t>char hello[5]</a:t>
-            </a:r>
-            <a:r>
-              <a:rPr lang="en-US" sz="2000">
-                <a:latin typeface="Arial" charset="0"/>
-                <a:cs typeface="Courier New" charset="0"/>
-              </a:rPr>
-              <a:t> would be </a:t>
-            </a:r>
-            <a:r>
-              <a:rPr lang="en-US" sz="2000">
-                <a:latin typeface="Arial" charset="0"/>
-                <a:sym typeface="Wingdings" charset="0"/>
-              </a:rPr>
-              <a:t>too small</a:t>
-            </a:r>
-          </a:p>
-          <a:p>
-            <a:pPr lvl="1">
-              <a:lnSpc>
-                <a:spcPct val="80000"/>
-              </a:lnSpc>
-            </a:pPr>
-            <a:r>
-              <a:rPr lang="en-US" sz="2000">
-                <a:latin typeface="Arial" charset="0"/>
-                <a:cs typeface="Courier New" charset="0"/>
-                <a:sym typeface="Wingdings" charset="0"/>
-              </a:rPr>
-              <a:t>Can use string constants to directly initialize</a:t>
-            </a:r>
-          </a:p>
-          <a:p>
-            <a:pPr lvl="1">
-              <a:lnSpc>
-                <a:spcPct val="80000"/>
-              </a:lnSpc>
-              <a:buFont typeface="Wingdings" charset="0"/>
-              <a:buNone/>
-            </a:pPr>
-            <a:r>
-              <a:rPr lang="en-US" sz="2000">
-                <a:latin typeface="Arial" charset="0"/>
-                <a:cs typeface="Courier New" charset="0"/>
-                <a:sym typeface="Wingdings" charset="0"/>
-              </a:rPr>
-              <a:t>	</a:t>
-            </a:r>
-            <a:r>
-              <a:rPr lang="en-US" sz="2000">
-                <a:latin typeface="Courier New" charset="0"/>
-                <a:cs typeface="Courier New" charset="0"/>
-                <a:sym typeface="Wingdings" charset="0"/>
-              </a:rPr>
-              <a:t>char hello[] = </a:t>
-            </a:r>
-            <a:r>
-              <a:rPr lang="ja-JP" altLang="en-US" sz="2000">
-                <a:latin typeface="Courier New" charset="0"/>
-                <a:cs typeface="Courier New" charset="0"/>
-                <a:sym typeface="Wingdings" charset="0"/>
-              </a:rPr>
-              <a:t>“</a:t>
-            </a:r>
-            <a:r>
-              <a:rPr lang="en-US" altLang="ja-JP" sz="2000">
-                <a:latin typeface="Courier New" charset="0"/>
-                <a:cs typeface="Courier New" charset="0"/>
-                <a:sym typeface="Wingdings" charset="0"/>
-              </a:rPr>
-              <a:t>Hello</a:t>
-            </a:r>
-            <a:r>
-              <a:rPr lang="ja-JP" altLang="en-US" sz="2000">
-                <a:latin typeface="Courier New" charset="0"/>
-                <a:cs typeface="Courier New" charset="0"/>
-                <a:sym typeface="Wingdings" charset="0"/>
-              </a:rPr>
-              <a:t>”</a:t>
-            </a:r>
-            <a:r>
-              <a:rPr lang="en-US" altLang="ja-JP" sz="2000">
-                <a:latin typeface="Courier New" charset="0"/>
-                <a:cs typeface="Courier New" charset="0"/>
-                <a:sym typeface="Wingdings" charset="0"/>
-              </a:rPr>
-              <a:t>;</a:t>
-            </a:r>
-            <a:endParaRPr lang="en-US" altLang="ja-JP" sz="2000">
-              <a:latin typeface="Arial" charset="0"/>
-              <a:cs typeface="Courier New" charset="0"/>
-            </a:endParaRPr>
-          </a:p>
-          <a:p>
-            <a:pPr lvl="1">
-              <a:lnSpc>
-                <a:spcPct val="80000"/>
-              </a:lnSpc>
-            </a:pPr>
-            <a:r>
-              <a:rPr lang="en-US" sz="2000">
-                <a:latin typeface="Arial" charset="0"/>
-                <a:cs typeface="Courier New" charset="0"/>
-                <a:sym typeface="Wingdings" charset="0"/>
-              </a:rPr>
-              <a:t>Equivalent to:</a:t>
-            </a:r>
-          </a:p>
-          <a:p>
-            <a:pPr lvl="1">
-              <a:lnSpc>
-                <a:spcPct val="80000"/>
-              </a:lnSpc>
-              <a:buFont typeface="Wingdings" charset="0"/>
-              <a:buNone/>
-            </a:pPr>
-            <a:r>
-              <a:rPr lang="en-US" sz="2000">
-                <a:latin typeface="Arial" charset="0"/>
-                <a:cs typeface="Courier New" charset="0"/>
-                <a:sym typeface="Wingdings" charset="0"/>
-              </a:rPr>
-              <a:t>	</a:t>
-            </a:r>
-            <a:r>
-              <a:rPr lang="en-US" sz="2000">
-                <a:latin typeface="Courier New" charset="0"/>
-                <a:cs typeface="Courier New" charset="0"/>
-                <a:sym typeface="Wingdings" charset="0"/>
-              </a:rPr>
-              <a:t>char hello[6];</a:t>
-            </a:r>
-          </a:p>
-          <a:p>
-            <a:pPr lvl="1">
-              <a:lnSpc>
-                <a:spcPct val="80000"/>
-              </a:lnSpc>
-              <a:buFont typeface="Wingdings" charset="0"/>
-              <a:buNone/>
-            </a:pPr>
-            <a:r>
-              <a:rPr lang="en-US" sz="2000">
-                <a:latin typeface="Courier New" charset="0"/>
-                <a:cs typeface="Courier New" charset="0"/>
-                <a:sym typeface="Wingdings" charset="0"/>
-              </a:rPr>
-              <a:t>	hello[0] = </a:t>
-            </a:r>
-            <a:r>
-              <a:rPr lang="ja-JP" altLang="en-US" sz="2000">
-                <a:latin typeface="Courier New" charset="0"/>
-                <a:cs typeface="Courier New" charset="0"/>
-                <a:sym typeface="Wingdings" charset="0"/>
-              </a:rPr>
-              <a:t>‘</a:t>
-            </a:r>
-            <a:r>
-              <a:rPr lang="en-US" altLang="ja-JP" sz="2000">
-                <a:latin typeface="Courier New" charset="0"/>
-                <a:cs typeface="Courier New" charset="0"/>
-                <a:sym typeface="Wingdings" charset="0"/>
-              </a:rPr>
-              <a:t>H</a:t>
-            </a:r>
-            <a:r>
-              <a:rPr lang="ja-JP" altLang="en-US" sz="2000">
-                <a:latin typeface="Courier New" charset="0"/>
-                <a:cs typeface="Courier New" charset="0"/>
-                <a:sym typeface="Wingdings" charset="0"/>
-              </a:rPr>
-              <a:t>’</a:t>
-            </a:r>
-            <a:r>
-              <a:rPr lang="en-US" altLang="ja-JP" sz="2000">
-                <a:latin typeface="Courier New" charset="0"/>
-                <a:cs typeface="Courier New" charset="0"/>
-                <a:sym typeface="Wingdings" charset="0"/>
-              </a:rPr>
-              <a:t>;</a:t>
-            </a:r>
-          </a:p>
-          <a:p>
-            <a:pPr lvl="1">
-              <a:lnSpc>
-                <a:spcPct val="80000"/>
-              </a:lnSpc>
-              <a:buFont typeface="Wingdings" charset="0"/>
-              <a:buNone/>
-            </a:pPr>
-            <a:r>
-              <a:rPr lang="en-US" sz="2000">
-                <a:latin typeface="Courier New" charset="0"/>
-                <a:cs typeface="Courier New" charset="0"/>
-                <a:sym typeface="Wingdings" charset="0"/>
-              </a:rPr>
-              <a:t>	hello[1] = </a:t>
-            </a:r>
-            <a:r>
-              <a:rPr lang="ja-JP" altLang="en-US" sz="2000">
-                <a:latin typeface="Courier New" charset="0"/>
-                <a:cs typeface="Courier New" charset="0"/>
-                <a:sym typeface="Wingdings" charset="0"/>
-              </a:rPr>
-              <a:t>‘</a:t>
-            </a:r>
-            <a:r>
-              <a:rPr lang="en-US" altLang="ja-JP" sz="2000">
-                <a:latin typeface="Courier New" charset="0"/>
-                <a:cs typeface="Courier New" charset="0"/>
-                <a:sym typeface="Wingdings" charset="0"/>
-              </a:rPr>
-              <a:t>e</a:t>
-            </a:r>
-            <a:r>
-              <a:rPr lang="ja-JP" altLang="en-US" sz="2000">
-                <a:latin typeface="Courier New" charset="0"/>
-                <a:cs typeface="Courier New" charset="0"/>
-                <a:sym typeface="Wingdings" charset="0"/>
-              </a:rPr>
-              <a:t>’</a:t>
-            </a:r>
-            <a:r>
-              <a:rPr lang="en-US" altLang="ja-JP" sz="2000">
-                <a:latin typeface="Courier New" charset="0"/>
-                <a:cs typeface="Courier New" charset="0"/>
-                <a:sym typeface="Wingdings" charset="0"/>
-              </a:rPr>
-              <a:t>;</a:t>
-            </a:r>
-          </a:p>
-          <a:p>
-            <a:pPr lvl="1">
-              <a:lnSpc>
-                <a:spcPct val="80000"/>
-              </a:lnSpc>
-              <a:buFont typeface="Wingdings" charset="0"/>
-              <a:buNone/>
-            </a:pPr>
-            <a:r>
-              <a:rPr lang="en-US" sz="2000">
-                <a:latin typeface="Courier New" charset="0"/>
-                <a:cs typeface="Courier New" charset="0"/>
-                <a:sym typeface="Wingdings" charset="0"/>
-              </a:rPr>
-              <a:t>	hello[2] = </a:t>
-            </a:r>
-            <a:r>
-              <a:rPr lang="ja-JP" altLang="en-US" sz="2000">
-                <a:latin typeface="Courier New" charset="0"/>
-                <a:cs typeface="Courier New" charset="0"/>
-                <a:sym typeface="Wingdings" charset="0"/>
-              </a:rPr>
-              <a:t>‘</a:t>
-            </a:r>
-            <a:r>
-              <a:rPr lang="en-US" altLang="ja-JP" sz="2000">
-                <a:latin typeface="Courier New" charset="0"/>
-                <a:cs typeface="Courier New" charset="0"/>
-                <a:sym typeface="Wingdings" charset="0"/>
-              </a:rPr>
-              <a:t>l</a:t>
-            </a:r>
-            <a:r>
-              <a:rPr lang="ja-JP" altLang="en-US" sz="2000">
-                <a:latin typeface="Courier New" charset="0"/>
-                <a:cs typeface="Courier New" charset="0"/>
-                <a:sym typeface="Wingdings" charset="0"/>
-              </a:rPr>
-              <a:t>’</a:t>
-            </a:r>
-            <a:r>
-              <a:rPr lang="en-US" altLang="ja-JP" sz="2000">
-                <a:latin typeface="Courier New" charset="0"/>
-                <a:cs typeface="Courier New" charset="0"/>
-                <a:sym typeface="Wingdings" charset="0"/>
-              </a:rPr>
-              <a:t>;</a:t>
-            </a:r>
-          </a:p>
-          <a:p>
-            <a:pPr lvl="1">
-              <a:lnSpc>
-                <a:spcPct val="80000"/>
-              </a:lnSpc>
-              <a:buFont typeface="Wingdings" charset="0"/>
-              <a:buNone/>
-            </a:pPr>
-            <a:r>
-              <a:rPr lang="en-US" sz="2000">
-                <a:latin typeface="Courier New" charset="0"/>
-                <a:cs typeface="Courier New" charset="0"/>
-                <a:sym typeface="Wingdings" charset="0"/>
-              </a:rPr>
-              <a:t>	hello[3] = </a:t>
-            </a:r>
-            <a:r>
-              <a:rPr lang="ja-JP" altLang="en-US" sz="2000">
-                <a:latin typeface="Courier New" charset="0"/>
-                <a:cs typeface="Courier New" charset="0"/>
-                <a:sym typeface="Wingdings" charset="0"/>
-              </a:rPr>
-              <a:t>‘</a:t>
-            </a:r>
-            <a:r>
-              <a:rPr lang="en-US" altLang="ja-JP" sz="2000">
-                <a:latin typeface="Courier New" charset="0"/>
-                <a:cs typeface="Courier New" charset="0"/>
-                <a:sym typeface="Wingdings" charset="0"/>
-              </a:rPr>
-              <a:t>l</a:t>
-            </a:r>
-            <a:r>
-              <a:rPr lang="ja-JP" altLang="en-US" sz="2000">
-                <a:latin typeface="Courier New" charset="0"/>
-                <a:cs typeface="Courier New" charset="0"/>
-                <a:sym typeface="Wingdings" charset="0"/>
-              </a:rPr>
-              <a:t>’</a:t>
-            </a:r>
-            <a:r>
-              <a:rPr lang="en-US" altLang="ja-JP" sz="2000">
-                <a:latin typeface="Courier New" charset="0"/>
-                <a:cs typeface="Courier New" charset="0"/>
-                <a:sym typeface="Wingdings" charset="0"/>
-              </a:rPr>
-              <a:t>;</a:t>
-            </a:r>
-          </a:p>
-          <a:p>
-            <a:pPr lvl="1">
-              <a:lnSpc>
-                <a:spcPct val="80000"/>
-              </a:lnSpc>
-              <a:buFont typeface="Wingdings" charset="0"/>
-              <a:buNone/>
-            </a:pPr>
-            <a:r>
-              <a:rPr lang="en-US" sz="2000">
-                <a:latin typeface="Courier New" charset="0"/>
-                <a:cs typeface="Courier New" charset="0"/>
-                <a:sym typeface="Wingdings" charset="0"/>
-              </a:rPr>
-              <a:t>	hello[4] = </a:t>
-            </a:r>
-            <a:r>
-              <a:rPr lang="ja-JP" altLang="en-US" sz="2000">
-                <a:latin typeface="Courier New" charset="0"/>
-                <a:cs typeface="Courier New" charset="0"/>
-                <a:sym typeface="Wingdings" charset="0"/>
-              </a:rPr>
-              <a:t>‘</a:t>
-            </a:r>
-            <a:r>
-              <a:rPr lang="en-US" altLang="ja-JP" sz="2000">
-                <a:latin typeface="Courier New" charset="0"/>
-                <a:cs typeface="Courier New" charset="0"/>
-                <a:sym typeface="Wingdings" charset="0"/>
-              </a:rPr>
-              <a:t>o</a:t>
-            </a:r>
-            <a:r>
-              <a:rPr lang="ja-JP" altLang="en-US" sz="2000">
-                <a:latin typeface="Courier New" charset="0"/>
-                <a:cs typeface="Courier New" charset="0"/>
-                <a:sym typeface="Wingdings" charset="0"/>
-              </a:rPr>
-              <a:t>’</a:t>
-            </a:r>
-            <a:r>
-              <a:rPr lang="en-US" altLang="ja-JP" sz="2000">
-                <a:latin typeface="Courier New" charset="0"/>
-                <a:cs typeface="Courier New" charset="0"/>
-                <a:sym typeface="Wingdings" charset="0"/>
-              </a:rPr>
-              <a:t>;</a:t>
-            </a:r>
-          </a:p>
-          <a:p>
-            <a:pPr lvl="1">
-              <a:lnSpc>
-                <a:spcPct val="80000"/>
-              </a:lnSpc>
-              <a:buFont typeface="Wingdings" charset="0"/>
-              <a:buNone/>
-            </a:pPr>
-            <a:r>
-              <a:rPr lang="en-US" sz="2000">
-                <a:latin typeface="Courier New" charset="0"/>
-                <a:cs typeface="Courier New" charset="0"/>
-                <a:sym typeface="Wingdings" charset="0"/>
-              </a:rPr>
-              <a:t>	hello[5] = 0	   --OR--	hello[5] = </a:t>
-            </a:r>
-            <a:r>
-              <a:rPr lang="ja-JP" altLang="en-US" sz="2000">
-                <a:latin typeface="Courier New" charset="0"/>
-                <a:cs typeface="Courier New" charset="0"/>
-                <a:sym typeface="Wingdings" charset="0"/>
-              </a:rPr>
-              <a:t>‘</a:t>
-            </a:r>
-            <a:r>
-              <a:rPr lang="en-US" altLang="ja-JP" sz="2000">
-                <a:latin typeface="Courier New" charset="0"/>
-                <a:cs typeface="Courier New" charset="0"/>
-                <a:sym typeface="Wingdings" charset="0"/>
-              </a:rPr>
-              <a:t>\0</a:t>
-            </a:r>
-            <a:r>
-              <a:rPr lang="ja-JP" altLang="en-US" sz="2000">
-                <a:latin typeface="Courier New" charset="0"/>
-                <a:cs typeface="Courier New" charset="0"/>
-                <a:sym typeface="Wingdings" charset="0"/>
-              </a:rPr>
-              <a:t>’</a:t>
-            </a:r>
-            <a:r>
-              <a:rPr lang="en-US" altLang="ja-JP" sz="2000">
-                <a:latin typeface="Courier New" charset="0"/>
-                <a:cs typeface="Courier New" charset="0"/>
-                <a:sym typeface="Wingdings" charset="0"/>
-              </a:rPr>
-              <a:t>;</a:t>
-            </a:r>
-            <a:endParaRPr lang="en-US" sz="2000">
-              <a:latin typeface="Courier New" charset="0"/>
-              <a:cs typeface="Courier New" charset="0"/>
-              <a:sym typeface="Wingdings" charset="0"/>
-            </a:endParaRPr>
-          </a:p>
-        </p:txBody>
-      </p:sp>
-      <p:sp>
-        <p:nvSpPr>
-          <p:cNvPr id="20483" name="Date Placeholder 3"/>
-          <p:cNvSpPr>
-            <a:spLocks noGrp="1"/>
-          </p:cNvSpPr>
-          <p:nvPr>
-            <p:ph type="dt" sz="quarter" idx="10"/>
-          </p:nvPr>
-        </p:nvSpPr>
-        <p:spPr>
-          <a:noFill/>
-          <a:ln/>
-          <a:extLst>
-            <a:ext uri="{909E8E84-426E-40dd-AFC4-6F175D3DCCD1}">
-              <a14:hiddenFill xmlns:a14="http://schemas.microsoft.com/office/drawing/2010/main">
-                <a:solidFill>
-                  <a:srgbClr val="FFFFFF"/>
-                </a:solidFill>
-              </a14:hiddenFill>
-            </a:ext>
-            <a:ext uri="{91240B29-F687-4f45-9708-019B960494DF}">
-              <a14:hiddenLine xmlns:a14="http://schemas.microsoft.com/office/drawing/2010/main" w="9525">
-                <a:solidFill>
-                  <a:srgbClr val="000000"/>
-                </a:solidFill>
-                <a:miter lim="800000"/>
-                <a:headEnd/>
-                <a:tailEnd/>
-              </a14:hiddenLine>
-            </a:ext>
-          </a:extLst>
-        </p:spPr>
-        <p:txBody>
-          <a:bodyPr/>
-          <a:lstStyle>
-            <a:lvl1pPr eaLnBrk="0" hangingPunct="0">
-              <a:defRPr sz="2400">
-                <a:solidFill>
-                  <a:schemeClr val="tx1"/>
-                </a:solidFill>
-                <a:latin typeface="Arial" charset="0"/>
-                <a:ea typeface="ＭＳ Ｐゴシック" charset="0"/>
-                <a:cs typeface="ＭＳ Ｐゴシック" charset="0"/>
-              </a:defRPr>
-            </a:lvl1pPr>
-            <a:lvl2pPr marL="742950" indent="-285750" eaLnBrk="0" hangingPunct="0">
-              <a:defRPr sz="2400">
-                <a:solidFill>
-                  <a:schemeClr val="tx1"/>
-                </a:solidFill>
-                <a:latin typeface="Arial" charset="0"/>
-                <a:ea typeface="ＭＳ Ｐゴシック" charset="0"/>
-              </a:defRPr>
-            </a:lvl2pPr>
-            <a:lvl3pPr marL="1143000" indent="-228600" eaLnBrk="0" hangingPunct="0">
-              <a:defRPr sz="2400">
-                <a:solidFill>
-                  <a:schemeClr val="tx1"/>
-                </a:solidFill>
-                <a:latin typeface="Arial" charset="0"/>
-                <a:ea typeface="ＭＳ Ｐゴシック" charset="0"/>
-              </a:defRPr>
-            </a:lvl3pPr>
-            <a:lvl4pPr marL="1600200" indent="-228600" eaLnBrk="0" hangingPunct="0">
-              <a:defRPr sz="2400">
-                <a:solidFill>
-                  <a:schemeClr val="tx1"/>
-                </a:solidFill>
-                <a:latin typeface="Arial" charset="0"/>
-                <a:ea typeface="ＭＳ Ｐゴシック" charset="0"/>
-              </a:defRPr>
-            </a:lvl4pPr>
-            <a:lvl5pPr marL="2057400" indent="-228600" eaLnBrk="0" hangingPunct="0">
-              <a:defRPr sz="2400">
-                <a:solidFill>
-                  <a:schemeClr val="tx1"/>
-                </a:solidFill>
-                <a:latin typeface="Arial" charset="0"/>
-                <a:ea typeface="ＭＳ Ｐゴシック" charset="0"/>
-              </a:defRPr>
-            </a:lvl5pPr>
-            <a:lvl6pPr marL="2514600" indent="-228600" eaLnBrk="0" fontAlgn="base" hangingPunct="0">
-              <a:spcBef>
-                <a:spcPct val="0"/>
-              </a:spcBef>
-              <a:spcAft>
-                <a:spcPct val="0"/>
-              </a:spcAft>
-              <a:defRPr sz="2400">
-                <a:solidFill>
-                  <a:schemeClr val="tx1"/>
-                </a:solidFill>
-                <a:latin typeface="Arial" charset="0"/>
-                <a:ea typeface="ＭＳ Ｐゴシック" charset="0"/>
-              </a:defRPr>
-            </a:lvl6pPr>
-            <a:lvl7pPr marL="2971800" indent="-228600" eaLnBrk="0" fontAlgn="base" hangingPunct="0">
-              <a:spcBef>
-                <a:spcPct val="0"/>
-              </a:spcBef>
-              <a:spcAft>
-                <a:spcPct val="0"/>
-              </a:spcAft>
-              <a:defRPr sz="2400">
-                <a:solidFill>
-                  <a:schemeClr val="tx1"/>
-                </a:solidFill>
-                <a:latin typeface="Arial" charset="0"/>
-                <a:ea typeface="ＭＳ Ｐゴシック" charset="0"/>
-              </a:defRPr>
-            </a:lvl7pPr>
-            <a:lvl8pPr marL="3429000" indent="-228600" eaLnBrk="0" fontAlgn="base" hangingPunct="0">
-              <a:spcBef>
-                <a:spcPct val="0"/>
-              </a:spcBef>
-              <a:spcAft>
-                <a:spcPct val="0"/>
-              </a:spcAft>
-              <a:defRPr sz="2400">
-                <a:solidFill>
-                  <a:schemeClr val="tx1"/>
-                </a:solidFill>
-                <a:latin typeface="Arial" charset="0"/>
-                <a:ea typeface="ＭＳ Ｐゴシック" charset="0"/>
-              </a:defRPr>
-            </a:lvl8pPr>
-            <a:lvl9pPr marL="3886200" indent="-228600" eaLnBrk="0" fontAlgn="base" hangingPunct="0">
-              <a:spcBef>
-                <a:spcPct val="0"/>
-              </a:spcBef>
-              <a:spcAft>
-                <a:spcPct val="0"/>
-              </a:spcAft>
-              <a:defRPr sz="2400">
-                <a:solidFill>
-                  <a:schemeClr val="tx1"/>
-                </a:solidFill>
-                <a:latin typeface="Arial" charset="0"/>
-                <a:ea typeface="ＭＳ Ｐゴシック" charset="0"/>
-              </a:defRPr>
-            </a:lvl9pPr>
-          </a:lstStyle>
-          <a:p>
-            <a:pPr eaLnBrk="1" hangingPunct="1"/>
-            <a:fld id="{FD226AB5-737C-1E44-BEDD-FEB69AC6BF19}" type="datetime1">
-              <a:rPr lang="en-US" sz="1200">
-                <a:latin typeface="Garamond" charset="0"/>
-                <a:cs typeface="Arial" charset="0"/>
-              </a:rPr>
-              <a:pPr eaLnBrk="1" hangingPunct="1"/>
-              <a:t>10/19/15</a:t>
-            </a:fld>
-            <a:endParaRPr lang="en-US" sz="1200">
-              <a:latin typeface="Garamond" charset="0"/>
-              <a:cs typeface="Arial" charset="0"/>
-            </a:endParaRPr>
-          </a:p>
-        </p:txBody>
-      </p:sp>
-      <p:sp>
-        <p:nvSpPr>
-          <p:cNvPr id="5" name="Footer Placeholder 4"/>
-          <p:cNvSpPr>
-            <a:spLocks noGrp="1"/>
-          </p:cNvSpPr>
-          <p:nvPr>
-            <p:ph type="ftr" sz="quarter" idx="11"/>
-          </p:nvPr>
-        </p:nvSpPr>
-        <p:spPr/>
-        <p:txBody>
-          <a:bodyPr/>
-          <a:lstStyle/>
-          <a:p>
-            <a:pPr>
-              <a:defRPr/>
-            </a:pPr>
-            <a:r>
-              <a:rPr lang="en-US" altLang="en-US"/>
-              <a:t>ECE Application Programming: Lecture 22</a:t>
-            </a:r>
-          </a:p>
-        </p:txBody>
-      </p:sp>
-      <p:sp>
-        <p:nvSpPr>
-          <p:cNvPr id="20485" name="Slide Number Placeholder 5"/>
-          <p:cNvSpPr>
-            <a:spLocks noGrp="1"/>
-          </p:cNvSpPr>
-          <p:nvPr>
-            <p:ph type="sldNum" sz="quarter" idx="12"/>
-          </p:nvPr>
-        </p:nvSpPr>
-        <p:spPr>
-          <a:noFill/>
-          <a:ln/>
-          <a:extLst>
-            <a:ext uri="{909E8E84-426E-40dd-AFC4-6F175D3DCCD1}">
-              <a14:hiddenFill xmlns:a14="http://schemas.microsoft.com/office/drawing/2010/main">
-                <a:solidFill>
-                  <a:srgbClr val="FFFFFF"/>
-                </a:solidFill>
-              </a14:hiddenFill>
-            </a:ext>
-            <a:ext uri="{91240B29-F687-4f45-9708-019B960494DF}">
-              <a14:hiddenLine xmlns:a14="http://schemas.microsoft.com/office/drawing/2010/main" w="9525">
-                <a:solidFill>
-                  <a:srgbClr val="000000"/>
-                </a:solidFill>
-                <a:miter lim="800000"/>
-                <a:headEnd/>
-                <a:tailEnd/>
-              </a14:hiddenLine>
-            </a:ext>
-          </a:extLst>
-        </p:spPr>
-        <p:txBody>
-          <a:bodyPr/>
-          <a:lstStyle>
-            <a:lvl1pPr eaLnBrk="0" hangingPunct="0">
-              <a:defRPr sz="2400">
-                <a:solidFill>
-                  <a:schemeClr val="tx1"/>
-                </a:solidFill>
-                <a:latin typeface="Arial" charset="0"/>
-                <a:ea typeface="ＭＳ Ｐゴシック" charset="0"/>
-                <a:cs typeface="ＭＳ Ｐゴシック" charset="0"/>
-              </a:defRPr>
-            </a:lvl1pPr>
-            <a:lvl2pPr marL="742950" indent="-285750" eaLnBrk="0" hangingPunct="0">
-              <a:defRPr sz="2400">
-                <a:solidFill>
-                  <a:schemeClr val="tx1"/>
-                </a:solidFill>
-                <a:latin typeface="Arial" charset="0"/>
-                <a:ea typeface="ＭＳ Ｐゴシック" charset="0"/>
-              </a:defRPr>
-            </a:lvl2pPr>
-            <a:lvl3pPr marL="1143000" indent="-228600" eaLnBrk="0" hangingPunct="0">
-              <a:defRPr sz="2400">
-                <a:solidFill>
-                  <a:schemeClr val="tx1"/>
-                </a:solidFill>
-                <a:latin typeface="Arial" charset="0"/>
-                <a:ea typeface="ＭＳ Ｐゴシック" charset="0"/>
-              </a:defRPr>
-            </a:lvl3pPr>
-            <a:lvl4pPr marL="1600200" indent="-228600" eaLnBrk="0" hangingPunct="0">
-              <a:defRPr sz="2400">
-                <a:solidFill>
-                  <a:schemeClr val="tx1"/>
-                </a:solidFill>
-                <a:latin typeface="Arial" charset="0"/>
-                <a:ea typeface="ＭＳ Ｐゴシック" charset="0"/>
-              </a:defRPr>
-            </a:lvl4pPr>
-            <a:lvl5pPr marL="2057400" indent="-228600" eaLnBrk="0" hangingPunct="0">
-              <a:defRPr sz="2400">
-                <a:solidFill>
-                  <a:schemeClr val="tx1"/>
-                </a:solidFill>
-                <a:latin typeface="Arial" charset="0"/>
-                <a:ea typeface="ＭＳ Ｐゴシック" charset="0"/>
-              </a:defRPr>
-            </a:lvl5pPr>
-            <a:lvl6pPr marL="2514600" indent="-228600" eaLnBrk="0" fontAlgn="base" hangingPunct="0">
-              <a:spcBef>
-                <a:spcPct val="0"/>
-              </a:spcBef>
-              <a:spcAft>
-                <a:spcPct val="0"/>
-              </a:spcAft>
-              <a:defRPr sz="2400">
-                <a:solidFill>
-                  <a:schemeClr val="tx1"/>
-                </a:solidFill>
-                <a:latin typeface="Arial" charset="0"/>
-                <a:ea typeface="ＭＳ Ｐゴシック" charset="0"/>
-              </a:defRPr>
-            </a:lvl6pPr>
-            <a:lvl7pPr marL="2971800" indent="-228600" eaLnBrk="0" fontAlgn="base" hangingPunct="0">
-              <a:spcBef>
-                <a:spcPct val="0"/>
-              </a:spcBef>
-              <a:spcAft>
-                <a:spcPct val="0"/>
-              </a:spcAft>
-              <a:defRPr sz="2400">
-                <a:solidFill>
-                  <a:schemeClr val="tx1"/>
-                </a:solidFill>
-                <a:latin typeface="Arial" charset="0"/>
-                <a:ea typeface="ＭＳ Ｐゴシック" charset="0"/>
-              </a:defRPr>
-            </a:lvl7pPr>
-            <a:lvl8pPr marL="3429000" indent="-228600" eaLnBrk="0" fontAlgn="base" hangingPunct="0">
-              <a:spcBef>
-                <a:spcPct val="0"/>
-              </a:spcBef>
-              <a:spcAft>
-                <a:spcPct val="0"/>
-              </a:spcAft>
-              <a:defRPr sz="2400">
-                <a:solidFill>
-                  <a:schemeClr val="tx1"/>
-                </a:solidFill>
-                <a:latin typeface="Arial" charset="0"/>
-                <a:ea typeface="ＭＳ Ｐゴシック" charset="0"/>
-              </a:defRPr>
-            </a:lvl8pPr>
-            <a:lvl9pPr marL="3886200" indent="-228600" eaLnBrk="0" fontAlgn="base" hangingPunct="0">
-              <a:spcBef>
-                <a:spcPct val="0"/>
-              </a:spcBef>
-              <a:spcAft>
-                <a:spcPct val="0"/>
-              </a:spcAft>
-              <a:defRPr sz="2400">
-                <a:solidFill>
-                  <a:schemeClr val="tx1"/>
-                </a:solidFill>
-                <a:latin typeface="Arial" charset="0"/>
-                <a:ea typeface="ＭＳ Ｐゴシック" charset="0"/>
-              </a:defRPr>
-            </a:lvl9pPr>
-          </a:lstStyle>
-          <a:p>
-            <a:pPr eaLnBrk="1" hangingPunct="1"/>
-            <a:fld id="{E4D82A59-3716-D24B-9BF5-562DCA8E0DCF}" type="slidenum">
-              <a:rPr lang="en-US" sz="1200">
-                <a:latin typeface="Garamond" charset="0"/>
-                <a:cs typeface="Arial" charset="0"/>
-              </a:rPr>
-              <a:pPr eaLnBrk="1" hangingPunct="1"/>
-              <a:t>9</a:t>
-            </a:fld>
-            <a:endParaRPr lang="en-US" sz="1200">
-              <a:latin typeface="Garamond" charset="0"/>
-              <a:cs typeface="Arial" charset="0"/>
-            </a:endParaRPr>
-          </a:p>
-        </p:txBody>
-      </p:sp>
-    </p:spTree>
-    <p:extLst>
-      <p:ext uri="{BB962C8B-B14F-4D97-AF65-F5344CB8AC3E}">
-        <p14:creationId xmlns:p14="http://schemas.microsoft.com/office/powerpoint/2010/main" val="1304827080"/>
-      </p:ext>
-    </p:extLst>
   </p:cSld>
   <p:clrMapOvr>
     <a:masterClrMapping/>
